--- a/poster/Poster.pptx
+++ b/poster/Poster.pptx
@@ -3125,9 +3125,6 @@
               </a:rPr>
               <a:t>Predicting Meteorological Values on a Spatial Grid using the North American Land Data Assimilation System</a:t>
             </a:r>
-            <a:endParaRPr lang="en-US" sz="6400" b="1" dirty="0">
-              <a:latin typeface="+mj-lt"/>
-            </a:endParaRPr>
           </a:p>
         </p:txBody>
       </p:sp>
@@ -3266,6 +3263,1064 @@
           </a:p>
         </p:txBody>
       </p:sp>
+      <p:sp>
+        <p:nvSpPr>
+          <p:cNvPr id="6" name="TextBox 3"/>
+          <p:cNvSpPr txBox="1"/>
+          <p:nvPr/>
+        </p:nvSpPr>
+        <p:spPr>
+          <a:xfrm>
+            <a:off x="1008362" y="4925784"/>
+            <a:ext cx="10585176" cy="3416320"/>
+          </a:xfrm>
+          <a:prstGeom prst="rect">
+            <a:avLst/>
+          </a:prstGeom>
+          <a:noFill/>
+        </p:spPr>
+        <p:txBody>
+          <a:bodyPr wrap="square" rtlCol="0">
+            <a:spAutoFit/>
+          </a:bodyPr>
+          <a:lstStyle/>
+          <a:p>
+            <a:pPr algn="just"/>
+            <a:r>
+              <a:rPr lang="en-US" sz="2400" dirty="0" smtClean="0"/>
+              <a:t>Weather forecasts are useful for a wide range of applications, from everyday personal decisions, to large-scale industrial activities. However, many physical phenomena are involved in the evolution of the state of the atmosphere, and some of these are still largely misunderstood. Moreover, physically-based models require large amounts of data that can only </a:t>
+            </a:r>
+            <a:r>
+              <a:rPr lang="en-US" sz="2400" dirty="0"/>
+              <a:t>be indirectly </a:t>
+            </a:r>
+            <a:r>
+              <a:rPr lang="en-US" sz="2400" dirty="0" smtClean="0"/>
+              <a:t>estimated in </a:t>
+            </a:r>
+            <a:r>
+              <a:rPr lang="en-US" sz="2400" dirty="0" smtClean="0"/>
+              <a:t>most cases. Therefore, many researchers have turned their attention towards machine learning methods to create simplified models based on available </a:t>
+            </a:r>
+            <a:r>
+              <a:rPr lang="en-US" sz="2400" dirty="0"/>
+              <a:t>observations. The purpose of this project is to apply variants of a Vector Auto-Regression (VAR) model to the forecasting of meteorological </a:t>
+            </a:r>
+            <a:r>
+              <a:rPr lang="en-US" sz="2400" dirty="0" smtClean="0"/>
+              <a:t>variables using satellite-based observations.</a:t>
+            </a:r>
+            <a:endParaRPr lang="en-US" sz="2400" dirty="0"/>
+          </a:p>
+        </p:txBody>
+      </p:sp>
+      <p:sp>
+        <p:nvSpPr>
+          <p:cNvPr id="7" name="TextBox 3"/>
+          <p:cNvSpPr txBox="1"/>
+          <p:nvPr/>
+        </p:nvSpPr>
+        <p:spPr>
+          <a:xfrm>
+            <a:off x="1008362" y="4402564"/>
+            <a:ext cx="10585176" cy="523220"/>
+          </a:xfrm>
+          <a:prstGeom prst="rect">
+            <a:avLst/>
+          </a:prstGeom>
+          <a:noFill/>
+        </p:spPr>
+        <p:txBody>
+          <a:bodyPr wrap="square" rtlCol="0">
+            <a:spAutoFit/>
+          </a:bodyPr>
+          <a:lstStyle/>
+          <a:p>
+            <a:pPr algn="just"/>
+            <a:r>
+              <a:rPr lang="en-US" sz="2800" b="1" dirty="0" smtClean="0"/>
+              <a:t>Introduction</a:t>
+            </a:r>
+            <a:endParaRPr lang="en-US" sz="2800" b="1" dirty="0"/>
+          </a:p>
+        </p:txBody>
+      </p:sp>
+      <p:sp>
+        <p:nvSpPr>
+          <p:cNvPr id="8" name="TextBox 3"/>
+          <p:cNvSpPr txBox="1"/>
+          <p:nvPr/>
+        </p:nvSpPr>
+        <p:spPr>
+          <a:xfrm>
+            <a:off x="1008362" y="9258294"/>
+            <a:ext cx="10585176" cy="1938992"/>
+          </a:xfrm>
+          <a:prstGeom prst="rect">
+            <a:avLst/>
+          </a:prstGeom>
+          <a:noFill/>
+        </p:spPr>
+        <p:txBody>
+          <a:bodyPr wrap="square" rtlCol="0">
+            <a:spAutoFit/>
+          </a:bodyPr>
+          <a:lstStyle/>
+          <a:p>
+            <a:pPr algn="just"/>
+            <a:r>
+              <a:rPr lang="en-US" sz="2400" dirty="0" smtClean="0"/>
+              <a:t>As opposed to measurements from weather stations, satellite observations offer total spatial coverage at the cost of reduced precision</a:t>
+            </a:r>
+            <a:r>
+              <a:rPr lang="en-US" sz="2400" dirty="0" smtClean="0"/>
+              <a:t>. Figure 1 shows samples from the North America Data Assimilation System (NLDAS) satellite-based observations available from the GES-DISC at NASA: values for the different meteorological variables are provided hourly for each cell within a regular grid.</a:t>
+            </a:r>
+            <a:endParaRPr lang="en-US" sz="2400" dirty="0"/>
+          </a:p>
+        </p:txBody>
+      </p:sp>
+      <p:sp>
+        <p:nvSpPr>
+          <p:cNvPr id="9" name="TextBox 3"/>
+          <p:cNvSpPr txBox="1"/>
+          <p:nvPr/>
+        </p:nvSpPr>
+        <p:spPr>
+          <a:xfrm>
+            <a:off x="1008362" y="8735074"/>
+            <a:ext cx="10585176" cy="523220"/>
+          </a:xfrm>
+          <a:prstGeom prst="rect">
+            <a:avLst/>
+          </a:prstGeom>
+          <a:noFill/>
+        </p:spPr>
+        <p:txBody>
+          <a:bodyPr wrap="square" rtlCol="0">
+            <a:spAutoFit/>
+          </a:bodyPr>
+          <a:lstStyle/>
+          <a:p>
+            <a:pPr algn="just"/>
+            <a:r>
+              <a:rPr lang="en-US" sz="2800" b="1" dirty="0" smtClean="0"/>
+              <a:t>Dataset</a:t>
+            </a:r>
+            <a:endParaRPr lang="en-US" sz="2800" b="1" dirty="0"/>
+          </a:p>
+        </p:txBody>
+      </p:sp>
+      <p:sp>
+        <p:nvSpPr>
+          <p:cNvPr id="28" name="TextBox 3"/>
+          <p:cNvSpPr txBox="1"/>
+          <p:nvPr/>
+        </p:nvSpPr>
+        <p:spPr>
+          <a:xfrm>
+            <a:off x="1116373" y="18639079"/>
+            <a:ext cx="10467563" cy="1569660"/>
+          </a:xfrm>
+          <a:prstGeom prst="rect">
+            <a:avLst/>
+          </a:prstGeom>
+          <a:noFill/>
+        </p:spPr>
+        <p:txBody>
+          <a:bodyPr wrap="square" rtlCol="0">
+            <a:spAutoFit/>
+          </a:bodyPr>
+          <a:lstStyle/>
+          <a:p>
+            <a:pPr algn="just"/>
+            <a:r>
+              <a:rPr lang="en-US" sz="2400" dirty="0"/>
+              <a:t>Our </a:t>
+            </a:r>
+            <a:r>
+              <a:rPr lang="en-US" sz="2400" dirty="0" smtClean="0"/>
+              <a:t>work </a:t>
+            </a:r>
+            <a:r>
+              <a:rPr lang="en-US" sz="2400" dirty="0"/>
+              <a:t>uses a vector </a:t>
+            </a:r>
+            <a:r>
+              <a:rPr lang="en-US" sz="2400" dirty="0" smtClean="0"/>
+              <a:t>autoregressive (VAR</a:t>
+            </a:r>
+            <a:r>
+              <a:rPr lang="en-US" sz="2400" dirty="0"/>
+              <a:t>) model in order to simulate and predict the evolution of the meteorological </a:t>
+            </a:r>
+            <a:r>
+              <a:rPr lang="en-US" sz="2400" dirty="0" smtClean="0"/>
+              <a:t>system over </a:t>
+            </a:r>
+            <a:r>
+              <a:rPr lang="en-US" sz="2400" dirty="0"/>
+              <a:t>time. </a:t>
+            </a:r>
+            <a:r>
+              <a:rPr lang="en-US" sz="2400" dirty="0" smtClean="0"/>
+              <a:t>The </a:t>
+            </a:r>
+            <a:r>
+              <a:rPr lang="en-US" sz="2400" dirty="0"/>
+              <a:t>model describes </a:t>
+            </a:r>
+            <a:r>
+              <a:rPr lang="en-US" sz="2400" dirty="0" smtClean="0"/>
+              <a:t>the system </a:t>
+            </a:r>
+            <a:r>
+              <a:rPr lang="en-US" sz="2400" dirty="0"/>
+              <a:t>values </a:t>
+            </a:r>
+            <a:r>
+              <a:rPr lang="en-US" sz="2400" i="1" dirty="0" smtClean="0"/>
+              <a:t>X</a:t>
+            </a:r>
+            <a:r>
+              <a:rPr lang="en-US" sz="2400" dirty="0" smtClean="0"/>
+              <a:t> at </a:t>
+            </a:r>
+            <a:r>
+              <a:rPr lang="en-US" sz="2400" dirty="0"/>
+              <a:t>time </a:t>
+            </a:r>
+            <a:r>
+              <a:rPr lang="en-US" sz="2400" i="1" dirty="0"/>
+              <a:t>t</a:t>
+            </a:r>
+            <a:r>
+              <a:rPr lang="en-US" sz="2400" dirty="0"/>
+              <a:t> </a:t>
+            </a:r>
+            <a:r>
+              <a:rPr lang="en-US" sz="2400" dirty="0" smtClean="0"/>
+              <a:t>as a linear combination of </a:t>
+            </a:r>
+            <a:r>
+              <a:rPr lang="en-US" sz="2400" dirty="0"/>
+              <a:t>some number of prior system states </a:t>
+            </a:r>
+            <a:r>
+              <a:rPr lang="en-US" sz="2400" i="1" dirty="0" smtClean="0"/>
+              <a:t>p</a:t>
+            </a:r>
+            <a:r>
+              <a:rPr lang="en-US" sz="2400" dirty="0" smtClean="0"/>
+              <a:t>:</a:t>
+            </a:r>
+            <a:endParaRPr lang="en-US" sz="2400" dirty="0"/>
+          </a:p>
+        </p:txBody>
+      </p:sp>
+      <p:sp>
+        <p:nvSpPr>
+          <p:cNvPr id="29" name="TextBox 3"/>
+          <p:cNvSpPr txBox="1"/>
+          <p:nvPr/>
+        </p:nvSpPr>
+        <p:spPr>
+          <a:xfrm>
+            <a:off x="1116373" y="18115859"/>
+            <a:ext cx="10467563" cy="523220"/>
+          </a:xfrm>
+          <a:prstGeom prst="rect">
+            <a:avLst/>
+          </a:prstGeom>
+          <a:noFill/>
+        </p:spPr>
+        <p:txBody>
+          <a:bodyPr wrap="square" rtlCol="0">
+            <a:spAutoFit/>
+          </a:bodyPr>
+          <a:lstStyle/>
+          <a:p>
+            <a:pPr algn="just"/>
+            <a:r>
+              <a:rPr lang="en-US" sz="2800" b="1" dirty="0" smtClean="0"/>
+              <a:t>Method</a:t>
+            </a:r>
+            <a:endParaRPr lang="en-US" sz="2800" b="1" dirty="0"/>
+          </a:p>
+        </p:txBody>
+      </p:sp>
+      <mc:AlternateContent xmlns:mc="http://schemas.openxmlformats.org/markup-compatibility/2006">
+        <mc:Choice xmlns:a14="http://schemas.microsoft.com/office/drawing/2010/main" Requires="a14">
+          <p:sp>
+            <p:nvSpPr>
+              <p:cNvPr id="30" name="29 CuadroTexto"/>
+              <p:cNvSpPr txBox="1"/>
+              <p:nvPr/>
+            </p:nvSpPr>
+            <p:spPr>
+              <a:xfrm>
+                <a:off x="3536479" y="20511287"/>
+                <a:ext cx="5104731" cy="490199"/>
+              </a:xfrm>
+              <a:prstGeom prst="rect">
+                <a:avLst/>
+              </a:prstGeom>
+              <a:noFill/>
+            </p:spPr>
+            <p:txBody>
+              <a:bodyPr wrap="none" rtlCol="0">
+                <a:spAutoFit/>
+              </a:bodyPr>
+              <a:lstStyle/>
+              <a:p>
+                <a14:m>
+                  <m:oMathPara xmlns:m="http://schemas.openxmlformats.org/officeDocument/2006/math">
+                    <m:oMathParaPr>
+                      <m:jc m:val="centerGroup"/>
+                    </m:oMathParaPr>
+                    <m:oMath xmlns:m="http://schemas.openxmlformats.org/officeDocument/2006/math">
+                      <m:sSub>
+                        <m:sSubPr>
+                          <m:ctrlPr>
+                            <a:rPr lang="es-MX" sz="2400" i="1" smtClean="0">
+                              <a:latin typeface="Cambria Math"/>
+                            </a:rPr>
+                          </m:ctrlPr>
+                        </m:sSubPr>
+                        <m:e>
+                          <m:r>
+                            <a:rPr lang="es-CO" sz="2400" b="1" i="1" smtClean="0">
+                              <a:latin typeface="Cambria Math"/>
+                            </a:rPr>
+                            <m:t>𝑿</m:t>
+                          </m:r>
+                        </m:e>
+                        <m:sub>
+                          <m:r>
+                            <a:rPr lang="es-CO" sz="2400" b="0" i="1" smtClean="0">
+                              <a:latin typeface="Cambria Math"/>
+                            </a:rPr>
+                            <m:t>𝑡</m:t>
+                          </m:r>
+                        </m:sub>
+                      </m:sSub>
+                      <m:r>
+                        <a:rPr lang="es-CO" sz="2400" b="0" i="1" smtClean="0">
+                          <a:latin typeface="Cambria Math"/>
+                        </a:rPr>
+                        <m:t>=</m:t>
+                      </m:r>
+                      <m:r>
+                        <a:rPr lang="es-CO" sz="2400" b="0" i="1" smtClean="0">
+                          <a:latin typeface="Cambria Math"/>
+                        </a:rPr>
+                        <m:t>𝑐</m:t>
+                      </m:r>
+                      <m:r>
+                        <a:rPr lang="es-CO" sz="2400" b="0" i="1" smtClean="0">
+                          <a:latin typeface="Cambria Math"/>
+                        </a:rPr>
+                        <m:t>+</m:t>
+                      </m:r>
+                      <m:sSub>
+                        <m:sSubPr>
+                          <m:ctrlPr>
+                            <a:rPr lang="es-CO" sz="2400" b="0" i="1" smtClean="0">
+                              <a:latin typeface="Cambria Math"/>
+                            </a:rPr>
+                          </m:ctrlPr>
+                        </m:sSubPr>
+                        <m:e>
+                          <m:r>
+                            <a:rPr lang="el-GR" sz="2400" b="1" i="0">
+                              <a:latin typeface="Cambria Math"/>
+                            </a:rPr>
+                            <m:t>𝚷</m:t>
+                          </m:r>
+                        </m:e>
+                        <m:sub>
+                          <m:r>
+                            <a:rPr lang="es-CO" sz="2400" b="0" i="1" smtClean="0">
+                              <a:latin typeface="Cambria Math"/>
+                            </a:rPr>
+                            <m:t>1</m:t>
+                          </m:r>
+                        </m:sub>
+                      </m:sSub>
+                      <m:sSub>
+                        <m:sSubPr>
+                          <m:ctrlPr>
+                            <a:rPr lang="es-CO" sz="2400" b="0" i="1" smtClean="0">
+                              <a:latin typeface="Cambria Math"/>
+                            </a:rPr>
+                          </m:ctrlPr>
+                        </m:sSubPr>
+                        <m:e>
+                          <m:r>
+                            <a:rPr lang="es-CO" sz="2400" b="1" i="1" smtClean="0">
+                              <a:latin typeface="Cambria Math"/>
+                            </a:rPr>
+                            <m:t>𝑿</m:t>
+                          </m:r>
+                        </m:e>
+                        <m:sub>
+                          <m:r>
+                            <a:rPr lang="es-CO" sz="2400" b="0" i="1" smtClean="0">
+                              <a:latin typeface="Cambria Math"/>
+                            </a:rPr>
+                            <m:t>𝑡</m:t>
+                          </m:r>
+                          <m:r>
+                            <a:rPr lang="es-CO" sz="2400" b="0" i="1" smtClean="0">
+                              <a:latin typeface="Cambria Math"/>
+                            </a:rPr>
+                            <m:t>−1</m:t>
+                          </m:r>
+                        </m:sub>
+                      </m:sSub>
+                      <m:r>
+                        <a:rPr lang="es-CO" sz="2400" b="0" i="1" smtClean="0">
+                          <a:latin typeface="Cambria Math"/>
+                        </a:rPr>
+                        <m:t>+…+</m:t>
+                      </m:r>
+                      <m:sSub>
+                        <m:sSubPr>
+                          <m:ctrlPr>
+                            <a:rPr lang="es-CO" sz="2400" i="1">
+                              <a:latin typeface="Cambria Math"/>
+                            </a:rPr>
+                          </m:ctrlPr>
+                        </m:sSubPr>
+                        <m:e>
+                          <m:r>
+                            <a:rPr lang="el-GR" sz="2400" b="1" i="0" smtClean="0">
+                              <a:latin typeface="Cambria Math"/>
+                            </a:rPr>
+                            <m:t>𝚷</m:t>
+                          </m:r>
+                        </m:e>
+                        <m:sub>
+                          <m:r>
+                            <a:rPr lang="es-CO" sz="2400" b="0" i="1" smtClean="0">
+                              <a:latin typeface="Cambria Math"/>
+                            </a:rPr>
+                            <m:t>𝑝</m:t>
+                          </m:r>
+                        </m:sub>
+                      </m:sSub>
+                      <m:sSub>
+                        <m:sSubPr>
+                          <m:ctrlPr>
+                            <a:rPr lang="es-CO" sz="2400" i="1">
+                              <a:latin typeface="Cambria Math"/>
+                            </a:rPr>
+                          </m:ctrlPr>
+                        </m:sSubPr>
+                        <m:e>
+                          <m:r>
+                            <a:rPr lang="es-CO" sz="2400" b="1" i="1">
+                              <a:latin typeface="Cambria Math"/>
+                            </a:rPr>
+                            <m:t>𝑿</m:t>
+                          </m:r>
+                        </m:e>
+                        <m:sub>
+                          <m:r>
+                            <a:rPr lang="es-CO" sz="2400" i="1">
+                              <a:latin typeface="Cambria Math"/>
+                            </a:rPr>
+                            <m:t>𝑡</m:t>
+                          </m:r>
+                          <m:r>
+                            <a:rPr lang="es-CO" sz="2400" i="1">
+                              <a:latin typeface="Cambria Math"/>
+                            </a:rPr>
+                            <m:t>−</m:t>
+                          </m:r>
+                          <m:r>
+                            <a:rPr lang="es-CO" sz="2400" b="0" i="1" smtClean="0">
+                              <a:latin typeface="Cambria Math"/>
+                            </a:rPr>
+                            <m:t>𝑝</m:t>
+                          </m:r>
+                        </m:sub>
+                      </m:sSub>
+                      <m:r>
+                        <a:rPr lang="es-CO" sz="2400" b="0" i="1" smtClean="0">
+                          <a:latin typeface="Cambria Math"/>
+                        </a:rPr>
+                        <m:t>+</m:t>
+                      </m:r>
+                      <m:sSub>
+                        <m:sSubPr>
+                          <m:ctrlPr>
+                            <a:rPr lang="es-CO" sz="2400" b="0" i="1" smtClean="0">
+                              <a:latin typeface="Cambria Math"/>
+                            </a:rPr>
+                          </m:ctrlPr>
+                        </m:sSubPr>
+                        <m:e>
+                          <m:r>
+                            <m:rPr>
+                              <m:sty m:val="p"/>
+                            </m:rPr>
+                            <a:rPr lang="el-GR" sz="2400" b="0" i="1" smtClean="0">
+                              <a:latin typeface="Cambria Math"/>
+                            </a:rPr>
+                            <m:t>ε</m:t>
+                          </m:r>
+                        </m:e>
+                        <m:sub>
+                          <m:r>
+                            <a:rPr lang="es-CO" sz="2400" b="0" i="1" smtClean="0">
+                              <a:latin typeface="Cambria Math"/>
+                            </a:rPr>
+                            <m:t>𝑡</m:t>
+                          </m:r>
+                        </m:sub>
+                      </m:sSub>
+                    </m:oMath>
+                  </m:oMathPara>
+                </a14:m>
+                <a:endParaRPr lang="es-MX" sz="2400" dirty="0"/>
+              </a:p>
+            </p:txBody>
+          </p:sp>
+        </mc:Choice>
+        <mc:Fallback>
+          <p:sp>
+            <p:nvSpPr>
+              <p:cNvPr id="30" name="29 CuadroTexto"/>
+              <p:cNvSpPr txBox="1">
+                <a:spLocks noRot="1" noChangeAspect="1" noMove="1" noResize="1" noEditPoints="1" noAdjustHandles="1" noChangeArrowheads="1" noChangeShapeType="1" noTextEdit="1"/>
+              </p:cNvSpPr>
+              <p:nvPr/>
+            </p:nvSpPr>
+            <p:spPr>
+              <a:xfrm>
+                <a:off x="3536479" y="20511287"/>
+                <a:ext cx="5104731" cy="490199"/>
+              </a:xfrm>
+              <a:prstGeom prst="rect">
+                <a:avLst/>
+              </a:prstGeom>
+              <a:blipFill rotWithShape="1">
+                <a:blip r:embed="rId4"/>
+                <a:stretch>
+                  <a:fillRect b="-6250"/>
+                </a:stretch>
+              </a:blipFill>
+            </p:spPr>
+            <p:txBody>
+              <a:bodyPr/>
+              <a:lstStyle/>
+              <a:p>
+                <a:r>
+                  <a:rPr lang="es-MX">
+                    <a:noFill/>
+                  </a:rPr>
+                  <a:t> </a:t>
+                </a:r>
+              </a:p>
+            </p:txBody>
+          </p:sp>
+        </mc:Fallback>
+      </mc:AlternateContent>
+      <mc:AlternateContent xmlns:mc="http://schemas.openxmlformats.org/markup-compatibility/2006">
+        <mc:Choice xmlns:a14="http://schemas.microsoft.com/office/drawing/2010/main" Requires="a14">
+          <p:sp>
+            <p:nvSpPr>
+              <p:cNvPr id="31" name="TextBox 3"/>
+              <p:cNvSpPr txBox="1"/>
+              <p:nvPr/>
+            </p:nvSpPr>
+            <p:spPr>
+              <a:xfrm>
+                <a:off x="1116373" y="21308599"/>
+                <a:ext cx="10467563" cy="1230080"/>
+              </a:xfrm>
+              <a:prstGeom prst="rect">
+                <a:avLst/>
+              </a:prstGeom>
+              <a:noFill/>
+            </p:spPr>
+            <p:txBody>
+              <a:bodyPr wrap="square" rtlCol="0">
+                <a:spAutoFit/>
+              </a:bodyPr>
+              <a:lstStyle/>
+              <a:p>
+                <a:pPr algn="just"/>
+                <a:r>
+                  <a:rPr lang="en-US" sz="2400" dirty="0" smtClean="0"/>
+                  <a:t>This system can be solved for the unknown </a:t>
+                </a:r>
+                <a14:m>
+                  <m:oMath xmlns:m="http://schemas.openxmlformats.org/officeDocument/2006/math">
+                    <m:sSub>
+                      <m:sSubPr>
+                        <m:ctrlPr>
+                          <a:rPr lang="es-CO" sz="2400" i="1">
+                            <a:latin typeface="Cambria Math"/>
+                          </a:rPr>
+                        </m:ctrlPr>
+                      </m:sSubPr>
+                      <m:e>
+                        <m:r>
+                          <a:rPr lang="el-GR" sz="2400" b="1">
+                            <a:latin typeface="Cambria Math"/>
+                          </a:rPr>
+                          <m:t>𝚷</m:t>
+                        </m:r>
+                      </m:e>
+                      <m:sub>
+                        <m:r>
+                          <a:rPr lang="es-CO" sz="2400" b="0" i="1" smtClean="0">
+                            <a:latin typeface="Cambria Math"/>
+                          </a:rPr>
+                          <m:t>𝑗</m:t>
+                        </m:r>
+                      </m:sub>
+                    </m:sSub>
+                  </m:oMath>
+                </a14:m>
+                <a:r>
+                  <a:rPr lang="en-US" sz="2400" dirty="0" smtClean="0"/>
+                  <a:t> parameter matrices </a:t>
+                </a:r>
+                <a:r>
+                  <a:rPr lang="en-US" sz="2400" dirty="0"/>
+                  <a:t>using ordinary least </a:t>
+                </a:r>
+                <a:r>
+                  <a:rPr lang="en-US" sz="2400" dirty="0" smtClean="0"/>
+                  <a:t>squares by rewriting it as </a:t>
+                </a:r>
+                <a:r>
+                  <a:rPr lang="en-US" sz="2400" dirty="0"/>
+                  <a:t>a system of </a:t>
+                </a:r>
+                <a:r>
+                  <a:rPr lang="en-US" sz="2400" dirty="0" smtClean="0"/>
+                  <a:t>equations (each </a:t>
+                </a:r>
+                <a:r>
+                  <a:rPr lang="en-US" sz="2400" dirty="0"/>
+                  <a:t>row is the equation for one system variable at one time </a:t>
+                </a:r>
+                <a:r>
+                  <a:rPr lang="en-US" sz="2400" dirty="0" smtClean="0"/>
+                  <a:t>step).</a:t>
+                </a:r>
+                <a:endParaRPr lang="en-US" sz="2400" dirty="0"/>
+              </a:p>
+            </p:txBody>
+          </p:sp>
+        </mc:Choice>
+        <mc:Fallback>
+          <p:sp>
+            <p:nvSpPr>
+              <p:cNvPr id="31" name="TextBox 3"/>
+              <p:cNvSpPr txBox="1">
+                <a:spLocks noRot="1" noChangeAspect="1" noMove="1" noResize="1" noEditPoints="1" noAdjustHandles="1" noChangeArrowheads="1" noChangeShapeType="1" noTextEdit="1"/>
+              </p:cNvSpPr>
+              <p:nvPr/>
+            </p:nvSpPr>
+            <p:spPr>
+              <a:xfrm>
+                <a:off x="1116373" y="21308599"/>
+                <a:ext cx="10467563" cy="1230080"/>
+              </a:xfrm>
+              <a:prstGeom prst="rect">
+                <a:avLst/>
+              </a:prstGeom>
+              <a:blipFill rotWithShape="1">
+                <a:blip r:embed="rId5"/>
+                <a:stretch>
+                  <a:fillRect l="-874" t="-3483" r="-932" b="-10945"/>
+                </a:stretch>
+              </a:blipFill>
+            </p:spPr>
+            <p:txBody>
+              <a:bodyPr/>
+              <a:lstStyle/>
+              <a:p>
+                <a:r>
+                  <a:rPr lang="es-MX">
+                    <a:noFill/>
+                  </a:rPr>
+                  <a:t> </a:t>
+                </a:r>
+              </a:p>
+            </p:txBody>
+          </p:sp>
+        </mc:Fallback>
+      </mc:AlternateContent>
+      <p:sp>
+        <p:nvSpPr>
+          <p:cNvPr id="32" name="TextBox 3"/>
+          <p:cNvSpPr txBox="1"/>
+          <p:nvPr/>
+        </p:nvSpPr>
+        <p:spPr>
+          <a:xfrm>
+            <a:off x="13177714" y="4927997"/>
+            <a:ext cx="9937104" cy="2308324"/>
+          </a:xfrm>
+          <a:prstGeom prst="rect">
+            <a:avLst/>
+          </a:prstGeom>
+          <a:noFill/>
+        </p:spPr>
+        <p:txBody>
+          <a:bodyPr wrap="square" rtlCol="0">
+            <a:spAutoFit/>
+          </a:bodyPr>
+          <a:lstStyle/>
+          <a:p>
+            <a:pPr algn="just"/>
+            <a:r>
+              <a:rPr lang="en-US" sz="2400" dirty="0" smtClean="0"/>
+              <a:t>Three aspects for the setup of the model were considered:</a:t>
+            </a:r>
+          </a:p>
+          <a:p>
+            <a:pPr marL="520700" indent="-342900">
+              <a:buFont typeface="Arial" panose="020B0604020202020204" pitchFamily="34" charset="0"/>
+              <a:buChar char="•"/>
+            </a:pPr>
+            <a:r>
+              <a:rPr lang="en-US" sz="2400" dirty="0" smtClean="0"/>
+              <a:t>Using the past values of the same variable vs. using the past values of all the variables</a:t>
+            </a:r>
+          </a:p>
+          <a:p>
+            <a:pPr marL="520700" indent="-342900">
+              <a:buFont typeface="Arial" panose="020B0604020202020204" pitchFamily="34" charset="0"/>
+              <a:buChar char="•"/>
+            </a:pPr>
+            <a:r>
+              <a:rPr lang="en-US" sz="2400" dirty="0" smtClean="0"/>
+              <a:t>The number of previous states to consider (</a:t>
+            </a:r>
+            <a:r>
+              <a:rPr lang="en-US" sz="2400" i="1" dirty="0" smtClean="0"/>
+              <a:t>p</a:t>
+            </a:r>
+            <a:r>
+              <a:rPr lang="en-US" sz="2400" dirty="0" smtClean="0"/>
+              <a:t>)</a:t>
+            </a:r>
+          </a:p>
+          <a:p>
+            <a:pPr marL="520700" indent="-342900">
+              <a:buFont typeface="Arial" panose="020B0604020202020204" pitchFamily="34" charset="0"/>
+              <a:buChar char="•"/>
+            </a:pPr>
+            <a:r>
+              <a:rPr lang="en-US" sz="2400" dirty="0" smtClean="0"/>
+              <a:t>Whether or not to include the values on neighboring cells (neighborhood radius </a:t>
+            </a:r>
+            <a:r>
+              <a:rPr lang="en-US" sz="2400" i="1" dirty="0" smtClean="0"/>
+              <a:t>r</a:t>
+            </a:r>
+            <a:r>
+              <a:rPr lang="en-US" sz="2400" dirty="0" smtClean="0"/>
+              <a:t>)</a:t>
+            </a:r>
+            <a:endParaRPr lang="en-US" sz="2400" dirty="0"/>
+          </a:p>
+        </p:txBody>
+      </p:sp>
+      <p:sp>
+        <p:nvSpPr>
+          <p:cNvPr id="33" name="TextBox 3"/>
+          <p:cNvSpPr txBox="1"/>
+          <p:nvPr/>
+        </p:nvSpPr>
+        <p:spPr>
+          <a:xfrm>
+            <a:off x="13177714" y="7597517"/>
+            <a:ext cx="9937104" cy="830997"/>
+          </a:xfrm>
+          <a:prstGeom prst="rect">
+            <a:avLst/>
+          </a:prstGeom>
+          <a:noFill/>
+        </p:spPr>
+        <p:txBody>
+          <a:bodyPr wrap="square" rtlCol="0">
+            <a:spAutoFit/>
+          </a:bodyPr>
+          <a:lstStyle/>
+          <a:p>
+            <a:pPr algn="just"/>
+            <a:r>
+              <a:rPr lang="en-US" sz="2400" dirty="0" smtClean="0"/>
+              <a:t>Figure 2 illustrates two possible the setups for the VAR model, with varying lag </a:t>
+            </a:r>
+            <a:r>
+              <a:rPr lang="en-US" sz="2400" i="1" dirty="0" smtClean="0"/>
+              <a:t>p</a:t>
+            </a:r>
+            <a:r>
+              <a:rPr lang="en-US" sz="2400" dirty="0" smtClean="0"/>
+              <a:t> and neighborhood radius </a:t>
+            </a:r>
+            <a:r>
+              <a:rPr lang="en-US" sz="2400" i="1" dirty="0" smtClean="0"/>
+              <a:t>r</a:t>
+            </a:r>
+            <a:r>
+              <a:rPr lang="en-US" sz="2400" dirty="0" smtClean="0"/>
+              <a:t>.</a:t>
+            </a:r>
+            <a:endParaRPr lang="en-US" sz="2400" dirty="0"/>
+          </a:p>
+        </p:txBody>
+      </p:sp>
+      <p:pic>
+        <p:nvPicPr>
+          <p:cNvPr id="1026" name="Picture 2"/>
+          <p:cNvPicPr>
+            <a:picLocks noChangeAspect="1" noChangeArrowheads="1"/>
+          </p:cNvPicPr>
+          <p:nvPr/>
+        </p:nvPicPr>
+        <p:blipFill>
+          <a:blip r:embed="rId6">
+            <a:extLst>
+              <a:ext uri="{28A0092B-C50C-407E-A947-70E740481C1C}">
+                <a14:useLocalDpi xmlns:a14="http://schemas.microsoft.com/office/drawing/2010/main" val="0"/>
+              </a:ext>
+            </a:extLst>
+          </a:blip>
+          <a:srcRect/>
+          <a:stretch>
+            <a:fillRect/>
+          </a:stretch>
+        </p:blipFill>
+        <p:spPr bwMode="auto">
+          <a:xfrm>
+            <a:off x="14041810" y="8890258"/>
+            <a:ext cx="8058714" cy="5583525"/>
+          </a:xfrm>
+          <a:prstGeom prst="rect">
+            <a:avLst/>
+          </a:prstGeom>
+          <a:noFill/>
+          <a:ln>
+            <a:noFill/>
+          </a:ln>
+          <a:effectLst/>
+          <a:extLst>
+            <a:ext uri="{909E8E84-426E-40DD-AFC4-6F175D3DCCD1}">
+              <a14:hiddenFill xmlns:a14="http://schemas.microsoft.com/office/drawing/2010/main">
+                <a:solidFill>
+                  <a:schemeClr val="accent1"/>
+                </a:solidFill>
+              </a14:hiddenFill>
+            </a:ext>
+            <a:ext uri="{91240B29-F687-4F45-9708-019B960494DF}">
+              <a14:hiddenLine xmlns:a14="http://schemas.microsoft.com/office/drawing/2010/main" w="9525">
+                <a:solidFill>
+                  <a:schemeClr val="tx1"/>
+                </a:solidFill>
+                <a:miter lim="800000"/>
+                <a:headEnd/>
+                <a:tailEnd/>
+              </a14:hiddenLine>
+            </a:ext>
+            <a:ext uri="{AF507438-7753-43E0-B8FC-AC1667EBCBE1}">
+              <a14:hiddenEffects xmlns:a14="http://schemas.microsoft.com/office/drawing/2010/main">
+                <a:effectLst>
+                  <a:outerShdw dist="35921" dir="2700000" algn="ctr" rotWithShape="0">
+                    <a:schemeClr val="bg2"/>
+                  </a:outerShdw>
+                </a:effectLst>
+              </a14:hiddenEffects>
+            </a:ext>
+          </a:extLst>
+        </p:spPr>
+      </p:pic>
+      <p:sp>
+        <p:nvSpPr>
+          <p:cNvPr id="73" name="TextBox 3"/>
+          <p:cNvSpPr txBox="1"/>
+          <p:nvPr/>
+        </p:nvSpPr>
+        <p:spPr>
+          <a:xfrm>
+            <a:off x="14217632" y="14722906"/>
+            <a:ext cx="7569236" cy="830997"/>
+          </a:xfrm>
+          <a:prstGeom prst="rect">
+            <a:avLst/>
+          </a:prstGeom>
+          <a:noFill/>
+        </p:spPr>
+        <p:txBody>
+          <a:bodyPr wrap="square" rtlCol="0">
+            <a:spAutoFit/>
+          </a:bodyPr>
+          <a:lstStyle/>
+          <a:p>
+            <a:r>
+              <a:rPr lang="en-US" sz="2400" b="1" dirty="0" smtClean="0"/>
+              <a:t>Figure 2. </a:t>
+            </a:r>
+            <a:r>
+              <a:rPr lang="en-US" sz="2400" dirty="0" smtClean="0"/>
+              <a:t>Variables used for estimating values </a:t>
+            </a:r>
+            <a:r>
+              <a:rPr lang="en-US" sz="2400" b="1" i="1" dirty="0" smtClean="0"/>
+              <a:t>X</a:t>
+            </a:r>
+            <a:r>
+              <a:rPr lang="en-US" sz="2400" dirty="0" smtClean="0"/>
+              <a:t> at time </a:t>
+            </a:r>
+            <a:r>
+              <a:rPr lang="en-US" sz="2400" i="1" dirty="0" smtClean="0"/>
+              <a:t>t</a:t>
+            </a:r>
+            <a:r>
+              <a:rPr lang="en-US" sz="2400" dirty="0" smtClean="0"/>
+              <a:t> at cell (</a:t>
+            </a:r>
+            <a:r>
+              <a:rPr lang="en-US" sz="2400" i="1" dirty="0" smtClean="0"/>
+              <a:t>x</a:t>
+            </a:r>
+            <a:r>
+              <a:rPr lang="en-US" sz="2400" dirty="0" smtClean="0"/>
+              <a:t>, </a:t>
+            </a:r>
+            <a:r>
+              <a:rPr lang="en-US" sz="2400" i="1" dirty="0" smtClean="0"/>
+              <a:t>y</a:t>
+            </a:r>
+            <a:r>
+              <a:rPr lang="en-US" sz="2400" dirty="0" smtClean="0"/>
+              <a:t>); </a:t>
+            </a:r>
+            <a:r>
+              <a:rPr lang="en-US" sz="2400" dirty="0"/>
+              <a:t>a</a:t>
+            </a:r>
+            <a:r>
+              <a:rPr lang="en-US" sz="2400" dirty="0" smtClean="0"/>
+              <a:t>. Single-variable model; b. Multivariate model</a:t>
+            </a:r>
+            <a:endParaRPr lang="en-US" sz="2400" dirty="0"/>
+          </a:p>
+        </p:txBody>
+      </p:sp>
+      <p:pic>
+        <p:nvPicPr>
+          <p:cNvPr id="1027" name="Picture 3"/>
+          <p:cNvPicPr>
+            <a:picLocks noChangeAspect="1" noChangeArrowheads="1"/>
+          </p:cNvPicPr>
+          <p:nvPr/>
+        </p:nvPicPr>
+        <p:blipFill>
+          <a:blip r:embed="rId7">
+            <a:extLst>
+              <a:ext uri="{28A0092B-C50C-407E-A947-70E740481C1C}">
+                <a14:useLocalDpi xmlns:a14="http://schemas.microsoft.com/office/drawing/2010/main" val="0"/>
+              </a:ext>
+            </a:extLst>
+          </a:blip>
+          <a:srcRect/>
+          <a:stretch>
+            <a:fillRect/>
+          </a:stretch>
+        </p:blipFill>
+        <p:spPr bwMode="auto">
+          <a:xfrm>
+            <a:off x="1359397" y="11438542"/>
+            <a:ext cx="9298037" cy="5645091"/>
+          </a:xfrm>
+          <a:prstGeom prst="rect">
+            <a:avLst/>
+          </a:prstGeom>
+          <a:noFill/>
+          <a:ln>
+            <a:noFill/>
+          </a:ln>
+          <a:effectLst/>
+          <a:extLst>
+            <a:ext uri="{909E8E84-426E-40DD-AFC4-6F175D3DCCD1}">
+              <a14:hiddenFill xmlns:a14="http://schemas.microsoft.com/office/drawing/2010/main">
+                <a:solidFill>
+                  <a:schemeClr val="accent1"/>
+                </a:solidFill>
+              </a14:hiddenFill>
+            </a:ext>
+            <a:ext uri="{91240B29-F687-4F45-9708-019B960494DF}">
+              <a14:hiddenLine xmlns:a14="http://schemas.microsoft.com/office/drawing/2010/main" w="9525">
+                <a:solidFill>
+                  <a:schemeClr val="tx1"/>
+                </a:solidFill>
+                <a:miter lim="800000"/>
+                <a:headEnd/>
+                <a:tailEnd/>
+              </a14:hiddenLine>
+            </a:ext>
+            <a:ext uri="{AF507438-7753-43E0-B8FC-AC1667EBCBE1}">
+              <a14:hiddenEffects xmlns:a14="http://schemas.microsoft.com/office/drawing/2010/main">
+                <a:effectLst>
+                  <a:outerShdw dist="35921" dir="2700000" algn="ctr" rotWithShape="0">
+                    <a:schemeClr val="bg2"/>
+                  </a:outerShdw>
+                </a:effectLst>
+              </a14:hiddenEffects>
+            </a:ext>
+          </a:extLst>
+        </p:spPr>
+      </p:pic>
+      <p:sp>
+        <p:nvSpPr>
+          <p:cNvPr id="74" name="TextBox 3"/>
+          <p:cNvSpPr txBox="1"/>
+          <p:nvPr/>
+        </p:nvSpPr>
+        <p:spPr>
+          <a:xfrm>
+            <a:off x="6120930" y="15865742"/>
+            <a:ext cx="4104456" cy="1200329"/>
+          </a:xfrm>
+          <a:prstGeom prst="rect">
+            <a:avLst/>
+          </a:prstGeom>
+          <a:noFill/>
+        </p:spPr>
+        <p:txBody>
+          <a:bodyPr wrap="square" rtlCol="0">
+            <a:spAutoFit/>
+          </a:bodyPr>
+          <a:lstStyle/>
+          <a:p>
+            <a:r>
+              <a:rPr lang="en-US" sz="2400" b="1" dirty="0" smtClean="0"/>
+              <a:t>Figure 1. </a:t>
+            </a:r>
+            <a:r>
+              <a:rPr lang="en-US" sz="2400" dirty="0" smtClean="0"/>
+              <a:t>G</a:t>
+            </a:r>
+            <a:r>
+              <a:rPr lang="en-US" sz="2400" dirty="0" smtClean="0"/>
+              <a:t>ridded values for the weather variables are available every hour from NLDAS </a:t>
+            </a:r>
+            <a:endParaRPr lang="en-US" sz="2400" dirty="0"/>
+          </a:p>
+        </p:txBody>
+      </p:sp>
     </p:spTree>
     <p:extLst>
       <p:ext uri="{BB962C8B-B14F-4D97-AF65-F5344CB8AC3E}">
@@ -3276,6 +4331,13 @@
   <p:clrMapOvr>
     <a:masterClrMapping/>
   </p:clrMapOvr>
+  <p:timing>
+    <p:tnLst>
+      <p:par>
+        <p:cTn id="1" dur="indefinite" restart="never" nodeType="tmRoot"/>
+      </p:par>
+    </p:tnLst>
+  </p:timing>
 </p:sld>
 </file>
 
@@ -3306,6 +4368,13 @@
   <p:clrMapOvr>
     <a:masterClrMapping/>
   </p:clrMapOvr>
+  <p:timing>
+    <p:tnLst>
+      <p:par>
+        <p:cTn id="1" dur="indefinite" restart="never" nodeType="tmRoot"/>
+      </p:par>
+    </p:tnLst>
+  </p:timing>
 </p:sld>
 </file>
 
@@ -3336,6 +4405,13 @@
   <p:clrMapOvr>
     <a:masterClrMapping/>
   </p:clrMapOvr>
+  <p:timing>
+    <p:tnLst>
+      <p:par>
+        <p:cTn id="1" dur="indefinite" restart="never" nodeType="tmRoot"/>
+      </p:par>
+    </p:tnLst>
+  </p:timing>
 </p:sld>
 </file>
 

--- a/poster/Poster.pptx
+++ b/poster/Poster.pptx
@@ -332,7 +332,7 @@
           <a:p>
             <a:fld id="{BE026375-C1E2-4094-ABF6-62AEA64AAD18}" type="slidenum">
               <a:rPr lang="en-US" smtClean="0"/>
-              <a:t>‹Nº›</a:t>
+              <a:t>‹#›</a:t>
             </a:fld>
             <a:endParaRPr lang="en-US"/>
           </a:p>
@@ -502,7 +502,7 @@
           <a:p>
             <a:fld id="{BE026375-C1E2-4094-ABF6-62AEA64AAD18}" type="slidenum">
               <a:rPr lang="en-US" smtClean="0"/>
-              <a:t>‹Nº›</a:t>
+              <a:t>‹#›</a:t>
             </a:fld>
             <a:endParaRPr lang="en-US"/>
           </a:p>
@@ -682,7 +682,7 @@
           <a:p>
             <a:fld id="{BE026375-C1E2-4094-ABF6-62AEA64AAD18}" type="slidenum">
               <a:rPr lang="en-US" smtClean="0"/>
-              <a:t>‹Nº›</a:t>
+              <a:t>‹#›</a:t>
             </a:fld>
             <a:endParaRPr lang="en-US"/>
           </a:p>
@@ -852,7 +852,7 @@
           <a:p>
             <a:fld id="{BE026375-C1E2-4094-ABF6-62AEA64AAD18}" type="slidenum">
               <a:rPr lang="en-US" smtClean="0"/>
-              <a:t>‹Nº›</a:t>
+              <a:t>‹#›</a:t>
             </a:fld>
             <a:endParaRPr lang="en-US"/>
           </a:p>
@@ -1098,7 +1098,7 @@
           <a:p>
             <a:fld id="{BE026375-C1E2-4094-ABF6-62AEA64AAD18}" type="slidenum">
               <a:rPr lang="en-US" smtClean="0"/>
-              <a:t>‹Nº›</a:t>
+              <a:t>‹#›</a:t>
             </a:fld>
             <a:endParaRPr lang="en-US"/>
           </a:p>
@@ -1386,7 +1386,7 @@
           <a:p>
             <a:fld id="{BE026375-C1E2-4094-ABF6-62AEA64AAD18}" type="slidenum">
               <a:rPr lang="en-US" smtClean="0"/>
-              <a:t>‹Nº›</a:t>
+              <a:t>‹#›</a:t>
             </a:fld>
             <a:endParaRPr lang="en-US"/>
           </a:p>
@@ -1808,7 +1808,7 @@
           <a:p>
             <a:fld id="{BE026375-C1E2-4094-ABF6-62AEA64AAD18}" type="slidenum">
               <a:rPr lang="en-US" smtClean="0"/>
-              <a:t>‹Nº›</a:t>
+              <a:t>‹#›</a:t>
             </a:fld>
             <a:endParaRPr lang="en-US"/>
           </a:p>
@@ -1926,7 +1926,7 @@
           <a:p>
             <a:fld id="{BE026375-C1E2-4094-ABF6-62AEA64AAD18}" type="slidenum">
               <a:rPr lang="en-US" smtClean="0"/>
-              <a:t>‹Nº›</a:t>
+              <a:t>‹#›</a:t>
             </a:fld>
             <a:endParaRPr lang="en-US"/>
           </a:p>
@@ -2021,7 +2021,7 @@
           <a:p>
             <a:fld id="{BE026375-C1E2-4094-ABF6-62AEA64AAD18}" type="slidenum">
               <a:rPr lang="en-US" smtClean="0"/>
-              <a:t>‹Nº›</a:t>
+              <a:t>‹#›</a:t>
             </a:fld>
             <a:endParaRPr lang="en-US"/>
           </a:p>
@@ -2298,7 +2298,7 @@
           <a:p>
             <a:fld id="{BE026375-C1E2-4094-ABF6-62AEA64AAD18}" type="slidenum">
               <a:rPr lang="en-US" smtClean="0"/>
-              <a:t>‹Nº›</a:t>
+              <a:t>‹#›</a:t>
             </a:fld>
             <a:endParaRPr lang="en-US"/>
           </a:p>
@@ -2551,7 +2551,7 @@
           <a:p>
             <a:fld id="{BE026375-C1E2-4094-ABF6-62AEA64AAD18}" type="slidenum">
               <a:rPr lang="en-US" smtClean="0"/>
-              <a:t>‹Nº›</a:t>
+              <a:t>‹#›</a:t>
             </a:fld>
             <a:endParaRPr lang="en-US"/>
           </a:p>
@@ -2800,7 +2800,7 @@
           <a:p>
             <a:fld id="{BE026375-C1E2-4094-ABF6-62AEA64AAD18}" type="slidenum">
               <a:rPr lang="en-US" smtClean="0"/>
-              <a:t>‹Nº›</a:t>
+              <a:t>‹#›</a:t>
             </a:fld>
             <a:endParaRPr lang="en-US"/>
           </a:p>
@@ -3159,10 +3159,10 @@
               <a:t>Ben </a:t>
             </a:r>
             <a:r>
-              <a:rPr lang="en-US" sz="4400" dirty="0" err="1" smtClean="0">
+              <a:rPr lang="en-US" sz="4400" smtClean="0">
                 <a:latin typeface="+mj-lt"/>
               </a:rPr>
-              <a:t>Humbertson</a:t>
+              <a:t>Humberston</a:t>
             </a:r>
             <a:r>
               <a:rPr lang="en-US" sz="4400" dirty="0" smtClean="0">
@@ -3296,11 +3296,7 @@
             </a:r>
             <a:r>
               <a:rPr lang="en-US" sz="2400" dirty="0" smtClean="0"/>
-              <a:t>estimated in </a:t>
-            </a:r>
-            <a:r>
-              <a:rPr lang="en-US" sz="2400" dirty="0" smtClean="0"/>
-              <a:t>most cases. Therefore, many researchers have turned their attention towards machine learning methods to create simplified models based on available </a:t>
+              <a:t>estimated in most cases. Therefore, many researchers have turned their attention towards machine learning methods to create simplified models based on available </a:t>
             </a:r>
             <a:r>
               <a:rPr lang="en-US" sz="2400" dirty="0"/>
@@ -3370,11 +3366,7 @@
             <a:pPr algn="just"/>
             <a:r>
               <a:rPr lang="en-US" sz="2400" dirty="0" smtClean="0"/>
-              <a:t>As opposed to measurements from weather stations, satellite observations offer total spatial coverage at the cost of reduced precision</a:t>
-            </a:r>
-            <a:r>
-              <a:rPr lang="en-US" sz="2400" dirty="0" smtClean="0"/>
-              <a:t>. Figure 1 shows samples from the North America Data Assimilation System (NLDAS) satellite-based observations available from the GES-DISC at NASA: values for the different meteorological variables are provided hourly for each cell within a regular grid.</a:t>
+              <a:t>As opposed to measurements from weather stations, satellite observations offer total spatial coverage at the cost of reduced precision. Figure 1 shows samples from the North America Data Assimilation System (NLDAS) satellite-based observations available from the GES-DISC at NASA: values for the different meteorological variables are provided hourly for each cell within a regular grid.</a:t>
             </a:r>
             <a:endParaRPr lang="en-US" sz="2400" dirty="0"/>
           </a:p>
@@ -3479,7 +3471,7 @@
               <a:t>values </a:t>
             </a:r>
             <a:r>
-              <a:rPr lang="en-US" sz="2400" i="1" dirty="0" smtClean="0"/>
+              <a:rPr lang="en-US" sz="2400" b="1" i="1" dirty="0" smtClean="0"/>
               <a:t>X</a:t>
             </a:r>
             <a:r>
@@ -3573,6 +3565,7 @@
               </a:bodyPr>
               <a:lstStyle/>
               <a:p>
+                <a:pPr/>
                 <a14:m>
                   <m:oMathPara xmlns:m="http://schemas.openxmlformats.org/officeDocument/2006/math">
                     <m:oMathParaPr>
@@ -3611,10 +3604,10 @@
                         <m:t>=</m:t>
                       </m:r>
                       <m:r>
-                        <a:rPr lang="es-CO" sz="2400" b="0" i="1" smtClean="0">
+                        <a:rPr lang="es-CO" sz="2400" b="1" i="1" smtClean="0">
                           <a:latin typeface="Cambria Math"/>
                         </a:rPr>
-                        <m:t>𝑐</m:t>
+                        <m:t>𝒄</m:t>
                       </m:r>
                       <m:r>
                         <a:rPr lang="es-CO" sz="2400" b="0" i="1" smtClean="0">
@@ -3817,7 +3810,7 @@
               <a:lstStyle/>
               <a:p>
                 <a:r>
-                  <a:rPr lang="es-MX">
+                  <a:rPr lang="en-US">
                     <a:noFill/>
                   </a:rPr>
                   <a:t> </a:t>
@@ -3827,8 +3820,8 @@
           </p:sp>
         </mc:Fallback>
       </mc:AlternateContent>
-      <mc:AlternateContent xmlns:mc="http://schemas.openxmlformats.org/markup-compatibility/2006">
-        <mc:Choice xmlns:a14="http://schemas.microsoft.com/office/drawing/2010/main" Requires="a14">
+      <mc:AlternateContent xmlns:mc="http://schemas.openxmlformats.org/markup-compatibility/2006" xmlns:a14="http://schemas.microsoft.com/office/drawing/2010/main">
+        <mc:Choice Requires="a14">
           <p:sp>
             <p:nvSpPr>
               <p:cNvPr id="31" name="TextBox 3"/>
@@ -3918,7 +3911,7 @@
             </p:txBody>
           </p:sp>
         </mc:Choice>
-        <mc:Fallback>
+        <mc:Fallback xmlns="">
           <p:sp>
             <p:nvSpPr>
               <p:cNvPr id="31" name="TextBox 3"/>
@@ -3966,7 +3959,7 @@
         <p:spPr>
           <a:xfrm>
             <a:off x="13177714" y="4927997"/>
-            <a:ext cx="9937104" cy="2308324"/>
+            <a:ext cx="9937104" cy="1938992"/>
           </a:xfrm>
           <a:prstGeom prst="rect">
             <a:avLst/>
@@ -3982,8 +3975,9 @@
             <a:pPr algn="just"/>
             <a:r>
               <a:rPr lang="en-US" sz="2400" dirty="0" smtClean="0"/>
-              <a:t>Three aspects for the setup of the model were considered:</a:t>
-            </a:r>
+              <a:t>Three aspects of the input data for the model were considered:</a:t>
+            </a:r>
+            <a:endParaRPr lang="en-US" sz="2400" dirty="0" smtClean="0"/>
           </a:p>
           <a:p>
             <a:pPr marL="520700" indent="-342900">
@@ -3991,9 +3985,18 @@
               <a:buChar char="•"/>
             </a:pPr>
             <a:r>
+              <a:rPr lang="en-US" sz="2400" dirty="0"/>
+              <a:t>Whether or not to use values on neighboring cells (neighborhood radius </a:t>
+            </a:r>
+            <a:r>
+              <a:rPr lang="en-US" sz="2400" i="1" dirty="0"/>
+              <a:t>r</a:t>
+            </a:r>
+            <a:r>
               <a:rPr lang="en-US" sz="2400" dirty="0" smtClean="0"/>
-              <a:t>Using the past values of the same variable vs. using the past values of all the variables</a:t>
-            </a:r>
+              <a:t>)</a:t>
+            </a:r>
+            <a:endParaRPr lang="en-US" sz="2400" dirty="0" smtClean="0"/>
           </a:p>
           <a:p>
             <a:pPr marL="520700" indent="-342900">
@@ -4002,16 +4005,13 @@
             </a:pPr>
             <a:r>
               <a:rPr lang="en-US" sz="2400" dirty="0" smtClean="0"/>
-              <a:t>The number of previous states to consider (</a:t>
-            </a:r>
-            <a:r>
-              <a:rPr lang="en-US" sz="2400" i="1" dirty="0" smtClean="0"/>
-              <a:t>p</a:t>
+              <a:t>Whether to predict different variables independently or to </a:t>
             </a:r>
             <a:r>
               <a:rPr lang="en-US" sz="2400" dirty="0" smtClean="0"/>
-              <a:t>)</a:t>
-            </a:r>
+              <a:t>measure interdependencies between variables</a:t>
+            </a:r>
+            <a:endParaRPr lang="en-US" sz="2400" dirty="0" smtClean="0"/>
           </a:p>
           <a:p>
             <a:pPr marL="520700" indent="-342900">
@@ -4020,11 +4020,19 @@
             </a:pPr>
             <a:r>
               <a:rPr lang="en-US" sz="2400" dirty="0" smtClean="0"/>
-              <a:t>Whether or not to include the values on neighboring cells (neighborhood radius </a:t>
+              <a:t>The </a:t>
+            </a:r>
+            <a:r>
+              <a:rPr lang="en-US" sz="2400" dirty="0"/>
+              <a:t>number of previous states to include in the model </a:t>
+            </a:r>
+            <a:r>
+              <a:rPr lang="en-US" sz="2400" dirty="0" smtClean="0"/>
+              <a:t>(VAR lag order </a:t>
             </a:r>
             <a:r>
               <a:rPr lang="en-US" sz="2400" i="1" dirty="0" smtClean="0"/>
-              <a:t>r</a:t>
+              <a:t>p</a:t>
             </a:r>
             <a:r>
               <a:rPr lang="en-US" sz="2400" dirty="0" smtClean="0"/>
@@ -4154,7 +4162,7 @@
         <p:spPr>
           <a:xfrm>
             <a:off x="14217632" y="14722906"/>
-            <a:ext cx="7569236" cy="830997"/>
+            <a:ext cx="7569236" cy="1200329"/>
           </a:xfrm>
           <a:prstGeom prst="rect">
             <a:avLst/>
@@ -4213,7 +4221,19 @@
             </a:r>
             <a:r>
               <a:rPr lang="en-US" sz="2400" dirty="0" smtClean="0"/>
-              <a:t>. Single-variable model; b. Multivariate model</a:t>
+              <a:t>. </a:t>
+            </a:r>
+            <a:r>
+              <a:rPr lang="en-US" sz="2400" dirty="0" smtClean="0"/>
+              <a:t>Independent variable model</a:t>
+            </a:r>
+            <a:r>
+              <a:rPr lang="en-US" sz="2400" dirty="0" smtClean="0"/>
+              <a:t>; b. </a:t>
+            </a:r>
+            <a:r>
+              <a:rPr lang="en-US" sz="2400" dirty="0" smtClean="0"/>
+              <a:t>Model with interdependencies between variables</a:t>
             </a:r>
             <a:endParaRPr lang="en-US" sz="2400" dirty="0"/>
           </a:p>
@@ -4311,11 +4331,7 @@
             </a:r>
             <a:r>
               <a:rPr lang="en-US" sz="2400" dirty="0" smtClean="0"/>
-              <a:t>G</a:t>
-            </a:r>
-            <a:r>
-              <a:rPr lang="en-US" sz="2400" dirty="0" smtClean="0"/>
-              <a:t>ridded values for the weather variables are available every hour from NLDAS </a:t>
+              <a:t>Gridded values for the weather variables are available every hour from NLDAS </a:t>
             </a:r>
             <a:endParaRPr lang="en-US" sz="2400" dirty="0"/>
           </a:p>

--- a/poster/Poster.pptx
+++ b/poster/Poster.pptx
@@ -6,8 +6,6 @@
   </p:sldMasterIdLst>
   <p:sldIdLst>
     <p:sldId id="259" r:id="rId2"/>
-    <p:sldId id="260" r:id="rId3"/>
-    <p:sldId id="257" r:id="rId4"/>
   </p:sldIdLst>
   <p:sldSz cx="36004500" cy="25203150"/>
   <p:notesSz cx="6858000" cy="9144000"/>
@@ -332,7 +330,7 @@
           <a:p>
             <a:fld id="{BE026375-C1E2-4094-ABF6-62AEA64AAD18}" type="slidenum">
               <a:rPr lang="en-US" smtClean="0"/>
-              <a:t>‹#›</a:t>
+              <a:t>‹Nº›</a:t>
             </a:fld>
             <a:endParaRPr lang="en-US"/>
           </a:p>
@@ -502,7 +500,7 @@
           <a:p>
             <a:fld id="{BE026375-C1E2-4094-ABF6-62AEA64AAD18}" type="slidenum">
               <a:rPr lang="en-US" smtClean="0"/>
-              <a:t>‹#›</a:t>
+              <a:t>‹Nº›</a:t>
             </a:fld>
             <a:endParaRPr lang="en-US"/>
           </a:p>
@@ -682,7 +680,7 @@
           <a:p>
             <a:fld id="{BE026375-C1E2-4094-ABF6-62AEA64AAD18}" type="slidenum">
               <a:rPr lang="en-US" smtClean="0"/>
-              <a:t>‹#›</a:t>
+              <a:t>‹Nº›</a:t>
             </a:fld>
             <a:endParaRPr lang="en-US"/>
           </a:p>
@@ -852,7 +850,7 @@
           <a:p>
             <a:fld id="{BE026375-C1E2-4094-ABF6-62AEA64AAD18}" type="slidenum">
               <a:rPr lang="en-US" smtClean="0"/>
-              <a:t>‹#›</a:t>
+              <a:t>‹Nº›</a:t>
             </a:fld>
             <a:endParaRPr lang="en-US"/>
           </a:p>
@@ -1098,7 +1096,7 @@
           <a:p>
             <a:fld id="{BE026375-C1E2-4094-ABF6-62AEA64AAD18}" type="slidenum">
               <a:rPr lang="en-US" smtClean="0"/>
-              <a:t>‹#›</a:t>
+              <a:t>‹Nº›</a:t>
             </a:fld>
             <a:endParaRPr lang="en-US"/>
           </a:p>
@@ -1386,7 +1384,7 @@
           <a:p>
             <a:fld id="{BE026375-C1E2-4094-ABF6-62AEA64AAD18}" type="slidenum">
               <a:rPr lang="en-US" smtClean="0"/>
-              <a:t>‹#›</a:t>
+              <a:t>‹Nº›</a:t>
             </a:fld>
             <a:endParaRPr lang="en-US"/>
           </a:p>
@@ -1808,7 +1806,7 @@
           <a:p>
             <a:fld id="{BE026375-C1E2-4094-ABF6-62AEA64AAD18}" type="slidenum">
               <a:rPr lang="en-US" smtClean="0"/>
-              <a:t>‹#›</a:t>
+              <a:t>‹Nº›</a:t>
             </a:fld>
             <a:endParaRPr lang="en-US"/>
           </a:p>
@@ -1926,7 +1924,7 @@
           <a:p>
             <a:fld id="{BE026375-C1E2-4094-ABF6-62AEA64AAD18}" type="slidenum">
               <a:rPr lang="en-US" smtClean="0"/>
-              <a:t>‹#›</a:t>
+              <a:t>‹Nº›</a:t>
             </a:fld>
             <a:endParaRPr lang="en-US"/>
           </a:p>
@@ -2021,7 +2019,7 @@
           <a:p>
             <a:fld id="{BE026375-C1E2-4094-ABF6-62AEA64AAD18}" type="slidenum">
               <a:rPr lang="en-US" smtClean="0"/>
-              <a:t>‹#›</a:t>
+              <a:t>‹Nº›</a:t>
             </a:fld>
             <a:endParaRPr lang="en-US"/>
           </a:p>
@@ -2298,7 +2296,7 @@
           <a:p>
             <a:fld id="{BE026375-C1E2-4094-ABF6-62AEA64AAD18}" type="slidenum">
               <a:rPr lang="en-US" smtClean="0"/>
-              <a:t>‹#›</a:t>
+              <a:t>‹Nº›</a:t>
             </a:fld>
             <a:endParaRPr lang="en-US"/>
           </a:p>
@@ -2551,7 +2549,7 @@
           <a:p>
             <a:fld id="{BE026375-C1E2-4094-ABF6-62AEA64AAD18}" type="slidenum">
               <a:rPr lang="en-US" smtClean="0"/>
-              <a:t>‹#›</a:t>
+              <a:t>‹Nº›</a:t>
             </a:fld>
             <a:endParaRPr lang="en-US"/>
           </a:p>
@@ -2800,7 +2798,7 @@
           <a:p>
             <a:fld id="{BE026375-C1E2-4094-ABF6-62AEA64AAD18}" type="slidenum">
               <a:rPr lang="en-US" smtClean="0"/>
-              <a:t>‹#›</a:t>
+              <a:t>‹Nº›</a:t>
             </a:fld>
             <a:endParaRPr lang="en-US"/>
           </a:p>
@@ -3105,7 +3103,7 @@
         </p:nvSpPr>
         <p:spPr>
           <a:xfrm>
-            <a:off x="7057034" y="574219"/>
+            <a:off x="7057034" y="286187"/>
             <a:ext cx="22034448" cy="2062028"/>
           </a:xfrm>
           <a:prstGeom prst="rect">
@@ -3136,8 +3134,8 @@
         </p:nvSpPr>
         <p:spPr>
           <a:xfrm>
-            <a:off x="0" y="2903216"/>
-            <a:ext cx="36004500" cy="769367"/>
+            <a:off x="7057034" y="2615184"/>
+            <a:ext cx="22034448" cy="769367"/>
           </a:xfrm>
           <a:prstGeom prst="rect">
             <a:avLst/>
@@ -3159,10 +3157,16 @@
               <a:t>Ben </a:t>
             </a:r>
             <a:r>
-              <a:rPr lang="en-US" sz="4400" smtClean="0">
+              <a:rPr lang="en-US" sz="4400" dirty="0" err="1" smtClean="0">
                 <a:latin typeface="+mj-lt"/>
               </a:rPr>
               <a:t>Humberston</a:t>
+            </a:r>
+            <a:r>
+              <a:rPr lang="es-CO" sz="4400" baseline="30000" dirty="0" smtClean="0">
+                <a:latin typeface="+mj-lt"/>
+              </a:rPr>
+              <a:t>1</a:t>
             </a:r>
             <a:r>
               <a:rPr lang="en-US" sz="4400" dirty="0" smtClean="0">
@@ -3171,16 +3175,10 @@
               <a:t> </a:t>
             </a:r>
             <a:r>
-              <a:rPr lang="es-CO" sz="4400" baseline="30000" dirty="0">
-                <a:latin typeface="+mj-lt"/>
-              </a:rPr>
-              <a:t>1</a:t>
-            </a:r>
-            <a:r>
               <a:rPr lang="en-US" sz="4400" dirty="0" smtClean="0">
                 <a:latin typeface="+mj-lt"/>
               </a:rPr>
-              <a:t> and Felipe </a:t>
+              <a:t>and Felipe </a:t>
             </a:r>
             <a:r>
               <a:rPr lang="en-US" sz="4400" dirty="0" err="1">
@@ -3214,8 +3212,8 @@
         </p:nvSpPr>
         <p:spPr>
           <a:xfrm>
-            <a:off x="28011762" y="23564906"/>
-            <a:ext cx="7848872" cy="1569660"/>
+            <a:off x="24554978" y="23570598"/>
+            <a:ext cx="11305656" cy="1200329"/>
           </a:xfrm>
           <a:prstGeom prst="rect">
             <a:avLst/>
@@ -3271,8 +3269,8 @@
         </p:nvSpPr>
         <p:spPr>
           <a:xfrm>
-            <a:off x="1008362" y="4925784"/>
-            <a:ext cx="10585176" cy="3416320"/>
+            <a:off x="720330" y="4411827"/>
+            <a:ext cx="10873208" cy="3416320"/>
           </a:xfrm>
           <a:prstGeom prst="rect">
             <a:avLst/>
@@ -3299,8 +3297,12 @@
               <a:t>estimated in most cases. Therefore, many researchers have turned their attention towards machine learning methods to create simplified models based on available </a:t>
             </a:r>
             <a:r>
+              <a:rPr lang="en-US" sz="2400" dirty="0" smtClean="0"/>
+              <a:t>observations ([1] and [2]). </a:t>
+            </a:r>
+            <a:r>
               <a:rPr lang="en-US" sz="2400" dirty="0"/>
-              <a:t>observations. The purpose of this project is to apply variants of a Vector Auto-Regression (VAR) model to the forecasting of meteorological </a:t>
+              <a:t>The purpose of this project is to apply variants of a Vector Auto-Regression (VAR) model to the forecasting of meteorological </a:t>
             </a:r>
             <a:r>
               <a:rPr lang="en-US" sz="2400" dirty="0" smtClean="0"/>
@@ -3318,8 +3320,54 @@
         </p:nvSpPr>
         <p:spPr>
           <a:xfrm>
-            <a:off x="1008362" y="4402564"/>
-            <a:ext cx="10585176" cy="523220"/>
+            <a:off x="720330" y="3888607"/>
+            <a:ext cx="10873208" cy="523220"/>
+          </a:xfrm>
+          <a:prstGeom prst="rect">
+            <a:avLst/>
+          </a:prstGeom>
+        </p:spPr>
+        <p:style>
+          <a:lnRef idx="2">
+            <a:schemeClr val="dk1">
+              <a:shade val="50000"/>
+            </a:schemeClr>
+          </a:lnRef>
+          <a:fillRef idx="1">
+            <a:schemeClr val="dk1"/>
+          </a:fillRef>
+          <a:effectRef idx="0">
+            <a:schemeClr val="dk1"/>
+          </a:effectRef>
+          <a:fontRef idx="minor">
+            <a:schemeClr val="lt1"/>
+          </a:fontRef>
+        </p:style>
+        <p:txBody>
+          <a:bodyPr wrap="square" rtlCol="0">
+            <a:spAutoFit/>
+          </a:bodyPr>
+          <a:lstStyle/>
+          <a:p>
+            <a:pPr algn="just"/>
+            <a:r>
+              <a:rPr lang="en-US" sz="2800" b="1" dirty="0" smtClean="0"/>
+              <a:t>Introduction</a:t>
+            </a:r>
+            <a:endParaRPr lang="en-US" sz="2800" b="1" dirty="0"/>
+          </a:p>
+        </p:txBody>
+      </p:sp>
+      <p:sp>
+        <p:nvSpPr>
+          <p:cNvPr id="8" name="TextBox 3"/>
+          <p:cNvSpPr txBox="1"/>
+          <p:nvPr/>
+        </p:nvSpPr>
+        <p:spPr>
+          <a:xfrm>
+            <a:off x="720330" y="8794414"/>
+            <a:ext cx="10873208" cy="1938992"/>
           </a:xfrm>
           <a:prstGeom prst="rect">
             <a:avLst/>
@@ -3334,23 +3382,77 @@
           <a:p>
             <a:pPr algn="just"/>
             <a:r>
-              <a:rPr lang="en-US" sz="2800" b="1" dirty="0" smtClean="0"/>
-              <a:t>Introduction</a:t>
-            </a:r>
-            <a:endParaRPr lang="en-US" sz="2800" b="1" dirty="0"/>
-          </a:p>
-        </p:txBody>
-      </p:sp>
-      <p:sp>
-        <p:nvSpPr>
-          <p:cNvPr id="8" name="TextBox 3"/>
+              <a:rPr lang="en-US" sz="2400" dirty="0" smtClean="0"/>
+              <a:t>As opposed to measurements from weather stations, satellite observations offer total spatial coverage at the cost of reduced precision. Figure 1 shows samples from the North America Data Assimilation System (NLDAS) satellite-based observations available from the GES-DISC at </a:t>
+            </a:r>
+            <a:r>
+              <a:rPr lang="en-US" sz="2400" dirty="0" smtClean="0"/>
+              <a:t>NASA [3]: </a:t>
+            </a:r>
+            <a:r>
+              <a:rPr lang="en-US" sz="2400" dirty="0" smtClean="0"/>
+              <a:t>values for the different meteorological variables are provided hourly for each cell within a regular grid.</a:t>
+            </a:r>
+            <a:endParaRPr lang="en-US" sz="2400" dirty="0"/>
+          </a:p>
+        </p:txBody>
+      </p:sp>
+      <p:sp>
+        <p:nvSpPr>
+          <p:cNvPr id="9" name="TextBox 3"/>
           <p:cNvSpPr txBox="1"/>
           <p:nvPr/>
         </p:nvSpPr>
         <p:spPr>
           <a:xfrm>
-            <a:off x="1008362" y="9258294"/>
-            <a:ext cx="10585176" cy="1938992"/>
+            <a:off x="720330" y="8271194"/>
+            <a:ext cx="10873208" cy="523220"/>
+          </a:xfrm>
+          <a:prstGeom prst="rect">
+            <a:avLst/>
+          </a:prstGeom>
+        </p:spPr>
+        <p:style>
+          <a:lnRef idx="2">
+            <a:schemeClr val="dk1">
+              <a:shade val="50000"/>
+            </a:schemeClr>
+          </a:lnRef>
+          <a:fillRef idx="1">
+            <a:schemeClr val="dk1"/>
+          </a:fillRef>
+          <a:effectRef idx="0">
+            <a:schemeClr val="dk1"/>
+          </a:effectRef>
+          <a:fontRef idx="minor">
+            <a:schemeClr val="lt1"/>
+          </a:fontRef>
+        </p:style>
+        <p:txBody>
+          <a:bodyPr wrap="square" rtlCol="0">
+            <a:spAutoFit/>
+          </a:bodyPr>
+          <a:lstStyle/>
+          <a:p>
+            <a:pPr algn="just"/>
+            <a:r>
+              <a:rPr lang="en-US" sz="2800" b="1" dirty="0" smtClean="0"/>
+              <a:t>Dataset</a:t>
+            </a:r>
+            <a:endParaRPr lang="en-US" sz="2800" b="1" dirty="0"/>
+          </a:p>
+        </p:txBody>
+      </p:sp>
+      <p:sp>
+        <p:nvSpPr>
+          <p:cNvPr id="28" name="TextBox 3"/>
+          <p:cNvSpPr txBox="1"/>
+          <p:nvPr/>
+        </p:nvSpPr>
+        <p:spPr>
+          <a:xfrm>
+            <a:off x="831541" y="17795414"/>
+            <a:ext cx="10752395" cy="1569660"/>
           </a:xfrm>
           <a:prstGeom prst="rect">
             <a:avLst/>
@@ -3365,8 +3467,92 @@
           <a:p>
             <a:pPr algn="just"/>
             <a:r>
-              <a:rPr lang="en-US" sz="2400" dirty="0" smtClean="0"/>
-              <a:t>As opposed to measurements from weather stations, satellite observations offer total spatial coverage at the cost of reduced precision. Figure 1 shows samples from the North America Data Assimilation System (NLDAS) satellite-based observations available from the GES-DISC at NASA: values for the different meteorological variables are provided hourly for each cell within a regular grid.</a:t>
+              <a:rPr lang="en-US" sz="2400" dirty="0"/>
+              <a:t>Our </a:t>
+            </a:r>
+            <a:r>
+              <a:rPr lang="en-US" sz="2400" dirty="0" smtClean="0"/>
+              <a:t>work </a:t>
+            </a:r>
+            <a:r>
+              <a:rPr lang="en-US" sz="2400" dirty="0"/>
+              <a:t>uses a vector </a:t>
+            </a:r>
+            <a:r>
+              <a:rPr lang="en-US" sz="2400" dirty="0" smtClean="0"/>
+              <a:t>autoregressive (VAR</a:t>
+            </a:r>
+            <a:r>
+              <a:rPr lang="en-US" sz="2400" dirty="0"/>
+              <a:t>) model </a:t>
+            </a:r>
+            <a:r>
+              <a:rPr lang="en-US" sz="2400" dirty="0" smtClean="0"/>
+              <a:t>[4] in </a:t>
+            </a:r>
+            <a:r>
+              <a:rPr lang="en-US" sz="2400" dirty="0"/>
+              <a:t>order to simulate and predict the evolution of the meteorological </a:t>
+            </a:r>
+            <a:r>
+              <a:rPr lang="en-US" sz="2400" dirty="0" smtClean="0"/>
+              <a:t>system over </a:t>
+            </a:r>
+            <a:r>
+              <a:rPr lang="en-US" sz="2400" dirty="0"/>
+              <a:t>time. </a:t>
+            </a:r>
+            <a:r>
+              <a:rPr lang="en-US" sz="2400" dirty="0" smtClean="0"/>
+              <a:t>The </a:t>
+            </a:r>
+            <a:r>
+              <a:rPr lang="en-US" sz="2400" dirty="0"/>
+              <a:t>model describes </a:t>
+            </a:r>
+            <a:r>
+              <a:rPr lang="en-US" sz="2400" dirty="0" smtClean="0"/>
+              <a:t>the system </a:t>
+            </a:r>
+            <a:r>
+              <a:rPr lang="en-US" sz="2400" dirty="0"/>
+              <a:t>values </a:t>
+            </a:r>
+            <a:r>
+              <a:rPr lang="en-US" sz="2400" b="1" i="1" dirty="0" smtClean="0"/>
+              <a:t>X</a:t>
+            </a:r>
+            <a:r>
+              <a:rPr lang="en-US" sz="2400" dirty="0" smtClean="0"/>
+              <a:t> at </a:t>
+            </a:r>
+            <a:r>
+              <a:rPr lang="en-US" sz="2400" dirty="0"/>
+              <a:t>time </a:t>
+            </a:r>
+            <a:r>
+              <a:rPr lang="en-US" sz="2400" i="1" dirty="0"/>
+              <a:t>t</a:t>
+            </a:r>
+            <a:r>
+              <a:rPr lang="en-US" sz="2400" dirty="0"/>
+              <a:t> </a:t>
+            </a:r>
+            <a:r>
+              <a:rPr lang="en-US" sz="2400" dirty="0" smtClean="0"/>
+              <a:t>as a linear combination of </a:t>
+            </a:r>
+            <a:r>
+              <a:rPr lang="en-US" sz="2400" dirty="0"/>
+              <a:t>some number of prior system states </a:t>
+            </a:r>
+            <a:r>
+              <a:rPr lang="en-US" sz="2400" i="1" dirty="0" smtClean="0"/>
+              <a:t>p</a:t>
+            </a:r>
+            <a:r>
+              <a:rPr lang="en-US" sz="2400" dirty="0" smtClean="0"/>
+              <a:t>:</a:t>
             </a:r>
             <a:endParaRPr lang="en-US" sz="2400" dirty="0"/>
           </a:p>
@@ -3374,158 +3560,35 @@
       </p:sp>
       <p:sp>
         <p:nvSpPr>
-          <p:cNvPr id="9" name="TextBox 3"/>
+          <p:cNvPr id="29" name="TextBox 3"/>
           <p:cNvSpPr txBox="1"/>
           <p:nvPr/>
         </p:nvSpPr>
         <p:spPr>
           <a:xfrm>
-            <a:off x="1008362" y="8735074"/>
-            <a:ext cx="10585176" cy="523220"/>
+            <a:off x="831541" y="17272194"/>
+            <a:ext cx="10752395" cy="523220"/>
           </a:xfrm>
           <a:prstGeom prst="rect">
             <a:avLst/>
           </a:prstGeom>
-          <a:noFill/>
         </p:spPr>
-        <p:txBody>
-          <a:bodyPr wrap="square" rtlCol="0">
-            <a:spAutoFit/>
-          </a:bodyPr>
-          <a:lstStyle/>
-          <a:p>
-            <a:pPr algn="just"/>
-            <a:r>
-              <a:rPr lang="en-US" sz="2800" b="1" dirty="0" smtClean="0"/>
-              <a:t>Dataset</a:t>
-            </a:r>
-            <a:endParaRPr lang="en-US" sz="2800" b="1" dirty="0"/>
-          </a:p>
-        </p:txBody>
-      </p:sp>
-      <p:sp>
-        <p:nvSpPr>
-          <p:cNvPr id="28" name="TextBox 3"/>
-          <p:cNvSpPr txBox="1"/>
-          <p:nvPr/>
-        </p:nvSpPr>
-        <p:spPr>
-          <a:xfrm>
-            <a:off x="1116373" y="18639079"/>
-            <a:ext cx="10467563" cy="1569660"/>
-          </a:xfrm>
-          <a:prstGeom prst="rect">
-            <a:avLst/>
-          </a:prstGeom>
-          <a:noFill/>
-        </p:spPr>
-        <p:txBody>
-          <a:bodyPr wrap="square" rtlCol="0">
-            <a:spAutoFit/>
-          </a:bodyPr>
-          <a:lstStyle/>
-          <a:p>
-            <a:pPr algn="just"/>
-            <a:r>
-              <a:rPr lang="en-US" sz="2400" dirty="0"/>
-              <a:t>Our </a:t>
-            </a:r>
-            <a:r>
-              <a:rPr lang="en-US" sz="2400" dirty="0" smtClean="0"/>
-              <a:t>work </a:t>
-            </a:r>
-            <a:r>
-              <a:rPr lang="en-US" sz="2400" dirty="0"/>
-              <a:t>uses a vector </a:t>
-            </a:r>
-            <a:r>
-              <a:rPr lang="en-US" sz="2400" dirty="0" smtClean="0"/>
-              <a:t>autoregressive (VAR</a:t>
-            </a:r>
-            <a:r>
-              <a:rPr lang="en-US" sz="2400" dirty="0"/>
-              <a:t>) model in order to simulate and predict the evolution of the meteorological </a:t>
-            </a:r>
-            <a:r>
-              <a:rPr lang="en-US" sz="2400" dirty="0" smtClean="0"/>
-              <a:t>system over </a:t>
-            </a:r>
-            <a:r>
-              <a:rPr lang="en-US" sz="2400" dirty="0"/>
-              <a:t>time. </a:t>
-            </a:r>
-            <a:r>
-              <a:rPr lang="en-US" sz="2400" dirty="0" smtClean="0"/>
-              <a:t>The </a:t>
-            </a:r>
-            <a:r>
-              <a:rPr lang="en-US" sz="2400" dirty="0"/>
-              <a:t>model describes </a:t>
-            </a:r>
-            <a:r>
-              <a:rPr lang="en-US" sz="2400" dirty="0" smtClean="0"/>
-              <a:t>the system </a:t>
-            </a:r>
-            <a:r>
-              <a:rPr lang="en-US" sz="2400" dirty="0"/>
-              <a:t>values </a:t>
-            </a:r>
-            <a:r>
-              <a:rPr lang="en-US" sz="2400" b="1" i="1" dirty="0" smtClean="0"/>
-              <a:t>X</a:t>
-            </a:r>
-            <a:r>
-              <a:rPr lang="en-US" sz="2400" dirty="0" smtClean="0"/>
-              <a:t> at </a:t>
-            </a:r>
-            <a:r>
-              <a:rPr lang="en-US" sz="2400" dirty="0"/>
-              <a:t>time </a:t>
-            </a:r>
-            <a:r>
-              <a:rPr lang="en-US" sz="2400" i="1" dirty="0"/>
-              <a:t>t</a:t>
-            </a:r>
-            <a:r>
-              <a:rPr lang="en-US" sz="2400" dirty="0"/>
-              <a:t> </a:t>
-            </a:r>
-            <a:r>
-              <a:rPr lang="en-US" sz="2400" dirty="0" smtClean="0"/>
-              <a:t>as a linear combination of </a:t>
-            </a:r>
-            <a:r>
-              <a:rPr lang="en-US" sz="2400" dirty="0"/>
-              <a:t>some number of prior system states </a:t>
-            </a:r>
-            <a:r>
-              <a:rPr lang="en-US" sz="2400" i="1" dirty="0" smtClean="0"/>
-              <a:t>p</a:t>
-            </a:r>
-            <a:r>
-              <a:rPr lang="en-US" sz="2400" dirty="0" smtClean="0"/>
-              <a:t>:</a:t>
-            </a:r>
-            <a:endParaRPr lang="en-US" sz="2400" dirty="0"/>
-          </a:p>
-        </p:txBody>
-      </p:sp>
-      <p:sp>
-        <p:nvSpPr>
-          <p:cNvPr id="29" name="TextBox 3"/>
-          <p:cNvSpPr txBox="1"/>
-          <p:nvPr/>
-        </p:nvSpPr>
-        <p:spPr>
-          <a:xfrm>
-            <a:off x="1116373" y="18115859"/>
-            <a:ext cx="10467563" cy="523220"/>
-          </a:xfrm>
-          <a:prstGeom prst="rect">
-            <a:avLst/>
-          </a:prstGeom>
-          <a:noFill/>
-        </p:spPr>
+        <p:style>
+          <a:lnRef idx="2">
+            <a:schemeClr val="dk1">
+              <a:shade val="50000"/>
+            </a:schemeClr>
+          </a:lnRef>
+          <a:fillRef idx="1">
+            <a:schemeClr val="dk1"/>
+          </a:fillRef>
+          <a:effectRef idx="0">
+            <a:schemeClr val="dk1"/>
+          </a:effectRef>
+          <a:fontRef idx="minor">
+            <a:schemeClr val="lt1"/>
+          </a:fontRef>
+        </p:style>
         <p:txBody>
           <a:bodyPr wrap="square" rtlCol="0">
             <a:spAutoFit/>
@@ -3551,7 +3614,7 @@
             </p:nvSpPr>
             <p:spPr>
               <a:xfrm>
-                <a:off x="3536479" y="20511287"/>
+                <a:off x="3536479" y="19504442"/>
                 <a:ext cx="5104731" cy="490199"/>
               </a:xfrm>
               <a:prstGeom prst="rect">
@@ -3792,7 +3855,7 @@
             </p:nvSpPr>
             <p:spPr>
               <a:xfrm>
-                <a:off x="3536479" y="20511287"/>
+                <a:off x="3536479" y="19504442"/>
                 <a:ext cx="5104731" cy="490199"/>
               </a:xfrm>
               <a:prstGeom prst="rect">
@@ -3810,7 +3873,7 @@
               <a:lstStyle/>
               <a:p>
                 <a:r>
-                  <a:rPr lang="en-US">
+                  <a:rPr lang="es-MX">
                     <a:noFill/>
                   </a:rPr>
                   <a:t> </a:t>
@@ -3820,8 +3883,8 @@
           </p:sp>
         </mc:Fallback>
       </mc:AlternateContent>
-      <mc:AlternateContent xmlns:mc="http://schemas.openxmlformats.org/markup-compatibility/2006" xmlns:a14="http://schemas.microsoft.com/office/drawing/2010/main">
-        <mc:Choice Requires="a14">
+      <mc:AlternateContent xmlns:mc="http://schemas.openxmlformats.org/markup-compatibility/2006">
+        <mc:Choice xmlns:a14="http://schemas.microsoft.com/office/drawing/2010/main" Requires="a14">
           <p:sp>
             <p:nvSpPr>
               <p:cNvPr id="31" name="TextBox 3"/>
@@ -3830,8 +3893,8 @@
             </p:nvSpPr>
             <p:spPr>
               <a:xfrm>
-                <a:off x="1116373" y="21308599"/>
-                <a:ext cx="10467563" cy="1230080"/>
+                <a:off x="831541" y="20152514"/>
+                <a:ext cx="10752395" cy="1230080"/>
               </a:xfrm>
               <a:prstGeom prst="rect">
                 <a:avLst/>
@@ -3911,7 +3974,7 @@
             </p:txBody>
           </p:sp>
         </mc:Choice>
-        <mc:Fallback xmlns="">
+        <mc:Fallback>
           <p:sp>
             <p:nvSpPr>
               <p:cNvPr id="31" name="TextBox 3"/>
@@ -3922,8 +3985,8 @@
             </p:nvSpPr>
             <p:spPr>
               <a:xfrm>
-                <a:off x="1116373" y="21308599"/>
-                <a:ext cx="10467563" cy="1230080"/>
+                <a:off x="831541" y="20152514"/>
+                <a:ext cx="10752395" cy="1230080"/>
               </a:xfrm>
               <a:prstGeom prst="rect">
                 <a:avLst/>
@@ -3931,7 +3994,7 @@
               <a:blipFill rotWithShape="1">
                 <a:blip r:embed="rId5"/>
                 <a:stretch>
-                  <a:fillRect l="-874" t="-3483" r="-932" b="-10945"/>
+                  <a:fillRect l="-850" t="-3465" r="-907" b="-10396"/>
                 </a:stretch>
               </a:blipFill>
             </p:spPr>
@@ -3958,8 +4021,8 @@
         </p:nvSpPr>
         <p:spPr>
           <a:xfrm>
-            <a:off x="13177714" y="4927997"/>
-            <a:ext cx="9937104" cy="1938992"/>
+            <a:off x="831540" y="21597898"/>
+            <a:ext cx="10752395" cy="1938992"/>
           </a:xfrm>
           <a:prstGeom prst="rect">
             <a:avLst/>
@@ -3977,7 +4040,6 @@
               <a:rPr lang="en-US" sz="2400" dirty="0" smtClean="0"/>
               <a:t>Three aspects of the input data for the model were considered:</a:t>
             </a:r>
-            <a:endParaRPr lang="en-US" sz="2400" dirty="0" smtClean="0"/>
           </a:p>
           <a:p>
             <a:pPr marL="520700" indent="-342900">
@@ -3996,7 +4058,6 @@
               <a:rPr lang="en-US" sz="2400" dirty="0" smtClean="0"/>
               <a:t>)</a:t>
             </a:r>
-            <a:endParaRPr lang="en-US" sz="2400" dirty="0" smtClean="0"/>
           </a:p>
           <a:p>
             <a:pPr marL="520700" indent="-342900">
@@ -4005,13 +4066,8 @@
             </a:pPr>
             <a:r>
               <a:rPr lang="en-US" sz="2400" dirty="0" smtClean="0"/>
-              <a:t>Whether to predict different variables independently or to </a:t>
-            </a:r>
-            <a:r>
-              <a:rPr lang="en-US" sz="2400" dirty="0" smtClean="0"/>
-              <a:t>measure interdependencies between variables</a:t>
-            </a:r>
-            <a:endParaRPr lang="en-US" sz="2400" dirty="0" smtClean="0"/>
+              <a:t>Whether to predict different variables independently or to measure interdependencies between variables</a:t>
+            </a:r>
           </a:p>
           <a:p>
             <a:pPr marL="520700" indent="-342900">
@@ -4050,8 +4106,8 @@
         </p:nvSpPr>
         <p:spPr>
           <a:xfrm>
-            <a:off x="13177714" y="7597517"/>
-            <a:ext cx="9937104" cy="830997"/>
+            <a:off x="12529642" y="3888607"/>
+            <a:ext cx="10945216" cy="830997"/>
           </a:xfrm>
           <a:prstGeom prst="rect">
             <a:avLst/>
@@ -4112,8 +4168,8 @@
         </p:blipFill>
         <p:spPr bwMode="auto">
           <a:xfrm>
-            <a:off x="14041810" y="8890258"/>
-            <a:ext cx="8058714" cy="5583525"/>
+            <a:off x="14120000" y="5030834"/>
+            <a:ext cx="7482650" cy="5184396"/>
           </a:xfrm>
           <a:prstGeom prst="rect">
             <a:avLst/>
@@ -4161,7 +4217,7 @@
         </p:nvSpPr>
         <p:spPr>
           <a:xfrm>
-            <a:off x="14217632" y="14722906"/>
+            <a:off x="14177430" y="10503442"/>
             <a:ext cx="7569236" cy="1200329"/>
           </a:xfrm>
           <a:prstGeom prst="rect">
@@ -4175,6 +4231,7 @@
           </a:bodyPr>
           <a:lstStyle/>
           <a:p>
+            <a:pPr algn="ctr"/>
             <a:r>
               <a:rPr lang="en-US" sz="2400" b="1" dirty="0" smtClean="0"/>
               <a:t>Figure 2. </a:t>
@@ -4221,19 +4278,7 @@
             </a:r>
             <a:r>
               <a:rPr lang="en-US" sz="2400" dirty="0" smtClean="0"/>
-              <a:t>. </a:t>
-            </a:r>
-            <a:r>
-              <a:rPr lang="en-US" sz="2400" dirty="0" smtClean="0"/>
-              <a:t>Independent variable model</a:t>
-            </a:r>
-            <a:r>
-              <a:rPr lang="en-US" sz="2400" dirty="0" smtClean="0"/>
-              <a:t>; b. </a:t>
-            </a:r>
-            <a:r>
-              <a:rPr lang="en-US" sz="2400" dirty="0" smtClean="0"/>
-              <a:t>Model with interdependencies between variables</a:t>
+              <a:t>. Independent variable model; b. Model with interdependencies between variables</a:t>
             </a:r>
             <a:endParaRPr lang="en-US" sz="2400" dirty="0"/>
           </a:p>
@@ -4262,7 +4307,7 @@
         </p:blipFill>
         <p:spPr bwMode="auto">
           <a:xfrm>
-            <a:off x="1359397" y="11438542"/>
+            <a:off x="1359397" y="10974662"/>
             <a:ext cx="9298037" cy="5645091"/>
           </a:xfrm>
           <a:prstGeom prst="rect">
@@ -4311,7 +4356,7 @@
         </p:nvSpPr>
         <p:spPr>
           <a:xfrm>
-            <a:off x="6120930" y="15865742"/>
+            <a:off x="6120930" y="15401862"/>
             <a:ext cx="4104456" cy="1200329"/>
           </a:xfrm>
           <a:prstGeom prst="rect">
@@ -4337,84 +4382,641 @@
           </a:p>
         </p:txBody>
       </p:sp>
+      <p:sp>
+        <p:nvSpPr>
+          <p:cNvPr id="19" name="TextBox 3"/>
+          <p:cNvSpPr txBox="1"/>
+          <p:nvPr/>
+        </p:nvSpPr>
+        <p:spPr>
+          <a:xfrm>
+            <a:off x="12506161" y="12588941"/>
+            <a:ext cx="10968697" cy="461665"/>
+          </a:xfrm>
+          <a:prstGeom prst="rect">
+            <a:avLst/>
+          </a:prstGeom>
+          <a:noFill/>
+        </p:spPr>
+        <p:txBody>
+          <a:bodyPr wrap="square" rtlCol="0">
+            <a:spAutoFit/>
+          </a:bodyPr>
+          <a:lstStyle/>
+          <a:p>
+            <a:pPr algn="just"/>
+            <a:r>
+              <a:rPr lang="en-US" sz="2400" dirty="0" smtClean="0"/>
+              <a:t>Results</a:t>
+            </a:r>
+            <a:endParaRPr lang="en-US" sz="2400" dirty="0"/>
+          </a:p>
+        </p:txBody>
+      </p:sp>
+      <p:sp>
+        <p:nvSpPr>
+          <p:cNvPr id="20" name="TextBox 3"/>
+          <p:cNvSpPr txBox="1"/>
+          <p:nvPr/>
+        </p:nvSpPr>
+        <p:spPr>
+          <a:xfrm>
+            <a:off x="12506161" y="12065721"/>
+            <a:ext cx="10968697" cy="523220"/>
+          </a:xfrm>
+          <a:prstGeom prst="rect">
+            <a:avLst/>
+          </a:prstGeom>
+        </p:spPr>
+        <p:style>
+          <a:lnRef idx="2">
+            <a:schemeClr val="dk1">
+              <a:shade val="50000"/>
+            </a:schemeClr>
+          </a:lnRef>
+          <a:fillRef idx="1">
+            <a:schemeClr val="dk1"/>
+          </a:fillRef>
+          <a:effectRef idx="0">
+            <a:schemeClr val="dk1"/>
+          </a:effectRef>
+          <a:fontRef idx="minor">
+            <a:schemeClr val="lt1"/>
+          </a:fontRef>
+        </p:style>
+        <p:txBody>
+          <a:bodyPr wrap="square" rtlCol="0">
+            <a:spAutoFit/>
+          </a:bodyPr>
+          <a:lstStyle/>
+          <a:p>
+            <a:pPr algn="just"/>
+            <a:r>
+              <a:rPr lang="en-US" sz="2800" b="1" dirty="0" smtClean="0"/>
+              <a:t>Results</a:t>
+            </a:r>
+            <a:endParaRPr lang="en-US" sz="2800" b="1" dirty="0"/>
+          </a:p>
+        </p:txBody>
+      </p:sp>
+      <p:sp>
+        <p:nvSpPr>
+          <p:cNvPr id="21" name="TextBox 3"/>
+          <p:cNvSpPr txBox="1"/>
+          <p:nvPr/>
+        </p:nvSpPr>
+        <p:spPr>
+          <a:xfrm>
+            <a:off x="12506161" y="14535890"/>
+            <a:ext cx="10968697" cy="461665"/>
+          </a:xfrm>
+          <a:prstGeom prst="rect">
+            <a:avLst/>
+          </a:prstGeom>
+          <a:noFill/>
+        </p:spPr>
+        <p:txBody>
+          <a:bodyPr wrap="square" rtlCol="0">
+            <a:spAutoFit/>
+          </a:bodyPr>
+          <a:lstStyle/>
+          <a:p>
+            <a:pPr algn="just"/>
+            <a:r>
+              <a:rPr lang="en-US" sz="2400" dirty="0" smtClean="0"/>
+              <a:t>References to figures 3, 4, and 5</a:t>
+            </a:r>
+            <a:endParaRPr lang="en-US" sz="2400" dirty="0"/>
+          </a:p>
+        </p:txBody>
+      </p:sp>
+      <p:sp>
+        <p:nvSpPr>
+          <p:cNvPr id="22" name="TextBox 3"/>
+          <p:cNvSpPr txBox="1"/>
+          <p:nvPr/>
+        </p:nvSpPr>
+        <p:spPr>
+          <a:xfrm>
+            <a:off x="24554978" y="14734514"/>
+            <a:ext cx="10585176" cy="461665"/>
+          </a:xfrm>
+          <a:prstGeom prst="rect">
+            <a:avLst/>
+          </a:prstGeom>
+          <a:noFill/>
+        </p:spPr>
+        <p:txBody>
+          <a:bodyPr wrap="square" rtlCol="0">
+            <a:spAutoFit/>
+          </a:bodyPr>
+          <a:lstStyle/>
+          <a:p>
+            <a:pPr algn="just"/>
+            <a:r>
+              <a:rPr lang="en-US" sz="2400" dirty="0" smtClean="0"/>
+              <a:t>Conclusions</a:t>
+            </a:r>
+            <a:endParaRPr lang="en-US" sz="2400" dirty="0"/>
+          </a:p>
+        </p:txBody>
+      </p:sp>
+      <p:sp>
+        <p:nvSpPr>
+          <p:cNvPr id="23" name="TextBox 3"/>
+          <p:cNvSpPr txBox="1"/>
+          <p:nvPr/>
+        </p:nvSpPr>
+        <p:spPr>
+          <a:xfrm>
+            <a:off x="24554978" y="14211294"/>
+            <a:ext cx="10585176" cy="523220"/>
+          </a:xfrm>
+          <a:prstGeom prst="rect">
+            <a:avLst/>
+          </a:prstGeom>
+        </p:spPr>
+        <p:style>
+          <a:lnRef idx="2">
+            <a:schemeClr val="dk1">
+              <a:shade val="50000"/>
+            </a:schemeClr>
+          </a:lnRef>
+          <a:fillRef idx="1">
+            <a:schemeClr val="dk1"/>
+          </a:fillRef>
+          <a:effectRef idx="0">
+            <a:schemeClr val="dk1"/>
+          </a:effectRef>
+          <a:fontRef idx="minor">
+            <a:schemeClr val="lt1"/>
+          </a:fontRef>
+        </p:style>
+        <p:txBody>
+          <a:bodyPr wrap="square" rtlCol="0">
+            <a:spAutoFit/>
+          </a:bodyPr>
+          <a:lstStyle/>
+          <a:p>
+            <a:pPr algn="just"/>
+            <a:r>
+              <a:rPr lang="en-US" sz="2800" b="1" dirty="0" smtClean="0"/>
+              <a:t>Conclusions</a:t>
+            </a:r>
+            <a:endParaRPr lang="en-US" sz="2800" b="1" dirty="0"/>
+          </a:p>
+        </p:txBody>
+      </p:sp>
+      <p:sp>
+        <p:nvSpPr>
+          <p:cNvPr id="24" name="TextBox 3"/>
+          <p:cNvSpPr txBox="1"/>
+          <p:nvPr/>
+        </p:nvSpPr>
+        <p:spPr>
+          <a:xfrm>
+            <a:off x="24554978" y="19031767"/>
+            <a:ext cx="10585176" cy="4154984"/>
+          </a:xfrm>
+          <a:prstGeom prst="rect">
+            <a:avLst/>
+          </a:prstGeom>
+          <a:noFill/>
+        </p:spPr>
+        <p:txBody>
+          <a:bodyPr wrap="square" rtlCol="0">
+            <a:spAutoFit/>
+          </a:bodyPr>
+          <a:lstStyle/>
+          <a:p>
+            <a:pPr marL="457200" indent="-457200" algn="just"/>
+            <a:r>
+              <a:rPr lang="en-US" sz="2400" dirty="0" smtClean="0"/>
+              <a:t>[1</a:t>
+            </a:r>
+            <a:r>
+              <a:rPr lang="en-US" sz="2400" dirty="0"/>
+              <a:t>] Maier, H</a:t>
+            </a:r>
+            <a:r>
+              <a:rPr lang="en-US" sz="2400" dirty="0" smtClean="0"/>
+              <a:t>. and </a:t>
+            </a:r>
+            <a:r>
+              <a:rPr lang="en-US" sz="2400" dirty="0"/>
+              <a:t>Dandy, </a:t>
+            </a:r>
+            <a:r>
+              <a:rPr lang="en-US" sz="2400" dirty="0" smtClean="0"/>
+              <a:t>G, (2000), “Neural </a:t>
+            </a:r>
+            <a:r>
+              <a:rPr lang="en-US" sz="2400" dirty="0"/>
+              <a:t>networks for the predictions </a:t>
+            </a:r>
+            <a:r>
+              <a:rPr lang="en-US" sz="2400" dirty="0" smtClean="0"/>
+              <a:t>and forecasting </a:t>
+            </a:r>
+            <a:r>
+              <a:rPr lang="en-US" sz="2400" dirty="0"/>
+              <a:t>of water resources </a:t>
+            </a:r>
+            <a:r>
+              <a:rPr lang="en-US" sz="2400" dirty="0" smtClean="0"/>
+              <a:t>variables: </a:t>
+            </a:r>
+            <a:r>
+              <a:rPr lang="en-US" sz="2400" dirty="0"/>
+              <a:t>review of </a:t>
+            </a:r>
+            <a:r>
+              <a:rPr lang="en-US" sz="2400" dirty="0" smtClean="0"/>
+              <a:t>modeling issues </a:t>
+            </a:r>
+            <a:r>
+              <a:rPr lang="en-US" sz="2400" dirty="0"/>
+              <a:t>and </a:t>
+            </a:r>
+            <a:r>
+              <a:rPr lang="en-US" sz="2400" dirty="0" smtClean="0"/>
+              <a:t>applications”,  </a:t>
+            </a:r>
+            <a:r>
+              <a:rPr lang="en-US" sz="2400" i="1" dirty="0"/>
+              <a:t>Environmental Modelling and </a:t>
+            </a:r>
+            <a:r>
+              <a:rPr lang="en-US" sz="2400" i="1" dirty="0" smtClean="0"/>
+              <a:t>Software</a:t>
+            </a:r>
+            <a:r>
+              <a:rPr lang="en-US" sz="2400" dirty="0" smtClean="0"/>
+              <a:t> 15</a:t>
+            </a:r>
+            <a:r>
+              <a:rPr lang="en-US" sz="2400" dirty="0"/>
+              <a:t>, 101–124</a:t>
+            </a:r>
+            <a:r>
+              <a:rPr lang="en-US" sz="2400" dirty="0" smtClean="0"/>
+              <a:t>.</a:t>
+            </a:r>
+          </a:p>
+          <a:p>
+            <a:pPr marL="457200" indent="-457200" algn="just"/>
+            <a:r>
+              <a:rPr lang="en-US" sz="2400" dirty="0"/>
+              <a:t>[2] </a:t>
+            </a:r>
+            <a:r>
+              <a:rPr lang="en-US" sz="2400" dirty="0" err="1"/>
+              <a:t>Applequist</a:t>
+            </a:r>
+            <a:r>
+              <a:rPr lang="en-US" sz="2400" dirty="0"/>
+              <a:t>, S., </a:t>
+            </a:r>
+            <a:r>
+              <a:rPr lang="en-US" sz="2400" dirty="0" err="1"/>
+              <a:t>Garhs</a:t>
+            </a:r>
+            <a:r>
+              <a:rPr lang="en-US" sz="2400" dirty="0"/>
+              <a:t>, G</a:t>
+            </a:r>
+            <a:r>
+              <a:rPr lang="en-US" sz="2400" dirty="0" smtClean="0"/>
+              <a:t>., and </a:t>
+            </a:r>
+            <a:r>
+              <a:rPr lang="en-US" sz="2400" dirty="0" err="1"/>
+              <a:t>Pfeffer</a:t>
+            </a:r>
+            <a:r>
+              <a:rPr lang="en-US" sz="2400" dirty="0"/>
+              <a:t>, R., </a:t>
+            </a:r>
+            <a:r>
+              <a:rPr lang="en-US" sz="2400" dirty="0" smtClean="0"/>
+              <a:t>(2002), “Comparisons of methodologies </a:t>
+            </a:r>
+            <a:r>
+              <a:rPr lang="en-US" sz="2400" dirty="0"/>
+              <a:t>for probabilistic quantitative precipitation </a:t>
+            </a:r>
+            <a:r>
+              <a:rPr lang="en-US" sz="2400" dirty="0" smtClean="0"/>
+              <a:t>forecasting”, </a:t>
+            </a:r>
+            <a:r>
+              <a:rPr lang="en-US" sz="2400" i="1" dirty="0" smtClean="0"/>
+              <a:t>Weather </a:t>
+            </a:r>
+            <a:r>
+              <a:rPr lang="en-US" sz="2400" i="1" dirty="0"/>
+              <a:t>and Forecasting</a:t>
+            </a:r>
+            <a:r>
+              <a:rPr lang="en-US" sz="2400" dirty="0"/>
+              <a:t> 17 (4), 783–799</a:t>
+            </a:r>
+            <a:r>
+              <a:rPr lang="en-US" sz="2400" dirty="0" smtClean="0"/>
+              <a:t>.</a:t>
+            </a:r>
+          </a:p>
+          <a:p>
+            <a:pPr marL="457200" indent="-457200" algn="just"/>
+            <a:r>
+              <a:rPr lang="en-US" sz="2400" dirty="0" smtClean="0"/>
+              <a:t>[3</a:t>
+            </a:r>
+            <a:r>
+              <a:rPr lang="en-US" sz="2400" dirty="0"/>
+              <a:t>] National Aeronautics and Space Administration, “Land Data Assimilation Systems (LDAS)”, available online at </a:t>
+            </a:r>
+            <a:r>
+              <a:rPr lang="en-US" sz="2400" dirty="0">
+                <a:hlinkClick r:id="rId8"/>
+              </a:rPr>
+              <a:t>http://</a:t>
+            </a:r>
+            <a:r>
+              <a:rPr lang="en-US" sz="2400" dirty="0" smtClean="0">
+                <a:hlinkClick r:id="rId8"/>
+              </a:rPr>
+              <a:t>ldas.gsfc.nasa.gov/index.php</a:t>
+            </a:r>
+            <a:r>
+              <a:rPr lang="en-US" sz="2400" dirty="0" smtClean="0"/>
+              <a:t>.</a:t>
+            </a:r>
+          </a:p>
+          <a:p>
+            <a:pPr marL="457200" indent="-457200"/>
+            <a:r>
+              <a:rPr lang="en-US" sz="2400" dirty="0" smtClean="0"/>
+              <a:t>[4] </a:t>
+            </a:r>
+            <a:r>
+              <a:rPr lang="en-US" sz="2400" dirty="0" err="1" smtClean="0"/>
+              <a:t>Zivot</a:t>
+            </a:r>
+            <a:r>
+              <a:rPr lang="en-US" sz="2400" dirty="0" smtClean="0"/>
+              <a:t>, E. and Wang, J. (2006), </a:t>
+            </a:r>
+            <a:r>
+              <a:rPr lang="en-US" sz="2400" dirty="0" err="1" smtClean="0"/>
+              <a:t>V”ector</a:t>
+            </a:r>
+            <a:r>
+              <a:rPr lang="en-US" sz="2400" dirty="0" smtClean="0"/>
+              <a:t> </a:t>
+            </a:r>
+            <a:r>
+              <a:rPr lang="en-US" sz="2400" dirty="0"/>
+              <a:t>autoregressive models for multivariate time </a:t>
+            </a:r>
+            <a:r>
+              <a:rPr lang="en-US" sz="2400" dirty="0" smtClean="0"/>
+              <a:t>series”, in </a:t>
+            </a:r>
+            <a:r>
+              <a:rPr lang="en-US" sz="2400" i="1" dirty="0"/>
+              <a:t>Modeling </a:t>
+            </a:r>
+            <a:r>
+              <a:rPr lang="en-US" sz="2400" i="1" dirty="0" smtClean="0"/>
+              <a:t>Financial Time Series with </a:t>
+            </a:r>
+            <a:r>
+              <a:rPr lang="en-US" sz="2400" i="1" dirty="0"/>
+              <a:t>S-PLUS</a:t>
+            </a:r>
+            <a:r>
+              <a:rPr lang="en-US" sz="2400" dirty="0"/>
+              <a:t>, pages 385–429. Springer New </a:t>
+            </a:r>
+            <a:r>
+              <a:rPr lang="en-US" sz="2400" dirty="0" smtClean="0"/>
+              <a:t>York</a:t>
+            </a:r>
+            <a:r>
+              <a:rPr lang="en-US" sz="2400" dirty="0"/>
+              <a:t>.</a:t>
+            </a:r>
+            <a:endParaRPr lang="en-US" sz="2400" dirty="0"/>
+          </a:p>
+        </p:txBody>
+      </p:sp>
+      <p:sp>
+        <p:nvSpPr>
+          <p:cNvPr id="25" name="TextBox 3"/>
+          <p:cNvSpPr txBox="1"/>
+          <p:nvPr/>
+        </p:nvSpPr>
+        <p:spPr>
+          <a:xfrm>
+            <a:off x="24554978" y="18508547"/>
+            <a:ext cx="10585176" cy="523220"/>
+          </a:xfrm>
+          <a:prstGeom prst="rect">
+            <a:avLst/>
+          </a:prstGeom>
+        </p:spPr>
+        <p:style>
+          <a:lnRef idx="2">
+            <a:schemeClr val="dk1">
+              <a:shade val="50000"/>
+            </a:schemeClr>
+          </a:lnRef>
+          <a:fillRef idx="1">
+            <a:schemeClr val="dk1"/>
+          </a:fillRef>
+          <a:effectRef idx="0">
+            <a:schemeClr val="dk1"/>
+          </a:effectRef>
+          <a:fontRef idx="minor">
+            <a:schemeClr val="lt1"/>
+          </a:fontRef>
+        </p:style>
+        <p:txBody>
+          <a:bodyPr wrap="square" rtlCol="0">
+            <a:spAutoFit/>
+          </a:bodyPr>
+          <a:lstStyle/>
+          <a:p>
+            <a:pPr algn="just"/>
+            <a:r>
+              <a:rPr lang="en-US" sz="2800" b="1" dirty="0" smtClean="0"/>
+              <a:t>References</a:t>
+            </a:r>
+            <a:endParaRPr lang="en-US" sz="2800" b="1" dirty="0"/>
+          </a:p>
+        </p:txBody>
+      </p:sp>
+      <p:sp>
+        <p:nvSpPr>
+          <p:cNvPr id="26" name="TextBox 3"/>
+          <p:cNvSpPr txBox="1"/>
+          <p:nvPr/>
+        </p:nvSpPr>
+        <p:spPr>
+          <a:xfrm>
+            <a:off x="14177430" y="20536721"/>
+            <a:ext cx="7569236" cy="461665"/>
+          </a:xfrm>
+          <a:prstGeom prst="rect">
+            <a:avLst/>
+          </a:prstGeom>
+          <a:noFill/>
+        </p:spPr>
+        <p:txBody>
+          <a:bodyPr wrap="square" rtlCol="0">
+            <a:spAutoFit/>
+          </a:bodyPr>
+          <a:lstStyle/>
+          <a:p>
+            <a:pPr algn="ctr"/>
+            <a:r>
+              <a:rPr lang="en-US" sz="2400" b="1" dirty="0" smtClean="0"/>
+              <a:t>Figure </a:t>
+            </a:r>
+            <a:r>
+              <a:rPr lang="en-US" sz="2400" b="1" dirty="0" smtClean="0"/>
+              <a:t>3. </a:t>
+            </a:r>
+            <a:r>
+              <a:rPr lang="en-US" sz="2400" dirty="0" smtClean="0"/>
+              <a:t>Figure 3</a:t>
+            </a:r>
+            <a:endParaRPr lang="en-US" sz="2400" dirty="0"/>
+          </a:p>
+        </p:txBody>
+      </p:sp>
+      <p:sp>
+        <p:nvSpPr>
+          <p:cNvPr id="27" name="TextBox 3"/>
+          <p:cNvSpPr txBox="1"/>
+          <p:nvPr/>
+        </p:nvSpPr>
+        <p:spPr>
+          <a:xfrm>
+            <a:off x="26062948" y="6711118"/>
+            <a:ext cx="7569236" cy="461665"/>
+          </a:xfrm>
+          <a:prstGeom prst="rect">
+            <a:avLst/>
+          </a:prstGeom>
+          <a:noFill/>
+        </p:spPr>
+        <p:txBody>
+          <a:bodyPr wrap="square" rtlCol="0">
+            <a:spAutoFit/>
+          </a:bodyPr>
+          <a:lstStyle/>
+          <a:p>
+            <a:pPr algn="ctr"/>
+            <a:r>
+              <a:rPr lang="en-US" sz="2400" b="1" dirty="0" smtClean="0"/>
+              <a:t>Figure </a:t>
+            </a:r>
+            <a:r>
+              <a:rPr lang="en-US" sz="2400" b="1" dirty="0" smtClean="0"/>
+              <a:t>4. </a:t>
+            </a:r>
+            <a:r>
+              <a:rPr lang="en-US" sz="2400" dirty="0" smtClean="0"/>
+              <a:t>Figure 4</a:t>
+            </a:r>
+            <a:endParaRPr lang="en-US" sz="2400" dirty="0"/>
+          </a:p>
+        </p:txBody>
+      </p:sp>
+      <p:sp>
+        <p:nvSpPr>
+          <p:cNvPr id="34" name="TextBox 3"/>
+          <p:cNvSpPr txBox="1"/>
+          <p:nvPr/>
+        </p:nvSpPr>
+        <p:spPr>
+          <a:xfrm>
+            <a:off x="26058750" y="11191319"/>
+            <a:ext cx="7569236" cy="461665"/>
+          </a:xfrm>
+          <a:prstGeom prst="rect">
+            <a:avLst/>
+          </a:prstGeom>
+          <a:noFill/>
+        </p:spPr>
+        <p:txBody>
+          <a:bodyPr wrap="square" rtlCol="0">
+            <a:spAutoFit/>
+          </a:bodyPr>
+          <a:lstStyle/>
+          <a:p>
+            <a:pPr algn="ctr"/>
+            <a:r>
+              <a:rPr lang="en-US" sz="2400" b="1" dirty="0" smtClean="0"/>
+              <a:t>Figure </a:t>
+            </a:r>
+            <a:r>
+              <a:rPr lang="en-US" sz="2400" b="1" dirty="0"/>
+              <a:t>5</a:t>
+            </a:r>
+            <a:r>
+              <a:rPr lang="en-US" sz="2400" b="1" dirty="0" smtClean="0"/>
+              <a:t>. </a:t>
+            </a:r>
+            <a:r>
+              <a:rPr lang="en-US" sz="2400" dirty="0" smtClean="0"/>
+              <a:t>Figure 5</a:t>
+            </a:r>
+            <a:endParaRPr lang="en-US" sz="2400" dirty="0"/>
+          </a:p>
+        </p:txBody>
+      </p:sp>
+      <p:cxnSp>
+        <p:nvCxnSpPr>
+          <p:cNvPr id="3" name="2 Conector recto"/>
+          <p:cNvCxnSpPr/>
+          <p:nvPr/>
+        </p:nvCxnSpPr>
+        <p:spPr>
+          <a:xfrm>
+            <a:off x="7057034" y="2486547"/>
+            <a:ext cx="22034448" cy="0"/>
+          </a:xfrm>
+          <a:prstGeom prst="line">
+            <a:avLst/>
+          </a:prstGeom>
+          <a:ln w="38100">
+            <a:solidFill>
+              <a:schemeClr val="tx1"/>
+            </a:solidFill>
+          </a:ln>
+        </p:spPr>
+        <p:style>
+          <a:lnRef idx="1">
+            <a:schemeClr val="accent1"/>
+          </a:lnRef>
+          <a:fillRef idx="0">
+            <a:schemeClr val="accent1"/>
+          </a:fillRef>
+          <a:effectRef idx="0">
+            <a:schemeClr val="accent1"/>
+          </a:effectRef>
+          <a:fontRef idx="minor">
+            <a:schemeClr val="tx1"/>
+          </a:fontRef>
+        </p:style>
+      </p:cxnSp>
     </p:spTree>
     <p:extLst>
       <p:ext uri="{BB962C8B-B14F-4D97-AF65-F5344CB8AC3E}">
         <p14:creationId xmlns:p14="http://schemas.microsoft.com/office/powerpoint/2010/main" val="1845875272"/>
-      </p:ext>
-    </p:extLst>
-  </p:cSld>
-  <p:clrMapOvr>
-    <a:masterClrMapping/>
-  </p:clrMapOvr>
-  <p:timing>
-    <p:tnLst>
-      <p:par>
-        <p:cTn id="1" dur="indefinite" restart="never" nodeType="tmRoot"/>
-      </p:par>
-    </p:tnLst>
-  </p:timing>
-</p:sld>
-</file>
-
-<file path=ppt/slides/slide2.xml><?xml version="1.0" encoding="utf-8"?>
-<p:sld xmlns:a="http://schemas.openxmlformats.org/drawingml/2006/main" xmlns:r="http://schemas.openxmlformats.org/officeDocument/2006/relationships" xmlns:p="http://schemas.openxmlformats.org/presentationml/2006/main">
-  <p:cSld>
-    <p:spTree>
-      <p:nvGrpSpPr>
-        <p:cNvPr id="1" name=""/>
-        <p:cNvGrpSpPr/>
-        <p:nvPr/>
-      </p:nvGrpSpPr>
-      <p:grpSpPr>
-        <a:xfrm>
-          <a:off x="0" y="0"/>
-          <a:ext cx="0" cy="0"/>
-          <a:chOff x="0" y="0"/>
-          <a:chExt cx="0" cy="0"/>
-        </a:xfrm>
-      </p:grpSpPr>
-    </p:spTree>
-    <p:extLst>
-      <p:ext uri="{BB962C8B-B14F-4D97-AF65-F5344CB8AC3E}">
-        <p14:creationId xmlns:p14="http://schemas.microsoft.com/office/powerpoint/2010/main" val="2995311082"/>
-      </p:ext>
-    </p:extLst>
-  </p:cSld>
-  <p:clrMapOvr>
-    <a:masterClrMapping/>
-  </p:clrMapOvr>
-  <p:timing>
-    <p:tnLst>
-      <p:par>
-        <p:cTn id="1" dur="indefinite" restart="never" nodeType="tmRoot"/>
-      </p:par>
-    </p:tnLst>
-  </p:timing>
-</p:sld>
-</file>
-
-<file path=ppt/slides/slide3.xml><?xml version="1.0" encoding="utf-8"?>
-<p:sld xmlns:a="http://schemas.openxmlformats.org/drawingml/2006/main" xmlns:r="http://schemas.openxmlformats.org/officeDocument/2006/relationships" xmlns:p="http://schemas.openxmlformats.org/presentationml/2006/main">
-  <p:cSld>
-    <p:spTree>
-      <p:nvGrpSpPr>
-        <p:cNvPr id="1" name=""/>
-        <p:cNvGrpSpPr/>
-        <p:nvPr/>
-      </p:nvGrpSpPr>
-      <p:grpSpPr>
-        <a:xfrm>
-          <a:off x="0" y="0"/>
-          <a:ext cx="0" cy="0"/>
-          <a:chOff x="0" y="0"/>
-          <a:chExt cx="0" cy="0"/>
-        </a:xfrm>
-      </p:grpSpPr>
-    </p:spTree>
-    <p:extLst>
-      <p:ext uri="{BB962C8B-B14F-4D97-AF65-F5344CB8AC3E}">
-        <p14:creationId xmlns:p14="http://schemas.microsoft.com/office/powerpoint/2010/main" val="807742296"/>
       </p:ext>
     </p:extLst>
   </p:cSld>

--- a/poster/Poster.pptx
+++ b/poster/Poster.pptx
@@ -330,7 +330,7 @@
           <a:p>
             <a:fld id="{BE026375-C1E2-4094-ABF6-62AEA64AAD18}" type="slidenum">
               <a:rPr lang="en-US" smtClean="0"/>
-              <a:t>‹Nº›</a:t>
+              <a:t>‹#›</a:t>
             </a:fld>
             <a:endParaRPr lang="en-US"/>
           </a:p>
@@ -500,7 +500,7 @@
           <a:p>
             <a:fld id="{BE026375-C1E2-4094-ABF6-62AEA64AAD18}" type="slidenum">
               <a:rPr lang="en-US" smtClean="0"/>
-              <a:t>‹Nº›</a:t>
+              <a:t>‹#›</a:t>
             </a:fld>
             <a:endParaRPr lang="en-US"/>
           </a:p>
@@ -680,7 +680,7 @@
           <a:p>
             <a:fld id="{BE026375-C1E2-4094-ABF6-62AEA64AAD18}" type="slidenum">
               <a:rPr lang="en-US" smtClean="0"/>
-              <a:t>‹Nº›</a:t>
+              <a:t>‹#›</a:t>
             </a:fld>
             <a:endParaRPr lang="en-US"/>
           </a:p>
@@ -850,7 +850,7 @@
           <a:p>
             <a:fld id="{BE026375-C1E2-4094-ABF6-62AEA64AAD18}" type="slidenum">
               <a:rPr lang="en-US" smtClean="0"/>
-              <a:t>‹Nº›</a:t>
+              <a:t>‹#›</a:t>
             </a:fld>
             <a:endParaRPr lang="en-US"/>
           </a:p>
@@ -1096,7 +1096,7 @@
           <a:p>
             <a:fld id="{BE026375-C1E2-4094-ABF6-62AEA64AAD18}" type="slidenum">
               <a:rPr lang="en-US" smtClean="0"/>
-              <a:t>‹Nº›</a:t>
+              <a:t>‹#›</a:t>
             </a:fld>
             <a:endParaRPr lang="en-US"/>
           </a:p>
@@ -1384,7 +1384,7 @@
           <a:p>
             <a:fld id="{BE026375-C1E2-4094-ABF6-62AEA64AAD18}" type="slidenum">
               <a:rPr lang="en-US" smtClean="0"/>
-              <a:t>‹Nº›</a:t>
+              <a:t>‹#›</a:t>
             </a:fld>
             <a:endParaRPr lang="en-US"/>
           </a:p>
@@ -1806,7 +1806,7 @@
           <a:p>
             <a:fld id="{BE026375-C1E2-4094-ABF6-62AEA64AAD18}" type="slidenum">
               <a:rPr lang="en-US" smtClean="0"/>
-              <a:t>‹Nº›</a:t>
+              <a:t>‹#›</a:t>
             </a:fld>
             <a:endParaRPr lang="en-US"/>
           </a:p>
@@ -1924,7 +1924,7 @@
           <a:p>
             <a:fld id="{BE026375-C1E2-4094-ABF6-62AEA64AAD18}" type="slidenum">
               <a:rPr lang="en-US" smtClean="0"/>
-              <a:t>‹Nº›</a:t>
+              <a:t>‹#›</a:t>
             </a:fld>
             <a:endParaRPr lang="en-US"/>
           </a:p>
@@ -2019,7 +2019,7 @@
           <a:p>
             <a:fld id="{BE026375-C1E2-4094-ABF6-62AEA64AAD18}" type="slidenum">
               <a:rPr lang="en-US" smtClean="0"/>
-              <a:t>‹Nº›</a:t>
+              <a:t>‹#›</a:t>
             </a:fld>
             <a:endParaRPr lang="en-US"/>
           </a:p>
@@ -2296,7 +2296,7 @@
           <a:p>
             <a:fld id="{BE026375-C1E2-4094-ABF6-62AEA64AAD18}" type="slidenum">
               <a:rPr lang="en-US" smtClean="0"/>
-              <a:t>‹Nº›</a:t>
+              <a:t>‹#›</a:t>
             </a:fld>
             <a:endParaRPr lang="en-US"/>
           </a:p>
@@ -2549,7 +2549,7 @@
           <a:p>
             <a:fld id="{BE026375-C1E2-4094-ABF6-62AEA64AAD18}" type="slidenum">
               <a:rPr lang="en-US" smtClean="0"/>
-              <a:t>‹Nº›</a:t>
+              <a:t>‹#›</a:t>
             </a:fld>
             <a:endParaRPr lang="en-US"/>
           </a:p>
@@ -2798,7 +2798,7 @@
           <a:p>
             <a:fld id="{BE026375-C1E2-4094-ABF6-62AEA64AAD18}" type="slidenum">
               <a:rPr lang="en-US" smtClean="0"/>
-              <a:t>‹Nº›</a:t>
+              <a:t>‹#›</a:t>
             </a:fld>
             <a:endParaRPr lang="en-US"/>
           </a:p>
@@ -3172,13 +3172,7 @@
               <a:rPr lang="en-US" sz="4400" dirty="0" smtClean="0">
                 <a:latin typeface="+mj-lt"/>
               </a:rPr>
-              <a:t> </a:t>
-            </a:r>
-            <a:r>
-              <a:rPr lang="en-US" sz="4400" dirty="0" smtClean="0">
-                <a:latin typeface="+mj-lt"/>
-              </a:rPr>
-              <a:t>and Felipe </a:t>
+              <a:t> and Felipe </a:t>
             </a:r>
             <a:r>
               <a:rPr lang="en-US" sz="4400" dirty="0" err="1">
@@ -3212,7 +3206,7 @@
         </p:nvSpPr>
         <p:spPr>
           <a:xfrm>
-            <a:off x="24554978" y="23570598"/>
+            <a:off x="24554978" y="23714614"/>
             <a:ext cx="11305656" cy="1200329"/>
           </a:xfrm>
           <a:prstGeom prst="rect">
@@ -3294,11 +3288,7 @@
             </a:r>
             <a:r>
               <a:rPr lang="en-US" sz="2400" dirty="0" smtClean="0"/>
-              <a:t>estimated in most cases. Therefore, many researchers have turned their attention towards machine learning methods to create simplified models based on available </a:t>
-            </a:r>
-            <a:r>
-              <a:rPr lang="en-US" sz="2400" dirty="0" smtClean="0"/>
-              <a:t>observations ([1] and [2]). </a:t>
+              <a:t>estimated in most cases. Therefore, many researchers have turned their attention towards machine learning methods to create simplified models based on available observations ([1] and [2]). </a:t>
             </a:r>
             <a:r>
               <a:rPr lang="en-US" sz="2400" dirty="0"/>
@@ -3383,15 +3373,7 @@
             <a:pPr algn="just"/>
             <a:r>
               <a:rPr lang="en-US" sz="2400" dirty="0" smtClean="0"/>
-              <a:t>As opposed to measurements from weather stations, satellite observations offer total spatial coverage at the cost of reduced precision. Figure 1 shows samples from the North America Data Assimilation System (NLDAS) satellite-based observations available from the GES-DISC at </a:t>
-            </a:r>
-            <a:r>
-              <a:rPr lang="en-US" sz="2400" dirty="0" smtClean="0"/>
-              <a:t>NASA [3]: </a:t>
-            </a:r>
-            <a:r>
-              <a:rPr lang="en-US" sz="2400" dirty="0" smtClean="0"/>
-              <a:t>values for the different meteorological variables are provided hourly for each cell within a regular grid.</a:t>
+              <a:t>As opposed to measurements from weather stations, satellite observations offer total spatial coverage at the cost of reduced precision. Figure 1 shows samples from the North America Data Assimilation System (NLDAS) satellite-based observations available from the GES-DISC at NASA [3]: values for the different meteorological variables are provided hourly for each cell within a regular grid.</a:t>
             </a:r>
             <a:endParaRPr lang="en-US" sz="2400" dirty="0"/>
           </a:p>
@@ -3484,11 +3466,11 @@
             </a:r>
             <a:r>
               <a:rPr lang="en-US" sz="2400" dirty="0"/>
-              <a:t>) model </a:t>
-            </a:r>
-            <a:r>
-              <a:rPr lang="en-US" sz="2400" dirty="0" smtClean="0"/>
-              <a:t>[4] in </a:t>
+              <a:t>) </a:t>
+            </a:r>
+            <a:r>
+              <a:rPr lang="en-US" sz="2400" dirty="0" smtClean="0"/>
+              <a:t>model in </a:t>
             </a:r>
             <a:r>
               <a:rPr lang="en-US" sz="2400" dirty="0"/>
@@ -3496,15 +3478,7 @@
             </a:r>
             <a:r>
               <a:rPr lang="en-US" sz="2400" dirty="0" smtClean="0"/>
-              <a:t>system over </a:t>
-            </a:r>
-            <a:r>
-              <a:rPr lang="en-US" sz="2400" dirty="0"/>
-              <a:t>time. </a:t>
-            </a:r>
-            <a:r>
-              <a:rPr lang="en-US" sz="2400" dirty="0" smtClean="0"/>
-              <a:t>The </a:t>
+              <a:t>system over time (see [4], [5] for details on the VAR approach). The </a:t>
             </a:r>
             <a:r>
               <a:rPr lang="en-US" sz="2400" dirty="0"/>
@@ -3604,8 +3578,8 @@
           </a:p>
         </p:txBody>
       </p:sp>
-      <mc:AlternateContent xmlns:mc="http://schemas.openxmlformats.org/markup-compatibility/2006">
-        <mc:Choice xmlns:a14="http://schemas.microsoft.com/office/drawing/2010/main" Requires="a14">
+      <mc:AlternateContent xmlns:mc="http://schemas.openxmlformats.org/markup-compatibility/2006" xmlns:a14="http://schemas.microsoft.com/office/drawing/2010/main">
+        <mc:Choice Requires="a14">
           <p:sp>
             <p:nvSpPr>
               <p:cNvPr id="30" name="29 CuadroTexto"/>
@@ -3844,7 +3818,7 @@
             </p:txBody>
           </p:sp>
         </mc:Choice>
-        <mc:Fallback>
+        <mc:Fallback xmlns="">
           <p:sp>
             <p:nvSpPr>
               <p:cNvPr id="30" name="29 CuadroTexto"/>
@@ -3883,8 +3857,8 @@
           </p:sp>
         </mc:Fallback>
       </mc:AlternateContent>
-      <mc:AlternateContent xmlns:mc="http://schemas.openxmlformats.org/markup-compatibility/2006">
-        <mc:Choice xmlns:a14="http://schemas.microsoft.com/office/drawing/2010/main" Requires="a14">
+      <mc:AlternateContent xmlns:mc="http://schemas.openxmlformats.org/markup-compatibility/2006" xmlns:a14="http://schemas.microsoft.com/office/drawing/2010/main">
+        <mc:Choice Requires="a14">
           <p:sp>
             <p:nvSpPr>
               <p:cNvPr id="31" name="TextBox 3"/>
@@ -3974,7 +3948,7 @@
             </p:txBody>
           </p:sp>
         </mc:Choice>
-        <mc:Fallback>
+        <mc:Fallback xmlns="">
           <p:sp>
             <p:nvSpPr>
               <p:cNvPr id="31" name="TextBox 3"/>
@@ -4498,8 +4472,8 @@
         </p:nvSpPr>
         <p:spPr>
           <a:xfrm>
-            <a:off x="24554978" y="14734514"/>
-            <a:ext cx="10585176" cy="461665"/>
+            <a:off x="24554978" y="13412827"/>
+            <a:ext cx="10585176" cy="4524315"/>
           </a:xfrm>
           <a:prstGeom prst="rect">
             <a:avLst/>
@@ -4512,12 +4486,125 @@
           </a:bodyPr>
           <a:lstStyle/>
           <a:p>
-            <a:pPr algn="just"/>
-            <a:r>
-              <a:rPr lang="en-US" sz="2400" dirty="0" smtClean="0"/>
-              <a:t>Conclusions</a:t>
+            <a:pPr marL="342900" indent="-342900">
+              <a:buFontTx/>
+              <a:buChar char="-"/>
+            </a:pPr>
+            <a:r>
+              <a:rPr lang="en-US" sz="2400" dirty="0" err="1" smtClean="0"/>
+              <a:t>Overfitting</a:t>
+            </a:r>
+            <a:r>
+              <a:rPr lang="en-US" sz="2400" dirty="0" smtClean="0"/>
+              <a:t> </a:t>
+            </a:r>
+            <a:r>
+              <a:rPr lang="en-US" sz="2400" dirty="0"/>
+              <a:t>for higher order lags; need regularization (lasso &amp; fused lasso</a:t>
+            </a:r>
+            <a:r>
+              <a:rPr lang="en-US" sz="2400" dirty="0" smtClean="0"/>
+              <a:t>)</a:t>
+            </a:r>
+          </a:p>
+          <a:p>
+            <a:pPr marL="342900" indent="-342900">
+              <a:buFontTx/>
+              <a:buChar char="-"/>
+            </a:pPr>
+            <a:r>
+              <a:rPr lang="en-US" sz="2400" dirty="0" smtClean="0"/>
+              <a:t>Some </a:t>
+            </a:r>
+            <a:r>
+              <a:rPr lang="en-US" sz="2400" dirty="0"/>
+              <a:t>variables easy to predict (temperature &amp; pressure); some hard due to </a:t>
+            </a:r>
+            <a:r>
+              <a:rPr lang="en-US" sz="2400" dirty="0" err="1"/>
+              <a:t>sparsity</a:t>
+            </a:r>
+            <a:r>
+              <a:rPr lang="en-US" sz="2400" dirty="0"/>
+              <a:t> (precipitation)	</a:t>
             </a:r>
             <a:endParaRPr lang="en-US" sz="2400" dirty="0"/>
+          </a:p>
+          <a:p>
+            <a:pPr marL="342900" indent="-342900">
+              <a:buFontTx/>
+              <a:buChar char="-"/>
+            </a:pPr>
+            <a:r>
+              <a:rPr lang="en-US" sz="2400" dirty="0" smtClean="0"/>
+              <a:t>Adding </a:t>
+            </a:r>
+            <a:r>
+              <a:rPr lang="en-US" sz="2400" dirty="0"/>
+              <a:t>neighboring cells or adding other variables to the model doesn't significantly improve accuracy </a:t>
+            </a:r>
+            <a:endParaRPr lang="en-US" sz="2400" dirty="0"/>
+          </a:p>
+          <a:p>
+            <a:pPr marL="2090430" lvl="1" indent="-342900">
+              <a:buFontTx/>
+              <a:buChar char="-"/>
+            </a:pPr>
+            <a:r>
+              <a:rPr lang="en-US" sz="2400" dirty="0" smtClean="0"/>
+              <a:t>IE</a:t>
+            </a:r>
+            <a:r>
+              <a:rPr lang="en-US" sz="2400" dirty="0"/>
+              <a:t>: we get the same performance using a very simple lag order of 1 or 2 and just looking at values for same variable at same </a:t>
+            </a:r>
+            <a:r>
+              <a:rPr lang="en-US" sz="2400" dirty="0" smtClean="0"/>
+              <a:t>cell</a:t>
+            </a:r>
+            <a:endParaRPr lang="en-US" sz="2400" dirty="0"/>
+          </a:p>
+          <a:p>
+            <a:pPr marL="2090430" lvl="1" indent="-342900">
+              <a:buFontTx/>
+              <a:buChar char="-"/>
+            </a:pPr>
+            <a:r>
+              <a:rPr lang="en-US" sz="2400" dirty="0" smtClean="0"/>
+              <a:t>Problem might be too easy… just linearly extrapolating works well</a:t>
+            </a:r>
+          </a:p>
+          <a:p>
+            <a:pPr marL="3837953" lvl="2" indent="-342900">
+              <a:buFontTx/>
+              <a:buChar char="-"/>
+            </a:pPr>
+            <a:r>
+              <a:rPr lang="en-US" sz="2400" dirty="0" smtClean="0"/>
+              <a:t>Harder </a:t>
+            </a:r>
+            <a:r>
+              <a:rPr lang="en-US" sz="2400" dirty="0"/>
+              <a:t>problem would be to forecast many steps into the </a:t>
+            </a:r>
+            <a:r>
+              <a:rPr lang="en-US" sz="2400" dirty="0" smtClean="0"/>
+              <a:t>future</a:t>
+            </a:r>
+          </a:p>
+          <a:p>
+            <a:pPr marL="3837953" lvl="2" indent="-342900">
+              <a:buFontTx/>
+              <a:buChar char="-"/>
+            </a:pPr>
+            <a:r>
+              <a:rPr lang="en-US" sz="2400" dirty="0" smtClean="0"/>
+              <a:t>Have </a:t>
+            </a:r>
+            <a:r>
+              <a:rPr lang="en-US" sz="2400" dirty="0"/>
+              <a:t>preliminary results for this if possible (5 or so steps into the future, how does the model fare?)</a:t>
+            </a:r>
           </a:p>
         </p:txBody>
       </p:sp>
@@ -4529,7 +4616,7 @@
         </p:nvSpPr>
         <p:spPr>
           <a:xfrm>
-            <a:off x="24554978" y="14211294"/>
+            <a:off x="24554978" y="12889607"/>
             <a:ext cx="10585176" cy="523220"/>
           </a:xfrm>
           <a:prstGeom prst="rect">
@@ -4576,7 +4663,7 @@
         <p:spPr>
           <a:xfrm>
             <a:off x="24554978" y="19031767"/>
-            <a:ext cx="10585176" cy="4154984"/>
+            <a:ext cx="10585176" cy="4893647"/>
           </a:xfrm>
           <a:prstGeom prst="rect">
             <a:avLst/>
@@ -4754,10 +4841,41 @@
             </a:r>
           </a:p>
           <a:p>
+            <a:pPr marL="457200" indent="-457200" algn="just"/>
+            <a:r>
+              <a:rPr lang="en-US" sz="2400" dirty="0" smtClean="0"/>
+              <a:t>[4] </a:t>
+            </a:r>
+            <a:r>
+              <a:rPr lang="en-US" sz="2400" dirty="0" err="1" smtClean="0"/>
+              <a:t>Lutkepohl</a:t>
+            </a:r>
+            <a:r>
+              <a:rPr lang="en-US" sz="2400" dirty="0" smtClean="0"/>
+              <a:t>, H. (1991), </a:t>
+            </a:r>
+            <a:r>
+              <a:rPr lang="en-US" sz="2400" i="1" dirty="0" smtClean="0"/>
+              <a:t>Introduction to Multiple Time Series Analysis</a:t>
+            </a:r>
+            <a:r>
+              <a:rPr lang="en-US" sz="2400" dirty="0" smtClean="0"/>
+              <a:t>. Springer-</a:t>
+            </a:r>
+            <a:r>
+              <a:rPr lang="en-US" sz="2400" dirty="0" err="1" smtClean="0"/>
+              <a:t>Verlag</a:t>
+            </a:r>
+            <a:r>
+              <a:rPr lang="en-US" sz="2400" dirty="0" smtClean="0"/>
+              <a:t>, Berlin.</a:t>
+            </a:r>
+          </a:p>
+          <a:p>
             <a:pPr marL="457200" indent="-457200"/>
             <a:r>
               <a:rPr lang="en-US" sz="2400" dirty="0" smtClean="0"/>
-              <a:t>[4] </a:t>
+              <a:t>[5] </a:t>
             </a:r>
             <a:r>
               <a:rPr lang="en-US" sz="2400" dirty="0" err="1" smtClean="0"/>
@@ -4765,15 +4883,7 @@
             </a:r>
             <a:r>
               <a:rPr lang="en-US" sz="2400" dirty="0" smtClean="0"/>
-              <a:t>, E. and Wang, J. (2006), </a:t>
-            </a:r>
-            <a:r>
-              <a:rPr lang="en-US" sz="2400" dirty="0" err="1" smtClean="0"/>
-              <a:t>V”ector</a:t>
-            </a:r>
-            <a:r>
-              <a:rPr lang="en-US" sz="2400" dirty="0" smtClean="0"/>
-              <a:t> </a:t>
+              <a:t>, E. and Wang, J. (2006), Vector </a:t>
             </a:r>
             <a:r>
               <a:rPr lang="en-US" sz="2400" dirty="0"/>
@@ -4807,7 +4917,6 @@
               <a:rPr lang="en-US" sz="2400" dirty="0"/>
               <a:t>.</a:t>
             </a:r>
-            <a:endParaRPr lang="en-US" sz="2400" dirty="0"/>
           </a:p>
         </p:txBody>
       </p:sp>
@@ -4866,7 +4975,7 @@
         <p:spPr>
           <a:xfrm>
             <a:off x="14177430" y="20536721"/>
-            <a:ext cx="7569236" cy="461665"/>
+            <a:ext cx="7569236" cy="830997"/>
           </a:xfrm>
           <a:prstGeom prst="rect">
             <a:avLst/>
@@ -4882,15 +4991,11 @@
             <a:pPr algn="ctr"/>
             <a:r>
               <a:rPr lang="en-US" sz="2400" b="1" dirty="0" smtClean="0"/>
-              <a:t>Figure </a:t>
-            </a:r>
-            <a:r>
-              <a:rPr lang="en-US" sz="2400" b="1" dirty="0" smtClean="0"/>
-              <a:t>3. </a:t>
-            </a:r>
-            <a:r>
-              <a:rPr lang="en-US" sz="2400" dirty="0" smtClean="0"/>
-              <a:t>Figure 3</a:t>
+              <a:t>Figure 3. </a:t>
+            </a:r>
+            <a:r>
+              <a:rPr lang="en-US" sz="2400" dirty="0" smtClean="0"/>
+              <a:t>RMS Error when using single cell model or model that includes neighboring cells as input</a:t>
             </a:r>
             <a:endParaRPr lang="en-US" sz="2400" dirty="0"/>
           </a:p>
@@ -4905,7 +5010,7 @@
         <p:spPr>
           <a:xfrm>
             <a:off x="26062948" y="6711118"/>
-            <a:ext cx="7569236" cy="461665"/>
+            <a:ext cx="7569236" cy="830997"/>
           </a:xfrm>
           <a:prstGeom prst="rect">
             <a:avLst/>
@@ -4921,15 +5026,11 @@
             <a:pPr algn="ctr"/>
             <a:r>
               <a:rPr lang="en-US" sz="2400" b="1" dirty="0" smtClean="0"/>
-              <a:t>Figure </a:t>
-            </a:r>
-            <a:r>
-              <a:rPr lang="en-US" sz="2400" b="1" dirty="0" smtClean="0"/>
-              <a:t>4. </a:t>
-            </a:r>
-            <a:r>
-              <a:rPr lang="en-US" sz="2400" dirty="0" smtClean="0"/>
-              <a:t>Figure 4</a:t>
+              <a:t>Figure 4. </a:t>
+            </a:r>
+            <a:r>
+              <a:rPr lang="en-US" sz="2400" dirty="0" smtClean="0"/>
+              <a:t>RMS Error when using independent variable model vs. interdependent variables model</a:t>
             </a:r>
             <a:endParaRPr lang="en-US" sz="2400" dirty="0"/>
           </a:p>
@@ -4943,8 +5044,8 @@
         </p:nvSpPr>
         <p:spPr>
           <a:xfrm>
-            <a:off x="26058750" y="11191319"/>
-            <a:ext cx="7569236" cy="461665"/>
+            <a:off x="26058750" y="11842586"/>
+            <a:ext cx="7569236" cy="830997"/>
           </a:xfrm>
           <a:prstGeom prst="rect">
             <a:avLst/>
@@ -4972,7 +5073,23 @@
             </a:r>
             <a:r>
               <a:rPr lang="en-US" sz="2400" dirty="0" smtClean="0"/>
-              <a:t>Figure 5</a:t>
+              <a:t>Training and Test RMS </a:t>
+            </a:r>
+            <a:r>
+              <a:rPr lang="en-US" sz="2400" dirty="0" smtClean="0"/>
+              <a:t>Error as a  function of VAR model lag order </a:t>
+            </a:r>
+            <a:r>
+              <a:rPr lang="en-US" sz="2400" i="1" dirty="0" smtClean="0"/>
+              <a:t>p</a:t>
+            </a:r>
+            <a:r>
+              <a:rPr lang="en-US" sz="2400" dirty="0" smtClean="0"/>
+              <a:t> </a:t>
+            </a:r>
+            <a:r>
+              <a:rPr lang="en-US" sz="2400" dirty="0" smtClean="0"/>
+              <a:t>for multivariable model</a:t>
             </a:r>
             <a:endParaRPr lang="en-US" sz="2400" dirty="0"/>
           </a:p>
@@ -5013,6 +5130,88 @@
           </a:fontRef>
         </p:style>
       </p:cxnSp>
+      <p:pic>
+        <p:nvPicPr>
+          <p:cNvPr id="1028" name="Picture 4" descr="C:\Dev\weathermap\poster\err_test_vs_lag_order_all_vars_single_cell.png"/>
+          <p:cNvPicPr>
+            <a:picLocks noChangeAspect="1" noChangeArrowheads="1"/>
+          </p:cNvPicPr>
+          <p:nvPr/>
+        </p:nvPicPr>
+        <p:blipFill>
+          <a:blip r:embed="rId9" cstate="print">
+            <a:extLst>
+              <a:ext uri="{28A0092B-C50C-407E-A947-70E740481C1C}">
+                <a14:useLocalDpi xmlns:a14="http://schemas.microsoft.com/office/drawing/2010/main" val="0"/>
+              </a:ext>
+            </a:extLst>
+          </a:blip>
+          <a:srcRect/>
+          <a:stretch>
+            <a:fillRect/>
+          </a:stretch>
+        </p:blipFill>
+        <p:spPr bwMode="auto">
+          <a:xfrm>
+            <a:off x="30243585" y="7797524"/>
+            <a:ext cx="4039202" cy="4011963"/>
+          </a:xfrm>
+          <a:prstGeom prst="rect">
+            <a:avLst/>
+          </a:prstGeom>
+          <a:noFill/>
+          <a:extLst>
+            <a:ext uri="{909E8E84-426E-40DD-AFC4-6F175D3DCCD1}">
+              <a14:hiddenFill xmlns:a14="http://schemas.microsoft.com/office/drawing/2010/main">
+                <a:solidFill>
+                  <a:srgbClr val="FFFFFF"/>
+                </a:solidFill>
+              </a14:hiddenFill>
+            </a:ext>
+          </a:extLst>
+        </p:spPr>
+      </p:pic>
+      <p:pic>
+        <p:nvPicPr>
+          <p:cNvPr id="1029" name="Picture 5" descr="C:\Dev\weathermap\poster\err_training_vs_lag_order_all_vars_single_cell.png"/>
+          <p:cNvPicPr>
+            <a:picLocks noChangeAspect="1" noChangeArrowheads="1"/>
+          </p:cNvPicPr>
+          <p:nvPr/>
+        </p:nvPicPr>
+        <p:blipFill>
+          <a:blip r:embed="rId10" cstate="print">
+            <a:extLst>
+              <a:ext uri="{28A0092B-C50C-407E-A947-70E740481C1C}">
+                <a14:useLocalDpi xmlns:a14="http://schemas.microsoft.com/office/drawing/2010/main" val="0"/>
+              </a:ext>
+            </a:extLst>
+          </a:blip>
+          <a:srcRect/>
+          <a:stretch>
+            <a:fillRect/>
+          </a:stretch>
+        </p:blipFill>
+        <p:spPr bwMode="auto">
+          <a:xfrm>
+            <a:off x="24843010" y="7813130"/>
+            <a:ext cx="4039202" cy="3971752"/>
+          </a:xfrm>
+          <a:prstGeom prst="rect">
+            <a:avLst/>
+          </a:prstGeom>
+          <a:noFill/>
+          <a:extLst>
+            <a:ext uri="{909E8E84-426E-40DD-AFC4-6F175D3DCCD1}">
+              <a14:hiddenFill xmlns:a14="http://schemas.microsoft.com/office/drawing/2010/main">
+                <a:solidFill>
+                  <a:srgbClr val="FFFFFF"/>
+                </a:solidFill>
+              </a14:hiddenFill>
+            </a:ext>
+          </a:extLst>
+        </p:spPr>
+      </p:pic>
     </p:spTree>
     <p:extLst>
       <p:ext uri="{BB962C8B-B14F-4D97-AF65-F5344CB8AC3E}">

--- a/poster/Poster.pptx
+++ b/poster/Poster.pptx
@@ -4,6 +4,9 @@
   <p:sldMasterIdLst>
     <p:sldMasterId id="2147483648" r:id="rId1"/>
   </p:sldMasterIdLst>
+  <p:notesMasterIdLst>
+    <p:notesMasterId r:id="rId3"/>
+  </p:notesMasterIdLst>
   <p:sldIdLst>
     <p:sldId id="259" r:id="rId2"/>
   </p:sldIdLst>
@@ -105,6 +108,896 @@
     </a:lvl9pPr>
   </p:defaultTextStyle>
 </p:presentation>
+</file>
+
+<file path=ppt/charts/chart1.xml><?xml version="1.0" encoding="utf-8"?>
+<c:chartSpace xmlns:c="http://schemas.openxmlformats.org/drawingml/2006/chart" xmlns:a="http://schemas.openxmlformats.org/drawingml/2006/main" xmlns:r="http://schemas.openxmlformats.org/officeDocument/2006/relationships">
+  <c:date1904 val="0"/>
+  <c:lang val="en-US"/>
+  <c:roundedCorners val="0"/>
+  <mc:AlternateContent xmlns:mc="http://schemas.openxmlformats.org/markup-compatibility/2006">
+    <mc:Choice xmlns:c14="http://schemas.microsoft.com/office/drawing/2007/8/2/chart" Requires="c14">
+      <c14:style val="102"/>
+    </mc:Choice>
+    <mc:Fallback>
+      <c:style val="2"/>
+    </mc:Fallback>
+  </mc:AlternateContent>
+  <c:chart>
+    <c:autoTitleDeleted val="0"/>
+    <c:plotArea>
+      <c:layout/>
+      <c:barChart>
+        <c:barDir val="col"/>
+        <c:grouping val="clustered"/>
+        <c:varyColors val="0"/>
+        <c:ser>
+          <c:idx val="0"/>
+          <c:order val="0"/>
+          <c:tx>
+            <c:v>Training Error</c:v>
+          </c:tx>
+          <c:invertIfNegative val="0"/>
+          <c:dLbls>
+            <c:dLbl>
+              <c:idx val="0"/>
+              <c:layout>
+                <c:manualLayout>
+                  <c:x val="0"/>
+                  <c:y val="-1.8518518518518517E-2"/>
+                </c:manualLayout>
+              </c:layout>
+              <c:showLegendKey val="0"/>
+              <c:showVal val="1"/>
+              <c:showCatName val="0"/>
+              <c:showSerName val="0"/>
+              <c:showPercent val="0"/>
+              <c:showBubbleSize val="0"/>
+            </c:dLbl>
+            <c:dLbl>
+              <c:idx val="1"/>
+              <c:layout>
+                <c:manualLayout>
+                  <c:x val="4.0073599047541739E-4"/>
+                  <c:y val="-2.3148245078602248E-2"/>
+                </c:manualLayout>
+              </c:layout>
+              <c:showLegendKey val="0"/>
+              <c:showVal val="1"/>
+              <c:showCatName val="0"/>
+              <c:showSerName val="0"/>
+              <c:showPercent val="0"/>
+              <c:showBubbleSize val="0"/>
+            </c:dLbl>
+            <c:showLegendKey val="0"/>
+            <c:showVal val="1"/>
+            <c:showCatName val="0"/>
+            <c:showSerName val="0"/>
+            <c:showPercent val="0"/>
+            <c:showBubbleSize val="0"/>
+            <c:showLeaderLines val="0"/>
+          </c:dLbls>
+          <c:cat>
+            <c:strRef>
+              <c:f>Sheet1!$A$3:$A$4</c:f>
+              <c:strCache>
+                <c:ptCount val="2"/>
+                <c:pt idx="0">
+                  <c:v>Single Cell Model</c:v>
+                </c:pt>
+                <c:pt idx="1">
+                  <c:v>Neighbors in Model</c:v>
+                </c:pt>
+              </c:strCache>
+            </c:strRef>
+          </c:cat>
+          <c:val>
+            <c:numRef>
+              <c:f>Sheet1!$B$3:$B$4</c:f>
+              <c:numCache>
+                <c:formatCode>0%</c:formatCode>
+                <c:ptCount val="2"/>
+                <c:pt idx="0">
+                  <c:v>0.187</c:v>
+                </c:pt>
+                <c:pt idx="1">
+                  <c:v>0.14000000000000001</c:v>
+                </c:pt>
+              </c:numCache>
+            </c:numRef>
+          </c:val>
+        </c:ser>
+        <c:ser>
+          <c:idx val="1"/>
+          <c:order val="1"/>
+          <c:tx>
+            <c:v>Test Error</c:v>
+          </c:tx>
+          <c:invertIfNegative val="0"/>
+          <c:dLbls>
+            <c:showLegendKey val="0"/>
+            <c:showVal val="1"/>
+            <c:showCatName val="0"/>
+            <c:showSerName val="0"/>
+            <c:showPercent val="0"/>
+            <c:showBubbleSize val="0"/>
+            <c:showLeaderLines val="0"/>
+          </c:dLbls>
+          <c:cat>
+            <c:strRef>
+              <c:f>Sheet1!$A$3:$A$4</c:f>
+              <c:strCache>
+                <c:ptCount val="2"/>
+                <c:pt idx="0">
+                  <c:v>Single Cell Model</c:v>
+                </c:pt>
+                <c:pt idx="1">
+                  <c:v>Neighbors in Model</c:v>
+                </c:pt>
+              </c:strCache>
+            </c:strRef>
+          </c:cat>
+          <c:val>
+            <c:numRef>
+              <c:f>Sheet1!$B$5:$B$6</c:f>
+              <c:numCache>
+                <c:formatCode>0%</c:formatCode>
+                <c:ptCount val="2"/>
+                <c:pt idx="0">
+                  <c:v>0.21240000000000001</c:v>
+                </c:pt>
+                <c:pt idx="1">
+                  <c:v>0.20910000000000001</c:v>
+                </c:pt>
+              </c:numCache>
+            </c:numRef>
+          </c:val>
+        </c:ser>
+        <c:dLbls>
+          <c:showLegendKey val="0"/>
+          <c:showVal val="0"/>
+          <c:showCatName val="0"/>
+          <c:showSerName val="0"/>
+          <c:showPercent val="0"/>
+          <c:showBubbleSize val="0"/>
+        </c:dLbls>
+        <c:gapWidth val="150"/>
+        <c:axId val="5841664"/>
+        <c:axId val="5844352"/>
+      </c:barChart>
+      <c:catAx>
+        <c:axId val="5841664"/>
+        <c:scaling>
+          <c:orientation val="minMax"/>
+        </c:scaling>
+        <c:delete val="0"/>
+        <c:axPos val="b"/>
+        <c:majorTickMark val="out"/>
+        <c:minorTickMark val="none"/>
+        <c:tickLblPos val="nextTo"/>
+        <c:crossAx val="5844352"/>
+        <c:crosses val="autoZero"/>
+        <c:auto val="1"/>
+        <c:lblAlgn val="ctr"/>
+        <c:lblOffset val="100"/>
+        <c:tickMarkSkip val="100"/>
+        <c:noMultiLvlLbl val="0"/>
+      </c:catAx>
+      <c:valAx>
+        <c:axId val="5844352"/>
+        <c:scaling>
+          <c:orientation val="minMax"/>
+        </c:scaling>
+        <c:delete val="0"/>
+        <c:axPos val="l"/>
+        <c:majorGridlines/>
+        <c:numFmt formatCode="0%" sourceLinked="1"/>
+        <c:majorTickMark val="out"/>
+        <c:minorTickMark val="none"/>
+        <c:tickLblPos val="nextTo"/>
+        <c:crossAx val="5841664"/>
+        <c:crosses val="autoZero"/>
+        <c:crossBetween val="between"/>
+      </c:valAx>
+    </c:plotArea>
+    <c:legend>
+      <c:legendPos val="r"/>
+      <c:layout/>
+      <c:overlay val="0"/>
+    </c:legend>
+    <c:plotVisOnly val="1"/>
+    <c:dispBlanksAs val="gap"/>
+    <c:showDLblsOverMax val="0"/>
+  </c:chart>
+  <c:spPr>
+    <a:ln>
+      <a:noFill/>
+    </a:ln>
+  </c:spPr>
+  <c:txPr>
+    <a:bodyPr/>
+    <a:lstStyle/>
+    <a:p>
+      <a:pPr>
+        <a:defRPr sz="2400" baseline="0">
+          <a:latin typeface="Calibri" panose="020F0502020204030204" pitchFamily="34" charset="0"/>
+        </a:defRPr>
+      </a:pPr>
+      <a:endParaRPr lang="en-US"/>
+    </a:p>
+  </c:txPr>
+  <c:externalData r:id="rId1">
+    <c:autoUpdate val="0"/>
+  </c:externalData>
+</c:chartSpace>
+</file>
+
+<file path=ppt/charts/chart2.xml><?xml version="1.0" encoding="utf-8"?>
+<c:chartSpace xmlns:c="http://schemas.openxmlformats.org/drawingml/2006/chart" xmlns:a="http://schemas.openxmlformats.org/drawingml/2006/main" xmlns:r="http://schemas.openxmlformats.org/officeDocument/2006/relationships">
+  <c:date1904 val="0"/>
+  <c:lang val="en-US"/>
+  <c:roundedCorners val="0"/>
+  <mc:AlternateContent xmlns:mc="http://schemas.openxmlformats.org/markup-compatibility/2006">
+    <mc:Choice xmlns:c14="http://schemas.microsoft.com/office/drawing/2007/8/2/chart" Requires="c14">
+      <c14:style val="102"/>
+    </mc:Choice>
+    <mc:Fallback>
+      <c:style val="2"/>
+    </mc:Fallback>
+  </mc:AlternateContent>
+  <c:chart>
+    <c:autoTitleDeleted val="0"/>
+    <c:plotArea>
+      <c:layout/>
+      <c:barChart>
+        <c:barDir val="col"/>
+        <c:grouping val="clustered"/>
+        <c:varyColors val="0"/>
+        <c:ser>
+          <c:idx val="0"/>
+          <c:order val="0"/>
+          <c:tx>
+            <c:v>Training Error</c:v>
+          </c:tx>
+          <c:invertIfNegative val="0"/>
+          <c:dLbls>
+            <c:dLbl>
+              <c:idx val="0"/>
+              <c:layout>
+                <c:manualLayout>
+                  <c:x val="-1.5335891649872657E-3"/>
+                  <c:y val="-3.1677019666357567E-2"/>
+                </c:manualLayout>
+              </c:layout>
+              <c:showLegendKey val="0"/>
+              <c:showVal val="1"/>
+              <c:showCatName val="0"/>
+              <c:showSerName val="0"/>
+              <c:showPercent val="0"/>
+              <c:showBubbleSize val="0"/>
+            </c:dLbl>
+            <c:dLbl>
+              <c:idx val="1"/>
+              <c:layout>
+                <c:manualLayout>
+                  <c:x val="4.6007674949618532E-3"/>
+                  <c:y val="2.4637681962722549E-2"/>
+                </c:manualLayout>
+              </c:layout>
+              <c:showLegendKey val="0"/>
+              <c:showVal val="1"/>
+              <c:showCatName val="0"/>
+              <c:showSerName val="0"/>
+              <c:showPercent val="0"/>
+              <c:showBubbleSize val="0"/>
+            </c:dLbl>
+            <c:showLegendKey val="0"/>
+            <c:showVal val="1"/>
+            <c:showCatName val="0"/>
+            <c:showSerName val="0"/>
+            <c:showPercent val="0"/>
+            <c:showBubbleSize val="0"/>
+            <c:showLeaderLines val="0"/>
+          </c:dLbls>
+          <c:cat>
+            <c:strRef>
+              <c:f>Sheet1!$A$25:$A$26</c:f>
+              <c:strCache>
+                <c:ptCount val="2"/>
+                <c:pt idx="0">
+                  <c:v>Independent Variables</c:v>
+                </c:pt>
+                <c:pt idx="1">
+                  <c:v>Interdependent Variables</c:v>
+                </c:pt>
+              </c:strCache>
+            </c:strRef>
+          </c:cat>
+          <c:val>
+            <c:numRef>
+              <c:f>Sheet1!$B$25:$B$26</c:f>
+              <c:numCache>
+                <c:formatCode>0%</c:formatCode>
+                <c:ptCount val="2"/>
+                <c:pt idx="0">
+                  <c:v>0.2676</c:v>
+                </c:pt>
+                <c:pt idx="1">
+                  <c:v>0.25140000000000001</c:v>
+                </c:pt>
+              </c:numCache>
+            </c:numRef>
+          </c:val>
+        </c:ser>
+        <c:ser>
+          <c:idx val="1"/>
+          <c:order val="1"/>
+          <c:tx>
+            <c:v>Test Error</c:v>
+          </c:tx>
+          <c:invertIfNegative val="0"/>
+          <c:dLbls>
+            <c:dLbl>
+              <c:idx val="0"/>
+              <c:layout>
+                <c:manualLayout>
+                  <c:x val="9.2015349899235953E-3"/>
+                  <c:y val="2.8157350814540058E-2"/>
+                </c:manualLayout>
+              </c:layout>
+              <c:showLegendKey val="0"/>
+              <c:showVal val="1"/>
+              <c:showCatName val="0"/>
+              <c:showSerName val="0"/>
+              <c:showPercent val="0"/>
+              <c:showBubbleSize val="0"/>
+            </c:dLbl>
+            <c:showLegendKey val="0"/>
+            <c:showVal val="1"/>
+            <c:showCatName val="0"/>
+            <c:showSerName val="0"/>
+            <c:showPercent val="0"/>
+            <c:showBubbleSize val="0"/>
+            <c:showLeaderLines val="0"/>
+          </c:dLbls>
+          <c:val>
+            <c:numRef>
+              <c:f>Sheet1!$B$27:$B$28</c:f>
+              <c:numCache>
+                <c:formatCode>0%</c:formatCode>
+                <c:ptCount val="2"/>
+                <c:pt idx="0">
+                  <c:v>0.36399999999999999</c:v>
+                </c:pt>
+                <c:pt idx="1">
+                  <c:v>0.31</c:v>
+                </c:pt>
+              </c:numCache>
+            </c:numRef>
+          </c:val>
+        </c:ser>
+        <c:dLbls>
+          <c:showLegendKey val="0"/>
+          <c:showVal val="0"/>
+          <c:showCatName val="0"/>
+          <c:showSerName val="0"/>
+          <c:showPercent val="0"/>
+          <c:showBubbleSize val="0"/>
+        </c:dLbls>
+        <c:gapWidth val="150"/>
+        <c:axId val="105480192"/>
+        <c:axId val="105482880"/>
+      </c:barChart>
+      <c:catAx>
+        <c:axId val="105480192"/>
+        <c:scaling>
+          <c:orientation val="minMax"/>
+        </c:scaling>
+        <c:delete val="0"/>
+        <c:axPos val="b"/>
+        <c:majorTickMark val="out"/>
+        <c:minorTickMark val="none"/>
+        <c:tickLblPos val="nextTo"/>
+        <c:crossAx val="105482880"/>
+        <c:crosses val="autoZero"/>
+        <c:auto val="1"/>
+        <c:lblAlgn val="ctr"/>
+        <c:lblOffset val="100"/>
+        <c:tickMarkSkip val="100"/>
+        <c:noMultiLvlLbl val="0"/>
+      </c:catAx>
+      <c:valAx>
+        <c:axId val="105482880"/>
+        <c:scaling>
+          <c:orientation val="minMax"/>
+          <c:max val="0.4"/>
+          <c:min val="0"/>
+        </c:scaling>
+        <c:delete val="0"/>
+        <c:axPos val="l"/>
+        <c:majorGridlines/>
+        <c:numFmt formatCode="0%" sourceLinked="1"/>
+        <c:majorTickMark val="out"/>
+        <c:minorTickMark val="none"/>
+        <c:tickLblPos val="nextTo"/>
+        <c:crossAx val="105480192"/>
+        <c:crosses val="autoZero"/>
+        <c:crossBetween val="between"/>
+      </c:valAx>
+    </c:plotArea>
+    <c:legend>
+      <c:legendPos val="r"/>
+      <c:layout>
+        <c:manualLayout>
+          <c:xMode val="edge"/>
+          <c:yMode val="edge"/>
+          <c:x val="0.73108381161390701"/>
+          <c:y val="0.27122854704257132"/>
+          <c:w val="0.25511388590120765"/>
+          <c:h val="0.26690635797404405"/>
+        </c:manualLayout>
+      </c:layout>
+      <c:overlay val="0"/>
+    </c:legend>
+    <c:plotVisOnly val="1"/>
+    <c:dispBlanksAs val="gap"/>
+    <c:showDLblsOverMax val="0"/>
+  </c:chart>
+  <c:spPr>
+    <a:ln>
+      <a:noFill/>
+    </a:ln>
+  </c:spPr>
+  <c:txPr>
+    <a:bodyPr/>
+    <a:lstStyle/>
+    <a:p>
+      <a:pPr>
+        <a:defRPr sz="2400" baseline="0">
+          <a:latin typeface="Calibri" panose="020F0502020204030204" pitchFamily="34" charset="0"/>
+        </a:defRPr>
+      </a:pPr>
+      <a:endParaRPr lang="en-US"/>
+    </a:p>
+  </c:txPr>
+  <c:externalData r:id="rId1">
+    <c:autoUpdate val="0"/>
+  </c:externalData>
+</c:chartSpace>
+</file>
+
+<file path=ppt/notesMasters/notesMaster1.xml><?xml version="1.0" encoding="utf-8"?>
+<p:notesMaster xmlns:a="http://schemas.openxmlformats.org/drawingml/2006/main" xmlns:r="http://schemas.openxmlformats.org/officeDocument/2006/relationships" xmlns:p="http://schemas.openxmlformats.org/presentationml/2006/main">
+  <p:cSld>
+    <p:bg>
+      <p:bgRef idx="1001">
+        <a:schemeClr val="bg1"/>
+      </p:bgRef>
+    </p:bg>
+    <p:spTree>
+      <p:nvGrpSpPr>
+        <p:cNvPr id="1" name=""/>
+        <p:cNvGrpSpPr/>
+        <p:nvPr/>
+      </p:nvGrpSpPr>
+      <p:grpSpPr>
+        <a:xfrm>
+          <a:off x="0" y="0"/>
+          <a:ext cx="0" cy="0"/>
+          <a:chOff x="0" y="0"/>
+          <a:chExt cx="0" cy="0"/>
+        </a:xfrm>
+      </p:grpSpPr>
+      <p:sp>
+        <p:nvSpPr>
+          <p:cNvPr id="2" name="Header Placeholder 1"/>
+          <p:cNvSpPr>
+            <a:spLocks noGrp="1"/>
+          </p:cNvSpPr>
+          <p:nvPr>
+            <p:ph type="hdr" sz="quarter"/>
+          </p:nvPr>
+        </p:nvSpPr>
+        <p:spPr>
+          <a:xfrm>
+            <a:off x="0" y="0"/>
+            <a:ext cx="2971800" cy="457200"/>
+          </a:xfrm>
+          <a:prstGeom prst="rect">
+            <a:avLst/>
+          </a:prstGeom>
+        </p:spPr>
+        <p:txBody>
+          <a:bodyPr vert="horz" lIns="91440" tIns="45720" rIns="91440" bIns="45720" rtlCol="0"/>
+          <a:lstStyle>
+            <a:lvl1pPr algn="l">
+              <a:defRPr sz="1200"/>
+            </a:lvl1pPr>
+          </a:lstStyle>
+          <a:p>
+            <a:endParaRPr lang="en-US"/>
+          </a:p>
+        </p:txBody>
+      </p:sp>
+      <p:sp>
+        <p:nvSpPr>
+          <p:cNvPr id="3" name="Date Placeholder 2"/>
+          <p:cNvSpPr>
+            <a:spLocks noGrp="1"/>
+          </p:cNvSpPr>
+          <p:nvPr>
+            <p:ph type="dt" idx="1"/>
+          </p:nvPr>
+        </p:nvSpPr>
+        <p:spPr>
+          <a:xfrm>
+            <a:off x="3884613" y="0"/>
+            <a:ext cx="2971800" cy="457200"/>
+          </a:xfrm>
+          <a:prstGeom prst="rect">
+            <a:avLst/>
+          </a:prstGeom>
+        </p:spPr>
+        <p:txBody>
+          <a:bodyPr vert="horz" lIns="91440" tIns="45720" rIns="91440" bIns="45720" rtlCol="0"/>
+          <a:lstStyle>
+            <a:lvl1pPr algn="r">
+              <a:defRPr sz="1200"/>
+            </a:lvl1pPr>
+          </a:lstStyle>
+          <a:p>
+            <a:fld id="{A9BD97AD-5E1C-4BA3-BE7C-49FB09DA16A4}" type="datetimeFigureOut">
+              <a:rPr lang="en-US" smtClean="0"/>
+              <a:t>12/2/2013</a:t>
+            </a:fld>
+            <a:endParaRPr lang="en-US"/>
+          </a:p>
+        </p:txBody>
+      </p:sp>
+      <p:sp>
+        <p:nvSpPr>
+          <p:cNvPr id="4" name="Slide Image Placeholder 3"/>
+          <p:cNvSpPr>
+            <a:spLocks noGrp="1" noRot="1" noChangeAspect="1"/>
+          </p:cNvSpPr>
+          <p:nvPr>
+            <p:ph type="sldImg" idx="2"/>
+          </p:nvPr>
+        </p:nvSpPr>
+        <p:spPr>
+          <a:xfrm>
+            <a:off x="981075" y="685800"/>
+            <a:ext cx="4895850" cy="3429000"/>
+          </a:xfrm>
+          <a:prstGeom prst="rect">
+            <a:avLst/>
+          </a:prstGeom>
+          <a:noFill/>
+          <a:ln w="12700">
+            <a:solidFill>
+              <a:prstClr val="black"/>
+            </a:solidFill>
+          </a:ln>
+        </p:spPr>
+        <p:txBody>
+          <a:bodyPr vert="horz" lIns="91440" tIns="45720" rIns="91440" bIns="45720" rtlCol="0" anchor="ctr"/>
+          <a:lstStyle/>
+          <a:p>
+            <a:endParaRPr lang="en-US"/>
+          </a:p>
+        </p:txBody>
+      </p:sp>
+      <p:sp>
+        <p:nvSpPr>
+          <p:cNvPr id="5" name="Notes Placeholder 4"/>
+          <p:cNvSpPr>
+            <a:spLocks noGrp="1"/>
+          </p:cNvSpPr>
+          <p:nvPr>
+            <p:ph type="body" sz="quarter" idx="3"/>
+          </p:nvPr>
+        </p:nvSpPr>
+        <p:spPr>
+          <a:xfrm>
+            <a:off x="685800" y="4343400"/>
+            <a:ext cx="5486400" cy="4114800"/>
+          </a:xfrm>
+          <a:prstGeom prst="rect">
+            <a:avLst/>
+          </a:prstGeom>
+        </p:spPr>
+        <p:txBody>
+          <a:bodyPr vert="horz" lIns="91440" tIns="45720" rIns="91440" bIns="45720" rtlCol="0"/>
+          <a:lstStyle/>
+          <a:p>
+            <a:pPr lvl="0"/>
+            <a:r>
+              <a:rPr lang="en-US" smtClean="0"/>
+              <a:t>Click to edit Master text styles</a:t>
+            </a:r>
+          </a:p>
+          <a:p>
+            <a:pPr lvl="1"/>
+            <a:r>
+              <a:rPr lang="en-US" smtClean="0"/>
+              <a:t>Second level</a:t>
+            </a:r>
+          </a:p>
+          <a:p>
+            <a:pPr lvl="2"/>
+            <a:r>
+              <a:rPr lang="en-US" smtClean="0"/>
+              <a:t>Third level</a:t>
+            </a:r>
+          </a:p>
+          <a:p>
+            <a:pPr lvl="3"/>
+            <a:r>
+              <a:rPr lang="en-US" smtClean="0"/>
+              <a:t>Fourth level</a:t>
+            </a:r>
+          </a:p>
+          <a:p>
+            <a:pPr lvl="4"/>
+            <a:r>
+              <a:rPr lang="en-US" smtClean="0"/>
+              <a:t>Fifth level</a:t>
+            </a:r>
+            <a:endParaRPr lang="en-US"/>
+          </a:p>
+        </p:txBody>
+      </p:sp>
+      <p:sp>
+        <p:nvSpPr>
+          <p:cNvPr id="6" name="Footer Placeholder 5"/>
+          <p:cNvSpPr>
+            <a:spLocks noGrp="1"/>
+          </p:cNvSpPr>
+          <p:nvPr>
+            <p:ph type="ftr" sz="quarter" idx="4"/>
+          </p:nvPr>
+        </p:nvSpPr>
+        <p:spPr>
+          <a:xfrm>
+            <a:off x="0" y="8685213"/>
+            <a:ext cx="2971800" cy="457200"/>
+          </a:xfrm>
+          <a:prstGeom prst="rect">
+            <a:avLst/>
+          </a:prstGeom>
+        </p:spPr>
+        <p:txBody>
+          <a:bodyPr vert="horz" lIns="91440" tIns="45720" rIns="91440" bIns="45720" rtlCol="0" anchor="b"/>
+          <a:lstStyle>
+            <a:lvl1pPr algn="l">
+              <a:defRPr sz="1200"/>
+            </a:lvl1pPr>
+          </a:lstStyle>
+          <a:p>
+            <a:endParaRPr lang="en-US"/>
+          </a:p>
+        </p:txBody>
+      </p:sp>
+      <p:sp>
+        <p:nvSpPr>
+          <p:cNvPr id="7" name="Slide Number Placeholder 6"/>
+          <p:cNvSpPr>
+            <a:spLocks noGrp="1"/>
+          </p:cNvSpPr>
+          <p:nvPr>
+            <p:ph type="sldNum" sz="quarter" idx="5"/>
+          </p:nvPr>
+        </p:nvSpPr>
+        <p:spPr>
+          <a:xfrm>
+            <a:off x="3884613" y="8685213"/>
+            <a:ext cx="2971800" cy="457200"/>
+          </a:xfrm>
+          <a:prstGeom prst="rect">
+            <a:avLst/>
+          </a:prstGeom>
+        </p:spPr>
+        <p:txBody>
+          <a:bodyPr vert="horz" lIns="91440" tIns="45720" rIns="91440" bIns="45720" rtlCol="0" anchor="b"/>
+          <a:lstStyle>
+            <a:lvl1pPr algn="r">
+              <a:defRPr sz="1200"/>
+            </a:lvl1pPr>
+          </a:lstStyle>
+          <a:p>
+            <a:fld id="{52EF1FB1-8264-4A32-8586-F96B7E31D8A0}" type="slidenum">
+              <a:rPr lang="en-US" smtClean="0"/>
+              <a:t>‹#›</a:t>
+            </a:fld>
+            <a:endParaRPr lang="en-US"/>
+          </a:p>
+        </p:txBody>
+      </p:sp>
+    </p:spTree>
+    <p:extLst>
+      <p:ext uri="{BB962C8B-B14F-4D97-AF65-F5344CB8AC3E}">
+        <p14:creationId xmlns:p14="http://schemas.microsoft.com/office/powerpoint/2010/main" val="3406946839"/>
+      </p:ext>
+    </p:extLst>
+  </p:cSld>
+  <p:clrMap bg1="lt1" tx1="dk1" bg2="lt2" tx2="dk2" accent1="accent1" accent2="accent2" accent3="accent3" accent4="accent4" accent5="accent5" accent6="accent6" hlink="hlink" folHlink="folHlink"/>
+  <p:notesStyle>
+    <a:lvl1pPr marL="0" algn="l" defTabSz="914400" rtl="0" eaLnBrk="1" latinLnBrk="0" hangingPunct="1">
+      <a:defRPr sz="1200" kern="1200">
+        <a:solidFill>
+          <a:schemeClr val="tx1"/>
+        </a:solidFill>
+        <a:latin typeface="+mn-lt"/>
+        <a:ea typeface="+mn-ea"/>
+        <a:cs typeface="+mn-cs"/>
+      </a:defRPr>
+    </a:lvl1pPr>
+    <a:lvl2pPr marL="457200" algn="l" defTabSz="914400" rtl="0" eaLnBrk="1" latinLnBrk="0" hangingPunct="1">
+      <a:defRPr sz="1200" kern="1200">
+        <a:solidFill>
+          <a:schemeClr val="tx1"/>
+        </a:solidFill>
+        <a:latin typeface="+mn-lt"/>
+        <a:ea typeface="+mn-ea"/>
+        <a:cs typeface="+mn-cs"/>
+      </a:defRPr>
+    </a:lvl2pPr>
+    <a:lvl3pPr marL="914400" algn="l" defTabSz="914400" rtl="0" eaLnBrk="1" latinLnBrk="0" hangingPunct="1">
+      <a:defRPr sz="1200" kern="1200">
+        <a:solidFill>
+          <a:schemeClr val="tx1"/>
+        </a:solidFill>
+        <a:latin typeface="+mn-lt"/>
+        <a:ea typeface="+mn-ea"/>
+        <a:cs typeface="+mn-cs"/>
+      </a:defRPr>
+    </a:lvl3pPr>
+    <a:lvl4pPr marL="1371600" algn="l" defTabSz="914400" rtl="0" eaLnBrk="1" latinLnBrk="0" hangingPunct="1">
+      <a:defRPr sz="1200" kern="1200">
+        <a:solidFill>
+          <a:schemeClr val="tx1"/>
+        </a:solidFill>
+        <a:latin typeface="+mn-lt"/>
+        <a:ea typeface="+mn-ea"/>
+        <a:cs typeface="+mn-cs"/>
+      </a:defRPr>
+    </a:lvl4pPr>
+    <a:lvl5pPr marL="1828800" algn="l" defTabSz="914400" rtl="0" eaLnBrk="1" latinLnBrk="0" hangingPunct="1">
+      <a:defRPr sz="1200" kern="1200">
+        <a:solidFill>
+          <a:schemeClr val="tx1"/>
+        </a:solidFill>
+        <a:latin typeface="+mn-lt"/>
+        <a:ea typeface="+mn-ea"/>
+        <a:cs typeface="+mn-cs"/>
+      </a:defRPr>
+    </a:lvl5pPr>
+    <a:lvl6pPr marL="2286000" algn="l" defTabSz="914400" rtl="0" eaLnBrk="1" latinLnBrk="0" hangingPunct="1">
+      <a:defRPr sz="1200" kern="1200">
+        <a:solidFill>
+          <a:schemeClr val="tx1"/>
+        </a:solidFill>
+        <a:latin typeface="+mn-lt"/>
+        <a:ea typeface="+mn-ea"/>
+        <a:cs typeface="+mn-cs"/>
+      </a:defRPr>
+    </a:lvl6pPr>
+    <a:lvl7pPr marL="2743200" algn="l" defTabSz="914400" rtl="0" eaLnBrk="1" latinLnBrk="0" hangingPunct="1">
+      <a:defRPr sz="1200" kern="1200">
+        <a:solidFill>
+          <a:schemeClr val="tx1"/>
+        </a:solidFill>
+        <a:latin typeface="+mn-lt"/>
+        <a:ea typeface="+mn-ea"/>
+        <a:cs typeface="+mn-cs"/>
+      </a:defRPr>
+    </a:lvl7pPr>
+    <a:lvl8pPr marL="3200400" algn="l" defTabSz="914400" rtl="0" eaLnBrk="1" latinLnBrk="0" hangingPunct="1">
+      <a:defRPr sz="1200" kern="1200">
+        <a:solidFill>
+          <a:schemeClr val="tx1"/>
+        </a:solidFill>
+        <a:latin typeface="+mn-lt"/>
+        <a:ea typeface="+mn-ea"/>
+        <a:cs typeface="+mn-cs"/>
+      </a:defRPr>
+    </a:lvl8pPr>
+    <a:lvl9pPr marL="3657600" algn="l" defTabSz="914400" rtl="0" eaLnBrk="1" latinLnBrk="0" hangingPunct="1">
+      <a:defRPr sz="1200" kern="1200">
+        <a:solidFill>
+          <a:schemeClr val="tx1"/>
+        </a:solidFill>
+        <a:latin typeface="+mn-lt"/>
+        <a:ea typeface="+mn-ea"/>
+        <a:cs typeface="+mn-cs"/>
+      </a:defRPr>
+    </a:lvl9pPr>
+  </p:notesStyle>
+</p:notesMaster>
+</file>
+
+<file path=ppt/notesSlides/notesSlide1.xml><?xml version="1.0" encoding="utf-8"?>
+<p:notes xmlns:a="http://schemas.openxmlformats.org/drawingml/2006/main" xmlns:r="http://schemas.openxmlformats.org/officeDocument/2006/relationships" xmlns:p="http://schemas.openxmlformats.org/presentationml/2006/main">
+  <p:cSld>
+    <p:spTree>
+      <p:nvGrpSpPr>
+        <p:cNvPr id="1" name=""/>
+        <p:cNvGrpSpPr/>
+        <p:nvPr/>
+      </p:nvGrpSpPr>
+      <p:grpSpPr>
+        <a:xfrm>
+          <a:off x="0" y="0"/>
+          <a:ext cx="0" cy="0"/>
+          <a:chOff x="0" y="0"/>
+          <a:chExt cx="0" cy="0"/>
+        </a:xfrm>
+      </p:grpSpPr>
+      <p:sp>
+        <p:nvSpPr>
+          <p:cNvPr id="2" name="Slide Image Placeholder 1"/>
+          <p:cNvSpPr>
+            <a:spLocks noGrp="1" noRot="1" noChangeAspect="1"/>
+          </p:cNvSpPr>
+          <p:nvPr>
+            <p:ph type="sldImg"/>
+          </p:nvPr>
+        </p:nvSpPr>
+        <p:spPr/>
+      </p:sp>
+      <p:sp>
+        <p:nvSpPr>
+          <p:cNvPr id="3" name="Notes Placeholder 2"/>
+          <p:cNvSpPr>
+            <a:spLocks noGrp="1"/>
+          </p:cNvSpPr>
+          <p:nvPr>
+            <p:ph type="body" idx="1"/>
+          </p:nvPr>
+        </p:nvSpPr>
+        <p:spPr/>
+        <p:txBody>
+          <a:bodyPr/>
+          <a:lstStyle/>
+          <a:p>
+            <a:endParaRPr lang="en-US" dirty="0"/>
+          </a:p>
+        </p:txBody>
+      </p:sp>
+      <p:sp>
+        <p:nvSpPr>
+          <p:cNvPr id="4" name="Slide Number Placeholder 3"/>
+          <p:cNvSpPr>
+            <a:spLocks noGrp="1"/>
+          </p:cNvSpPr>
+          <p:nvPr>
+            <p:ph type="sldNum" sz="quarter" idx="10"/>
+          </p:nvPr>
+        </p:nvSpPr>
+        <p:spPr/>
+        <p:txBody>
+          <a:bodyPr/>
+          <a:lstStyle/>
+          <a:p>
+            <a:fld id="{52EF1FB1-8264-4A32-8586-F96B7E31D8A0}" type="slidenum">
+              <a:rPr lang="en-US" smtClean="0"/>
+              <a:t>1</a:t>
+            </a:fld>
+            <a:endParaRPr lang="en-US"/>
+          </a:p>
+        </p:txBody>
+      </p:sp>
+    </p:spTree>
+    <p:extLst>
+      <p:ext uri="{BB962C8B-B14F-4D97-AF65-F5344CB8AC3E}">
+        <p14:creationId xmlns:p14="http://schemas.microsoft.com/office/powerpoint/2010/main" val="1170159726"/>
+      </p:ext>
+    </p:extLst>
+  </p:cSld>
+  <p:clrMapOvr>
+    <a:masterClrMapping/>
+  </p:clrMapOvr>
+</p:notes>
 </file>
 
 <file path=ppt/slideLayouts/slideLayout1.xml><?xml version="1.0" encoding="utf-8"?>
@@ -3103,7 +3996,7 @@
         </p:nvSpPr>
         <p:spPr>
           <a:xfrm>
-            <a:off x="7057034" y="286187"/>
+            <a:off x="7057034" y="430203"/>
             <a:ext cx="22034448" cy="2062028"/>
           </a:xfrm>
           <a:prstGeom prst="rect">
@@ -3134,7 +4027,7 @@
         </p:nvSpPr>
         <p:spPr>
           <a:xfrm>
-            <a:off x="7057034" y="2615184"/>
+            <a:off x="7057034" y="2759200"/>
             <a:ext cx="22034448" cy="769367"/>
           </a:xfrm>
           <a:prstGeom prst="rect">
@@ -3206,7 +4099,7 @@
         </p:nvSpPr>
         <p:spPr>
           <a:xfrm>
-            <a:off x="24554978" y="23714614"/>
+            <a:off x="24554978" y="22994534"/>
             <a:ext cx="11305656" cy="1200329"/>
           </a:xfrm>
           <a:prstGeom prst="rect">
@@ -3230,7 +4123,7 @@
             </a:r>
             <a:r>
               <a:rPr lang="es-MX" sz="2400" dirty="0" smtClean="0">
-                <a:hlinkClick r:id="rId2"/>
+                <a:hlinkClick r:id="rId3"/>
               </a:rPr>
               <a:t>bhumbers@cs.cmu.edu</a:t>
             </a:r>
@@ -3247,7 +4140,7 @@
             </a:r>
             <a:r>
               <a:rPr lang="en-US" sz="2400" dirty="0" smtClean="0">
-                <a:hlinkClick r:id="rId3"/>
+                <a:hlinkClick r:id="rId4"/>
               </a:rPr>
               <a:t>felher.c@gmail.com</a:t>
             </a:r>
@@ -3288,7 +4181,15 @@
             </a:r>
             <a:r>
               <a:rPr lang="en-US" sz="2400" dirty="0" smtClean="0"/>
-              <a:t>estimated in most cases. Therefore, many researchers have turned their attention towards machine learning methods to create simplified models based on available observations ([1] and [2]). </a:t>
+              <a:t>estimated in most cases. Therefore, many researchers have turned their attention towards machine learning methods to create simplified models based on available observations ([1] and </a:t>
+            </a:r>
+            <a:r>
+              <a:rPr lang="en-US" sz="2400" dirty="0" smtClean="0"/>
+              <a:t>[2</a:t>
+            </a:r>
+            <a:r>
+              <a:rPr lang="en-US" sz="2400" dirty="0" smtClean="0"/>
+              <a:t>]). </a:t>
             </a:r>
             <a:r>
               <a:rPr lang="en-US" sz="2400" dirty="0"/>
@@ -3433,7 +4334,7 @@
         </p:nvSpPr>
         <p:spPr>
           <a:xfrm>
-            <a:off x="831541" y="17795414"/>
+            <a:off x="831541" y="17517283"/>
             <a:ext cx="10752395" cy="1569660"/>
           </a:xfrm>
           <a:prstGeom prst="rect">
@@ -3474,7 +4375,11 @@
             </a:r>
             <a:r>
               <a:rPr lang="en-US" sz="2400" dirty="0"/>
-              <a:t>order to simulate and predict the evolution of the meteorological </a:t>
+              <a:t>order to simulate and predict the evolution of </a:t>
+            </a:r>
+            <a:r>
+              <a:rPr lang="en-US" sz="2400" dirty="0" smtClean="0"/>
+              <a:t>the meteorological </a:t>
             </a:r>
             <a:r>
               <a:rPr lang="en-US" sz="2400" dirty="0" smtClean="0"/>
@@ -3518,15 +4423,23 @@
             </a:r>
             <a:r>
               <a:rPr lang="en-US" sz="2400" dirty="0"/>
-              <a:t>some number of prior system states </a:t>
-            </a:r>
-            <a:r>
-              <a:rPr lang="en-US" sz="2400" i="1" dirty="0" smtClean="0"/>
-              <a:t>p</a:t>
-            </a:r>
-            <a:r>
-              <a:rPr lang="en-US" sz="2400" dirty="0" smtClean="0"/>
-              <a:t>:</a:t>
+              <a:t>some number </a:t>
+            </a:r>
+            <a:r>
+              <a:rPr lang="en-US" sz="2400" i="1" dirty="0"/>
+              <a:t>p </a:t>
+            </a:r>
+            <a:r>
+              <a:rPr lang="en-US" sz="2400" dirty="0" smtClean="0"/>
+              <a:t>of </a:t>
+            </a:r>
+            <a:r>
+              <a:rPr lang="en-US" sz="2400" dirty="0"/>
+              <a:t>prior system </a:t>
+            </a:r>
+            <a:r>
+              <a:rPr lang="en-US" sz="2400" dirty="0" smtClean="0"/>
+              <a:t>states:</a:t>
             </a:r>
             <a:endParaRPr lang="en-US" sz="2400" dirty="0"/>
           </a:p>
@@ -3540,7 +4453,7 @@
         </p:nvSpPr>
         <p:spPr>
           <a:xfrm>
-            <a:off x="831541" y="17272194"/>
+            <a:off x="831541" y="16994063"/>
             <a:ext cx="10752395" cy="523220"/>
           </a:xfrm>
           <a:prstGeom prst="rect">
@@ -3578,8 +4491,8 @@
           </a:p>
         </p:txBody>
       </p:sp>
-      <mc:AlternateContent xmlns:mc="http://schemas.openxmlformats.org/markup-compatibility/2006" xmlns:a14="http://schemas.microsoft.com/office/drawing/2010/main">
-        <mc:Choice Requires="a14">
+      <mc:AlternateContent xmlns:mc="http://schemas.openxmlformats.org/markup-compatibility/2006">
+        <mc:Choice xmlns:a14="http://schemas.microsoft.com/office/drawing/2010/main" Requires="a14">
           <p:sp>
             <p:nvSpPr>
               <p:cNvPr id="30" name="29 CuadroTexto"/>
@@ -3588,7 +4501,7 @@
             </p:nvSpPr>
             <p:spPr>
               <a:xfrm>
-                <a:off x="3536479" y="19504442"/>
+                <a:off x="3536479" y="19164204"/>
                 <a:ext cx="5104731" cy="490199"/>
               </a:xfrm>
               <a:prstGeom prst="rect">
@@ -3818,7 +4731,7 @@
             </p:txBody>
           </p:sp>
         </mc:Choice>
-        <mc:Fallback xmlns="">
+        <mc:Fallback>
           <p:sp>
             <p:nvSpPr>
               <p:cNvPr id="30" name="29 CuadroTexto"/>
@@ -3829,14 +4742,14 @@
             </p:nvSpPr>
             <p:spPr>
               <a:xfrm>
-                <a:off x="3536479" y="19504442"/>
+                <a:off x="3536479" y="19164204"/>
                 <a:ext cx="5104731" cy="490199"/>
               </a:xfrm>
               <a:prstGeom prst="rect">
                 <a:avLst/>
               </a:prstGeom>
               <a:blipFill rotWithShape="1">
-                <a:blip r:embed="rId4"/>
+                <a:blip r:embed="rId5"/>
                 <a:stretch>
                   <a:fillRect b="-6250"/>
                 </a:stretch>
@@ -3847,7 +4760,7 @@
               <a:lstStyle/>
               <a:p>
                 <a:r>
-                  <a:rPr lang="es-MX">
+                  <a:rPr lang="en-US">
                     <a:noFill/>
                   </a:rPr>
                   <a:t> </a:t>
@@ -3857,8 +4770,8 @@
           </p:sp>
         </mc:Fallback>
       </mc:AlternateContent>
-      <mc:AlternateContent xmlns:mc="http://schemas.openxmlformats.org/markup-compatibility/2006" xmlns:a14="http://schemas.microsoft.com/office/drawing/2010/main">
-        <mc:Choice Requires="a14">
+      <mc:AlternateContent xmlns:mc="http://schemas.openxmlformats.org/markup-compatibility/2006">
+        <mc:Choice xmlns:a14="http://schemas.microsoft.com/office/drawing/2010/main" Requires="a14">
           <p:sp>
             <p:nvSpPr>
               <p:cNvPr id="31" name="TextBox 3"/>
@@ -3867,8 +4780,8 @@
             </p:nvSpPr>
             <p:spPr>
               <a:xfrm>
-                <a:off x="831541" y="20152514"/>
-                <a:ext cx="10752395" cy="1230080"/>
+                <a:off x="831541" y="19740268"/>
+                <a:ext cx="10752395" cy="5292731"/>
               </a:xfrm>
               <a:prstGeom prst="rect">
                 <a:avLst/>
@@ -3933,7 +4846,7 @@
                 </a:r>
                 <a:r>
                   <a:rPr lang="en-US" sz="2400" dirty="0" smtClean="0"/>
-                  <a:t>equations (each </a:t>
+                  <a:t>equations, where each </a:t>
                 </a:r>
                 <a:r>
                   <a:rPr lang="en-US" sz="2400" dirty="0"/>
@@ -3941,14 +4854,142 @@
                 </a:r>
                 <a:r>
                   <a:rPr lang="en-US" sz="2400" dirty="0" smtClean="0"/>
-                  <a:t>step).</a:t>
+                  <a:t>step</a:t>
                 </a:r>
+                <a:r>
+                  <a:rPr lang="en-US" sz="2400" dirty="0"/>
+                  <a:t>.</a:t>
+                </a:r>
+                <a:r>
+                  <a:rPr lang="en-US" sz="2400" dirty="0" smtClean="0"/>
+                  <a:t> </a:t>
+                </a:r>
+                <a:endParaRPr lang="en-US" sz="2400" dirty="0"/>
+              </a:p>
+              <a:p>
+                <a:pPr algn="just"/>
+                <a:endParaRPr lang="en-US" sz="2400" dirty="0" smtClean="0"/>
+              </a:p>
+              <a:p>
+                <a:pPr algn="just"/>
+                <a:r>
+                  <a:rPr lang="en-US" sz="2400" dirty="0" smtClean="0"/>
+                  <a:t>Once the model is estimated, we can predict future system states based on historical information about the system, such as temperatures, pressures, and so on. The model error is the deviation of that prediction from the true </a:t>
+                </a:r>
+                <a:r>
+                  <a:rPr lang="en-US" sz="2400" dirty="0" smtClean="0"/>
+                  <a:t>observed </a:t>
+                </a:r>
+                <a:r>
+                  <a:rPr lang="en-US" sz="2400" dirty="0" smtClean="0"/>
+                  <a:t>value.</a:t>
+                </a:r>
+              </a:p>
+              <a:p>
+                <a:pPr algn="just"/>
+                <a:endParaRPr lang="en-US" sz="2400" dirty="0" smtClean="0"/>
+              </a:p>
+              <a:p>
+                <a:pPr algn="just"/>
+                <a:r>
+                  <a:rPr lang="en-US" sz="2400" dirty="0"/>
+                  <a:t>We consider the effects of three factors on model performance:</a:t>
+                </a:r>
+              </a:p>
+              <a:p>
+                <a:pPr marL="520700" indent="-342900">
+                  <a:buFont typeface="Arial" panose="020B0604020202020204" pitchFamily="34" charset="0"/>
+                  <a:buChar char="•"/>
+                </a:pPr>
+                <a:r>
+                  <a:rPr lang="en-US" sz="2400" dirty="0"/>
+                  <a:t>Whether or not values of </a:t>
+                </a:r>
+                <a:r>
+                  <a:rPr lang="en-US" sz="2400" b="1" dirty="0"/>
+                  <a:t>neighboring</a:t>
+                </a:r>
+                <a:r>
+                  <a:rPr lang="en-US" sz="2400" dirty="0"/>
+                  <a:t> cells are included as input data  (radius </a:t>
+                </a:r>
+                <a:r>
+                  <a:rPr lang="en-US" sz="2400" i="1" dirty="0"/>
+                  <a:t>r</a:t>
+                </a:r>
+                <a:r>
+                  <a:rPr lang="en-US" sz="2400" dirty="0"/>
+                  <a:t>)</a:t>
+                </a:r>
+              </a:p>
+              <a:p>
+                <a:pPr marL="520700" indent="-342900">
+                  <a:buFont typeface="Arial" panose="020B0604020202020204" pitchFamily="34" charset="0"/>
+                  <a:buChar char="•"/>
+                </a:pPr>
+                <a:r>
+                  <a:rPr lang="en-US" sz="2400" dirty="0"/>
+                  <a:t>Whether variables are estimated </a:t>
+                </a:r>
+                <a:r>
+                  <a:rPr lang="en-US" sz="2400" b="1" dirty="0"/>
+                  <a:t>independently</a:t>
+                </a:r>
+                <a:r>
+                  <a:rPr lang="en-US" sz="2400" dirty="0"/>
+                  <a:t> or whether all variables are used as </a:t>
+                </a:r>
+                <a:r>
+                  <a:rPr lang="en-US" sz="2400" b="1" dirty="0"/>
+                  <a:t>interdependent </a:t>
+                </a:r>
+                <a:r>
+                  <a:rPr lang="en-US" sz="2400" dirty="0"/>
+                  <a:t>inputs to the model</a:t>
+                </a:r>
+              </a:p>
+              <a:p>
+                <a:pPr marL="520700" indent="-342900">
+                  <a:buFont typeface="Arial" panose="020B0604020202020204" pitchFamily="34" charset="0"/>
+                  <a:buChar char="•"/>
+                </a:pPr>
+                <a:r>
+                  <a:rPr lang="en-US" sz="2400" dirty="0"/>
+                  <a:t>The </a:t>
+                </a:r>
+                <a:r>
+                  <a:rPr lang="en-US" sz="2400" dirty="0" smtClean="0"/>
+                  <a:t>number </a:t>
+                </a:r>
+                <a:r>
+                  <a:rPr lang="en-US" sz="2400" dirty="0"/>
+                  <a:t>of </a:t>
+                </a:r>
+                <a:r>
+                  <a:rPr lang="en-US" sz="2400" b="1" dirty="0"/>
+                  <a:t>previous states </a:t>
+                </a:r>
+                <a:r>
+                  <a:rPr lang="en-US" sz="2400" dirty="0"/>
+                  <a:t>included in the model (VAR lag order </a:t>
+                </a:r>
+                <a:r>
+                  <a:rPr lang="en-US" sz="2400" i="1" dirty="0"/>
+                  <a:t>p</a:t>
+                </a:r>
+                <a:r>
+                  <a:rPr lang="en-US" sz="2400" dirty="0"/>
+                  <a:t>)</a:t>
+                </a:r>
+              </a:p>
+              <a:p>
+                <a:pPr algn="just"/>
                 <a:endParaRPr lang="en-US" sz="2400" dirty="0"/>
               </a:p>
             </p:txBody>
           </p:sp>
         </mc:Choice>
-        <mc:Fallback xmlns="">
+        <mc:Fallback>
           <p:sp>
             <p:nvSpPr>
               <p:cNvPr id="31" name="TextBox 3"/>
@@ -3959,16 +5000,16 @@
             </p:nvSpPr>
             <p:spPr>
               <a:xfrm>
-                <a:off x="831541" y="20152514"/>
-                <a:ext cx="10752395" cy="1230080"/>
+                <a:off x="831541" y="19740268"/>
+                <a:ext cx="10752395" cy="5292731"/>
               </a:xfrm>
               <a:prstGeom prst="rect">
                 <a:avLst/>
               </a:prstGeom>
               <a:blipFill rotWithShape="1">
-                <a:blip r:embed="rId5"/>
+                <a:blip r:embed="rId6"/>
                 <a:stretch>
-                  <a:fillRect l="-850" t="-3465" r="-907" b="-10396"/>
+                  <a:fillRect l="-850" t="-806" r="-907"/>
                 </a:stretch>
               </a:blipFill>
             </p:spPr>
@@ -3977,7 +5018,7 @@
               <a:lstStyle/>
               <a:p>
                 <a:r>
-                  <a:rPr lang="es-MX">
+                  <a:rPr lang="en-US">
                     <a:noFill/>
                   </a:rPr>
                   <a:t> </a:t>
@@ -3989,98 +5030,13 @@
       </mc:AlternateContent>
       <p:sp>
         <p:nvSpPr>
-          <p:cNvPr id="32" name="TextBox 3"/>
-          <p:cNvSpPr txBox="1"/>
-          <p:nvPr/>
-        </p:nvSpPr>
-        <p:spPr>
-          <a:xfrm>
-            <a:off x="831540" y="21597898"/>
-            <a:ext cx="10752395" cy="1938992"/>
-          </a:xfrm>
-          <a:prstGeom prst="rect">
-            <a:avLst/>
-          </a:prstGeom>
-          <a:noFill/>
-        </p:spPr>
-        <p:txBody>
-          <a:bodyPr wrap="square" rtlCol="0">
-            <a:spAutoFit/>
-          </a:bodyPr>
-          <a:lstStyle/>
-          <a:p>
-            <a:pPr algn="just"/>
-            <a:r>
-              <a:rPr lang="en-US" sz="2400" dirty="0" smtClean="0"/>
-              <a:t>Three aspects of the input data for the model were considered:</a:t>
-            </a:r>
-          </a:p>
-          <a:p>
-            <a:pPr marL="520700" indent="-342900">
-              <a:buFont typeface="Arial" panose="020B0604020202020204" pitchFamily="34" charset="0"/>
-              <a:buChar char="•"/>
-            </a:pPr>
-            <a:r>
-              <a:rPr lang="en-US" sz="2400" dirty="0"/>
-              <a:t>Whether or not to use values on neighboring cells (neighborhood radius </a:t>
-            </a:r>
-            <a:r>
-              <a:rPr lang="en-US" sz="2400" i="1" dirty="0"/>
-              <a:t>r</a:t>
-            </a:r>
-            <a:r>
-              <a:rPr lang="en-US" sz="2400" dirty="0" smtClean="0"/>
-              <a:t>)</a:t>
-            </a:r>
-          </a:p>
-          <a:p>
-            <a:pPr marL="520700" indent="-342900">
-              <a:buFont typeface="Arial" panose="020B0604020202020204" pitchFamily="34" charset="0"/>
-              <a:buChar char="•"/>
-            </a:pPr>
-            <a:r>
-              <a:rPr lang="en-US" sz="2400" dirty="0" smtClean="0"/>
-              <a:t>Whether to predict different variables independently or to measure interdependencies between variables</a:t>
-            </a:r>
-          </a:p>
-          <a:p>
-            <a:pPr marL="520700" indent="-342900">
-              <a:buFont typeface="Arial" panose="020B0604020202020204" pitchFamily="34" charset="0"/>
-              <a:buChar char="•"/>
-            </a:pPr>
-            <a:r>
-              <a:rPr lang="en-US" sz="2400" dirty="0" smtClean="0"/>
-              <a:t>The </a:t>
-            </a:r>
-            <a:r>
-              <a:rPr lang="en-US" sz="2400" dirty="0"/>
-              <a:t>number of previous states to include in the model </a:t>
-            </a:r>
-            <a:r>
-              <a:rPr lang="en-US" sz="2400" dirty="0" smtClean="0"/>
-              <a:t>(VAR lag order </a:t>
-            </a:r>
-            <a:r>
-              <a:rPr lang="en-US" sz="2400" i="1" dirty="0" smtClean="0"/>
-              <a:t>p</a:t>
-            </a:r>
-            <a:r>
-              <a:rPr lang="en-US" sz="2400" dirty="0" smtClean="0"/>
-              <a:t>)</a:t>
-            </a:r>
-            <a:endParaRPr lang="en-US" sz="2400" dirty="0"/>
-          </a:p>
-        </p:txBody>
-      </p:sp>
-      <p:sp>
-        <p:nvSpPr>
           <p:cNvPr id="33" name="TextBox 3"/>
           <p:cNvSpPr txBox="1"/>
           <p:nvPr/>
         </p:nvSpPr>
         <p:spPr>
           <a:xfrm>
-            <a:off x="12529642" y="3888607"/>
+            <a:off x="12529642" y="3744591"/>
             <a:ext cx="10945216" cy="830997"/>
           </a:xfrm>
           <a:prstGeom prst="rect">
@@ -4097,7 +5053,7 @@
             <a:pPr algn="just"/>
             <a:r>
               <a:rPr lang="en-US" sz="2400" dirty="0" smtClean="0"/>
-              <a:t>Figure 2 illustrates two possible the setups for the VAR model, with varying lag </a:t>
+              <a:t>Figure 2 illustrates two of the possible the setups for the VAR model, with varying lag </a:t>
             </a:r>
             <a:r>
               <a:rPr lang="en-US" sz="2400" i="1" dirty="0" smtClean="0"/>
@@ -4128,7 +5084,7 @@
           <p:nvPr/>
         </p:nvPicPr>
         <p:blipFill>
-          <a:blip r:embed="rId6">
+          <a:blip r:embed="rId7">
             <a:extLst>
               <a:ext uri="{28A0092B-C50C-407E-A947-70E740481C1C}">
                 <a14:useLocalDpi xmlns:a14="http://schemas.microsoft.com/office/drawing/2010/main" val="0"/>
@@ -4191,7 +5147,7 @@
         </p:nvSpPr>
         <p:spPr>
           <a:xfrm>
-            <a:off x="14177430" y="10503442"/>
+            <a:off x="14177430" y="10297319"/>
             <a:ext cx="7569236" cy="1200329"/>
           </a:xfrm>
           <a:prstGeom prst="rect">
@@ -4267,7 +5223,7 @@
           <p:nvPr/>
         </p:nvPicPr>
         <p:blipFill>
-          <a:blip r:embed="rId7">
+          <a:blip r:embed="rId8">
             <a:extLst>
               <a:ext uri="{28A0092B-C50C-407E-A947-70E740481C1C}">
                 <a14:useLocalDpi xmlns:a14="http://schemas.microsoft.com/office/drawing/2010/main" val="0"/>
@@ -4358,44 +5314,13 @@
       </p:sp>
       <p:sp>
         <p:nvSpPr>
-          <p:cNvPr id="19" name="TextBox 3"/>
-          <p:cNvSpPr txBox="1"/>
-          <p:nvPr/>
-        </p:nvSpPr>
-        <p:spPr>
-          <a:xfrm>
-            <a:off x="12506161" y="12588941"/>
-            <a:ext cx="10968697" cy="461665"/>
-          </a:xfrm>
-          <a:prstGeom prst="rect">
-            <a:avLst/>
-          </a:prstGeom>
-          <a:noFill/>
-        </p:spPr>
-        <p:txBody>
-          <a:bodyPr wrap="square" rtlCol="0">
-            <a:spAutoFit/>
-          </a:bodyPr>
-          <a:lstStyle/>
-          <a:p>
-            <a:pPr algn="just"/>
-            <a:r>
-              <a:rPr lang="en-US" sz="2400" dirty="0" smtClean="0"/>
-              <a:t>Results</a:t>
-            </a:r>
-            <a:endParaRPr lang="en-US" sz="2400" dirty="0"/>
-          </a:p>
-        </p:txBody>
-      </p:sp>
-      <p:sp>
-        <p:nvSpPr>
           <p:cNvPr id="20" name="TextBox 3"/>
           <p:cNvSpPr txBox="1"/>
           <p:nvPr/>
         </p:nvSpPr>
         <p:spPr>
           <a:xfrm>
-            <a:off x="12506161" y="12065721"/>
+            <a:off x="12506161" y="11809487"/>
             <a:ext cx="10968697" cy="523220"/>
           </a:xfrm>
           <a:prstGeom prst="rect">
@@ -4435,14 +5360,14 @@
       </p:sp>
       <p:sp>
         <p:nvSpPr>
-          <p:cNvPr id="21" name="TextBox 3"/>
+          <p:cNvPr id="22" name="TextBox 3"/>
           <p:cNvSpPr txBox="1"/>
           <p:nvPr/>
         </p:nvSpPr>
         <p:spPr>
           <a:xfrm>
-            <a:off x="12506161" y="14535890"/>
-            <a:ext cx="10968697" cy="461665"/>
+            <a:off x="24554978" y="11252587"/>
+            <a:ext cx="10585176" cy="5632311"/>
           </a:xfrm>
           <a:prstGeom prst="rect">
             <a:avLst/>
@@ -4458,153 +5383,84 @@
             <a:pPr algn="just"/>
             <a:r>
               <a:rPr lang="en-US" sz="2400" dirty="0" smtClean="0"/>
-              <a:t>References to figures 3, 4, and 5</a:t>
-            </a:r>
+              <a:t>Our model’s complexity increases when using large grid cell neighborhoods or all variables as input as well as when using a large number of prior states. While we expect some amount of complexity is needed in order to capture the dynamics of weather over time, our results show that the model is </a:t>
+            </a:r>
+            <a:r>
+              <a:rPr lang="en-US" sz="2400" b="1" dirty="0" err="1" smtClean="0"/>
+              <a:t>overfit</a:t>
+            </a:r>
+            <a:r>
+              <a:rPr lang="en-US" sz="2400" dirty="0" smtClean="0"/>
+              <a:t> for highly complex versions, particularly when cell neighborhoods and high lag orders are used. </a:t>
+            </a:r>
+            <a:r>
+              <a:rPr lang="en-US" sz="2400" dirty="0" smtClean="0"/>
+              <a:t>We plan to combat this </a:t>
+            </a:r>
+            <a:r>
+              <a:rPr lang="en-US" sz="2400" dirty="0" err="1" smtClean="0"/>
+              <a:t>overfitting</a:t>
+            </a:r>
+            <a:r>
+              <a:rPr lang="en-US" sz="2400" dirty="0" smtClean="0"/>
+              <a:t> by using </a:t>
+            </a:r>
+            <a:r>
+              <a:rPr lang="en-US" sz="2400" b="1" dirty="0" smtClean="0"/>
+              <a:t>lasso regularization</a:t>
+            </a:r>
+            <a:r>
+              <a:rPr lang="en-US" sz="2400" dirty="0" smtClean="0"/>
+              <a:t>, which imposes feature  selection on the model by encouraging </a:t>
+            </a:r>
+            <a:r>
+              <a:rPr lang="en-US" sz="2400" dirty="0" err="1" smtClean="0"/>
+              <a:t>sparsity</a:t>
+            </a:r>
+            <a:r>
+              <a:rPr lang="en-US" sz="2400" dirty="0" smtClean="0"/>
+              <a:t> of the estimated parameters. </a:t>
+            </a:r>
+          </a:p>
+          <a:p>
+            <a:pPr algn="just"/>
             <a:endParaRPr lang="en-US" sz="2400" dirty="0"/>
           </a:p>
-        </p:txBody>
-      </p:sp>
-      <p:sp>
-        <p:nvSpPr>
-          <p:cNvPr id="22" name="TextBox 3"/>
-          <p:cNvSpPr txBox="1"/>
-          <p:nvPr/>
-        </p:nvSpPr>
-        <p:spPr>
-          <a:xfrm>
-            <a:off x="24554978" y="13412827"/>
-            <a:ext cx="10585176" cy="4524315"/>
-          </a:xfrm>
-          <a:prstGeom prst="rect">
-            <a:avLst/>
-          </a:prstGeom>
-          <a:noFill/>
-        </p:spPr>
-        <p:txBody>
-          <a:bodyPr wrap="square" rtlCol="0">
-            <a:spAutoFit/>
-          </a:bodyPr>
-          <a:lstStyle/>
-          <a:p>
-            <a:pPr marL="342900" indent="-342900">
-              <a:buFontTx/>
-              <a:buChar char="-"/>
-            </a:pPr>
-            <a:r>
-              <a:rPr lang="en-US" sz="2400" dirty="0" err="1" smtClean="0"/>
-              <a:t>Overfitting</a:t>
-            </a:r>
-            <a:r>
-              <a:rPr lang="en-US" sz="2400" dirty="0" smtClean="0"/>
-              <a:t> </a:t>
+          <a:p>
+            <a:pPr algn="just"/>
+            <a:r>
+              <a:rPr lang="en-US" sz="2400" dirty="0" smtClean="0"/>
+              <a:t>An additional finding was that predicting variables such as temperature or air pressure is well-served by our linear model, but other variables like precipitation show poor performance regardless of model complexity. Critically, the former variables exhibit dense, periodic trends, while the latter class </a:t>
+            </a:r>
+            <a:r>
+              <a:rPr lang="en-US" sz="2400" dirty="0" smtClean="0"/>
+              <a:t>includes </a:t>
+            </a:r>
+            <a:r>
+              <a:rPr lang="en-US" sz="2400" dirty="0" smtClean="0"/>
+              <a:t>sporadic phenomena with no clear periodicity. This </a:t>
             </a:r>
             <a:r>
               <a:rPr lang="en-US" sz="2400" dirty="0"/>
-              <a:t>for higher order lags; need regularization (lasso &amp; fused lasso</a:t>
-            </a:r>
-            <a:r>
-              <a:rPr lang="en-US" sz="2400" dirty="0" smtClean="0"/>
-              <a:t>)</a:t>
-            </a:r>
-          </a:p>
-          <a:p>
-            <a:pPr marL="342900" indent="-342900">
-              <a:buFontTx/>
-              <a:buChar char="-"/>
-            </a:pPr>
-            <a:r>
-              <a:rPr lang="en-US" sz="2400" dirty="0" smtClean="0"/>
-              <a:t>Some </a:t>
-            </a:r>
-            <a:r>
-              <a:rPr lang="en-US" sz="2400" dirty="0"/>
-              <a:t>variables easy to predict (temperature &amp; pressure); some hard due to </a:t>
-            </a:r>
-            <a:r>
-              <a:rPr lang="en-US" sz="2400" dirty="0" err="1"/>
-              <a:t>sparsity</a:t>
-            </a:r>
-            <a:r>
-              <a:rPr lang="en-US" sz="2400" dirty="0"/>
-              <a:t> (precipitation)	</a:t>
+              <a:t>suggests that, using our </a:t>
+            </a:r>
+            <a:r>
+              <a:rPr lang="en-US" sz="2400" dirty="0" smtClean="0"/>
+              <a:t>approach, </a:t>
+            </a:r>
+            <a:r>
+              <a:rPr lang="en-US" sz="2400" dirty="0" smtClean="0"/>
+              <a:t>effective weather forecasting is possible for phenomena which already show some degree of predictability, but other </a:t>
+            </a:r>
+            <a:r>
+              <a:rPr lang="en-US" sz="2400" dirty="0" smtClean="0"/>
+              <a:t>aspects </a:t>
+            </a:r>
+            <a:r>
+              <a:rPr lang="en-US" sz="2400" dirty="0" smtClean="0"/>
+              <a:t>may require physically-based modeling.</a:t>
             </a:r>
             <a:endParaRPr lang="en-US" sz="2400" dirty="0"/>
-          </a:p>
-          <a:p>
-            <a:pPr marL="342900" indent="-342900">
-              <a:buFontTx/>
-              <a:buChar char="-"/>
-            </a:pPr>
-            <a:r>
-              <a:rPr lang="en-US" sz="2400" dirty="0" smtClean="0"/>
-              <a:t>Adding </a:t>
-            </a:r>
-            <a:r>
-              <a:rPr lang="en-US" sz="2400" dirty="0"/>
-              <a:t>neighboring cells or adding other variables to the model doesn't significantly improve accuracy </a:t>
-            </a:r>
-            <a:endParaRPr lang="en-US" sz="2400" dirty="0"/>
-          </a:p>
-          <a:p>
-            <a:pPr marL="2090430" lvl="1" indent="-342900">
-              <a:buFontTx/>
-              <a:buChar char="-"/>
-            </a:pPr>
-            <a:r>
-              <a:rPr lang="en-US" sz="2400" dirty="0" smtClean="0"/>
-              <a:t>IE</a:t>
-            </a:r>
-            <a:r>
-              <a:rPr lang="en-US" sz="2400" dirty="0"/>
-              <a:t>: we get the same performance using a very simple lag order of 1 or 2 and just looking at values for same variable at same </a:t>
-            </a:r>
-            <a:r>
-              <a:rPr lang="en-US" sz="2400" dirty="0" smtClean="0"/>
-              <a:t>cell</a:t>
-            </a:r>
-            <a:endParaRPr lang="en-US" sz="2400" dirty="0"/>
-          </a:p>
-          <a:p>
-            <a:pPr marL="2090430" lvl="1" indent="-342900">
-              <a:buFontTx/>
-              <a:buChar char="-"/>
-            </a:pPr>
-            <a:r>
-              <a:rPr lang="en-US" sz="2400" dirty="0" smtClean="0"/>
-              <a:t>Problem might be too easy… just linearly extrapolating works well</a:t>
-            </a:r>
-          </a:p>
-          <a:p>
-            <a:pPr marL="3837953" lvl="2" indent="-342900">
-              <a:buFontTx/>
-              <a:buChar char="-"/>
-            </a:pPr>
-            <a:r>
-              <a:rPr lang="en-US" sz="2400" dirty="0" smtClean="0"/>
-              <a:t>Harder </a:t>
-            </a:r>
-            <a:r>
-              <a:rPr lang="en-US" sz="2400" dirty="0"/>
-              <a:t>problem would be to forecast many steps into the </a:t>
-            </a:r>
-            <a:r>
-              <a:rPr lang="en-US" sz="2400" dirty="0" smtClean="0"/>
-              <a:t>future</a:t>
-            </a:r>
-          </a:p>
-          <a:p>
-            <a:pPr marL="3837953" lvl="2" indent="-342900">
-              <a:buFontTx/>
-              <a:buChar char="-"/>
-            </a:pPr>
-            <a:r>
-              <a:rPr lang="en-US" sz="2400" dirty="0" smtClean="0"/>
-              <a:t>Have </a:t>
-            </a:r>
-            <a:r>
-              <a:rPr lang="en-US" sz="2400" dirty="0"/>
-              <a:t>preliminary results for this if possible (5 or so steps into the future, how does the model fare?)</a:t>
-            </a:r>
           </a:p>
         </p:txBody>
       </p:sp>
@@ -4616,7 +5472,7 @@
         </p:nvSpPr>
         <p:spPr>
           <a:xfrm>
-            <a:off x="24554978" y="12889607"/>
+            <a:off x="24554978" y="10729367"/>
             <a:ext cx="10585176" cy="523220"/>
           </a:xfrm>
           <a:prstGeom prst="rect">
@@ -4662,7 +5518,7 @@
         </p:nvSpPr>
         <p:spPr>
           <a:xfrm>
-            <a:off x="24554978" y="19031767"/>
+            <a:off x="24554978" y="17805315"/>
             <a:ext cx="10585176" cy="4893647"/>
           </a:xfrm>
           <a:prstGeom prst="rect">
@@ -4825,13 +5681,13 @@
             </a:r>
             <a:r>
               <a:rPr lang="en-US" sz="2400" dirty="0">
-                <a:hlinkClick r:id="rId8"/>
+                <a:hlinkClick r:id="rId9"/>
               </a:rPr>
               <a:t>http://</a:t>
             </a:r>
             <a:r>
               <a:rPr lang="en-US" sz="2400" dirty="0" smtClean="0">
-                <a:hlinkClick r:id="rId8"/>
+                <a:hlinkClick r:id="rId9"/>
               </a:rPr>
               <a:t>ldas.gsfc.nasa.gov/index.php</a:t>
             </a:r>
@@ -4928,7 +5784,7 @@
         </p:nvSpPr>
         <p:spPr>
           <a:xfrm>
-            <a:off x="24554978" y="18508547"/>
+            <a:off x="24554978" y="17282095"/>
             <a:ext cx="10585176" cy="523220"/>
           </a:xfrm>
           <a:prstGeom prst="rect">
@@ -4974,8 +5830,8 @@
         </p:nvSpPr>
         <p:spPr>
           <a:xfrm>
-            <a:off x="14177430" y="20536721"/>
-            <a:ext cx="7569236" cy="830997"/>
+            <a:off x="13393738" y="19874383"/>
+            <a:ext cx="9145016" cy="461665"/>
           </a:xfrm>
           <a:prstGeom prst="rect">
             <a:avLst/>
@@ -4995,7 +5851,19 @@
             </a:r>
             <a:r>
               <a:rPr lang="en-US" sz="2400" dirty="0" smtClean="0"/>
-              <a:t>RMS Error when using single cell model or model that includes neighboring cells as input</a:t>
+              <a:t>RMS </a:t>
+            </a:r>
+            <a:r>
+              <a:rPr lang="en-US" sz="2400" dirty="0" smtClean="0"/>
+              <a:t>errors using </a:t>
+            </a:r>
+            <a:r>
+              <a:rPr lang="en-US" sz="2400" dirty="0" smtClean="0"/>
+              <a:t>single </a:t>
+            </a:r>
+            <a:r>
+              <a:rPr lang="en-US" sz="2400" dirty="0" smtClean="0"/>
+              <a:t>cell or neighboring cell input models</a:t>
             </a:r>
             <a:endParaRPr lang="en-US" sz="2400" dirty="0"/>
           </a:p>
@@ -5009,8 +5877,8 @@
         </p:nvSpPr>
         <p:spPr>
           <a:xfrm>
-            <a:off x="26062948" y="6711118"/>
-            <a:ext cx="7569236" cy="830997"/>
+            <a:off x="13195716" y="24050847"/>
+            <a:ext cx="9613068" cy="461665"/>
           </a:xfrm>
           <a:prstGeom prst="rect">
             <a:avLst/>
@@ -5030,7 +5898,23 @@
             </a:r>
             <a:r>
               <a:rPr lang="en-US" sz="2400" dirty="0" smtClean="0"/>
-              <a:t>RMS Error when using independent variable model vs. interdependent variables model</a:t>
+              <a:t>RMS </a:t>
+            </a:r>
+            <a:r>
+              <a:rPr lang="en-US" sz="2400" dirty="0" smtClean="0"/>
+              <a:t>errors using </a:t>
+            </a:r>
+            <a:r>
+              <a:rPr lang="en-US" sz="2400" dirty="0" smtClean="0"/>
+              <a:t>independent </a:t>
+            </a:r>
+            <a:r>
+              <a:rPr lang="en-US" sz="2400" dirty="0" smtClean="0"/>
+              <a:t>vs</a:t>
+            </a:r>
+            <a:r>
+              <a:rPr lang="en-US" sz="2400" dirty="0" smtClean="0"/>
+              <a:t>. interdependent variables model</a:t>
             </a:r>
             <a:endParaRPr lang="en-US" sz="2400" dirty="0"/>
           </a:p>
@@ -5044,8 +5928,8 @@
         </p:nvSpPr>
         <p:spPr>
           <a:xfrm>
-            <a:off x="26058750" y="11842586"/>
-            <a:ext cx="7569236" cy="830997"/>
+            <a:off x="25203050" y="9979670"/>
+            <a:ext cx="8424936" cy="461665"/>
           </a:xfrm>
           <a:prstGeom prst="rect">
             <a:avLst/>
@@ -5073,23 +5957,19 @@
             </a:r>
             <a:r>
               <a:rPr lang="en-US" sz="2400" dirty="0" smtClean="0"/>
-              <a:t>Training and Test RMS </a:t>
-            </a:r>
-            <a:r>
-              <a:rPr lang="en-US" sz="2400" dirty="0" smtClean="0"/>
-              <a:t>Error as a  function of VAR model lag order </a:t>
+              <a:t>RMS errors as </a:t>
+            </a:r>
+            <a:r>
+              <a:rPr lang="en-US" sz="2400" dirty="0" smtClean="0"/>
+              <a:t>a  function of VAR model lag </a:t>
+            </a:r>
+            <a:r>
+              <a:rPr lang="en-US" sz="2400" dirty="0" smtClean="0"/>
+              <a:t>order </a:t>
             </a:r>
             <a:r>
               <a:rPr lang="en-US" sz="2400" i="1" dirty="0" smtClean="0"/>
               <a:t>p</a:t>
-            </a:r>
-            <a:r>
-              <a:rPr lang="en-US" sz="2400" dirty="0" smtClean="0"/>
-              <a:t> </a:t>
-            </a:r>
-            <a:r>
-              <a:rPr lang="en-US" sz="2400" dirty="0" smtClean="0"/>
-              <a:t>for multivariable model</a:t>
             </a:r>
             <a:endParaRPr lang="en-US" sz="2400" dirty="0"/>
           </a:p>
@@ -5103,7 +5983,7 @@
         </p:nvCxnSpPr>
         <p:spPr>
           <a:xfrm>
-            <a:off x="7057034" y="2486547"/>
+            <a:off x="7057034" y="2630563"/>
             <a:ext cx="22034448" cy="0"/>
           </a:xfrm>
           <a:prstGeom prst="line">
@@ -5130,16 +6010,184 @@
           </a:fontRef>
         </p:style>
       </p:cxnSp>
+      <p:sp>
+        <p:nvSpPr>
+          <p:cNvPr id="44" name="TextBox 3"/>
+          <p:cNvSpPr txBox="1"/>
+          <p:nvPr/>
+        </p:nvSpPr>
+        <p:spPr>
+          <a:xfrm>
+            <a:off x="12506161" y="12330483"/>
+            <a:ext cx="10968697" cy="4524315"/>
+          </a:xfrm>
+          <a:prstGeom prst="rect">
+            <a:avLst/>
+          </a:prstGeom>
+          <a:noFill/>
+        </p:spPr>
+        <p:txBody>
+          <a:bodyPr wrap="square" rtlCol="0">
+            <a:spAutoFit/>
+          </a:bodyPr>
+          <a:lstStyle/>
+          <a:p>
+            <a:pPr algn="just"/>
+            <a:r>
+              <a:rPr lang="en-US" sz="2400" dirty="0" smtClean="0"/>
+              <a:t>Selecting </a:t>
+            </a:r>
+            <a:r>
+              <a:rPr lang="en-US" sz="2400" dirty="0" smtClean="0"/>
+              <a:t>a single variable of interest, air temperature, and a lag order </a:t>
+            </a:r>
+            <a:r>
+              <a:rPr lang="en-US" sz="2400" i="1" dirty="0" smtClean="0"/>
+              <a:t>p</a:t>
+            </a:r>
+            <a:r>
+              <a:rPr lang="en-US" sz="2400" dirty="0" smtClean="0"/>
+              <a:t> = 1, we observe the performance when either using only a single grid cell as input to the model or including a number of neighboring grid cells. T</a:t>
+            </a:r>
+            <a:r>
+              <a:rPr lang="en-US" sz="2400" dirty="0" smtClean="0"/>
+              <a:t>he </a:t>
+            </a:r>
+            <a:r>
+              <a:rPr lang="en-US" sz="2400" dirty="0" smtClean="0"/>
+              <a:t>average, normalized RMSE for training and test data sets across all outputs is shown for both of these models in Figure 3.  Models that include the neighbor cells as input show a modest decrease in training error compared to single cell models, but this advantage is lost when considering test set performance. </a:t>
+            </a:r>
+          </a:p>
+          <a:p>
+            <a:pPr algn="just"/>
+            <a:endParaRPr lang="en-US" sz="2400" dirty="0" smtClean="0"/>
+          </a:p>
+          <a:p>
+            <a:pPr algn="just"/>
+            <a:r>
+              <a:rPr lang="en-US" sz="2400" dirty="0" smtClean="0"/>
+              <a:t>We also compare a model that estimates variables independently with one that introduces interdependencies by using all variables as inputs. In this case, both training and test performance improves for the latter, more complex model (see Figure 4).</a:t>
+            </a:r>
+            <a:endParaRPr lang="en-US" sz="2400" dirty="0" smtClean="0"/>
+          </a:p>
+          <a:p>
+            <a:pPr algn="just"/>
+            <a:endParaRPr lang="en-US" sz="2400" dirty="0" smtClean="0"/>
+          </a:p>
+        </p:txBody>
+      </p:sp>
+      <p:graphicFrame>
+        <p:nvGraphicFramePr>
+          <p:cNvPr id="46" name="Chart 45"/>
+          <p:cNvGraphicFramePr>
+            <a:graphicFrameLocks/>
+          </p:cNvGraphicFramePr>
+          <p:nvPr>
+            <p:extLst>
+              <p:ext uri="{D42A27DB-BD31-4B8C-83A1-F6EECF244321}">
+                <p14:modId xmlns:p14="http://schemas.microsoft.com/office/powerpoint/2010/main" val="719033224"/>
+              </p:ext>
+            </p:extLst>
+          </p:nvPr>
+        </p:nvGraphicFramePr>
+        <p:xfrm>
+          <a:off x="14155364" y="16619753"/>
+          <a:ext cx="8187578" cy="3295511"/>
+        </p:xfrm>
+        <a:graphic>
+          <a:graphicData uri="http://schemas.openxmlformats.org/drawingml/2006/chart">
+            <c:chart xmlns:c="http://schemas.openxmlformats.org/drawingml/2006/chart" xmlns:r="http://schemas.openxmlformats.org/officeDocument/2006/relationships" r:id="rId10"/>
+          </a:graphicData>
+        </a:graphic>
+      </p:graphicFrame>
+      <p:graphicFrame>
+        <p:nvGraphicFramePr>
+          <p:cNvPr id="47" name="Chart 46"/>
+          <p:cNvGraphicFramePr>
+            <a:graphicFrameLocks/>
+          </p:cNvGraphicFramePr>
+          <p:nvPr>
+            <p:extLst>
+              <p:ext uri="{D42A27DB-BD31-4B8C-83A1-F6EECF244321}">
+                <p14:modId xmlns:p14="http://schemas.microsoft.com/office/powerpoint/2010/main" val="3082208196"/>
+              </p:ext>
+            </p:extLst>
+          </p:nvPr>
+        </p:nvGraphicFramePr>
+        <p:xfrm>
+          <a:off x="14108540" y="20852878"/>
+          <a:ext cx="8281227" cy="3330951"/>
+        </p:xfrm>
+        <a:graphic>
+          <a:graphicData uri="http://schemas.openxmlformats.org/drawingml/2006/chart">
+            <c:chart xmlns:c="http://schemas.openxmlformats.org/drawingml/2006/chart" xmlns:r="http://schemas.openxmlformats.org/officeDocument/2006/relationships" r:id="rId11"/>
+          </a:graphicData>
+        </a:graphic>
+      </p:graphicFrame>
+      <p:sp>
+        <p:nvSpPr>
+          <p:cNvPr id="48" name="TextBox 3"/>
+          <p:cNvSpPr txBox="1"/>
+          <p:nvPr/>
+        </p:nvSpPr>
+        <p:spPr>
+          <a:xfrm>
+            <a:off x="24387759" y="3744591"/>
+            <a:ext cx="10752395" cy="1938992"/>
+          </a:xfrm>
+          <a:prstGeom prst="rect">
+            <a:avLst/>
+          </a:prstGeom>
+          <a:noFill/>
+        </p:spPr>
+        <p:txBody>
+          <a:bodyPr wrap="square" rtlCol="0">
+            <a:spAutoFit/>
+          </a:bodyPr>
+          <a:lstStyle/>
+          <a:p>
+            <a:pPr algn="just"/>
+            <a:r>
+              <a:rPr lang="en-US" sz="2400" dirty="0" smtClean="0"/>
+              <a:t>Finally, we observe the performance  of the VAR model for increasing lag order </a:t>
+            </a:r>
+            <a:r>
+              <a:rPr lang="en-US" sz="2400" i="1" dirty="0" smtClean="0"/>
+              <a:t>p</a:t>
+            </a:r>
+            <a:r>
+              <a:rPr lang="en-US" sz="2400" dirty="0" smtClean="0"/>
+              <a:t>. The greater the lag order, the more complex the model becomes. Figure 5 shows the training and test error as a function of the lag order of the model. Training error decreases nearly uniformly as the lag order increases, but </a:t>
+            </a:r>
+            <a:r>
+              <a:rPr lang="en-US" sz="2400" dirty="0" smtClean="0"/>
+              <a:t>test set performance balloons upward beyond </a:t>
+            </a:r>
+            <a:r>
+              <a:rPr lang="en-US" sz="2400" i="1" dirty="0" smtClean="0"/>
+              <a:t>p </a:t>
+            </a:r>
+            <a:r>
+              <a:rPr lang="en-US" sz="2400" dirty="0" smtClean="0"/>
+              <a:t>= 2.</a:t>
+            </a:r>
+            <a:r>
+              <a:rPr lang="en-US" sz="2400" dirty="0" smtClean="0"/>
+              <a:t> </a:t>
+            </a:r>
+          </a:p>
+        </p:txBody>
+      </p:sp>
       <p:pic>
         <p:nvPicPr>
-          <p:cNvPr id="1028" name="Picture 4" descr="C:\Dev\weathermap\poster\err_test_vs_lag_order_all_vars_single_cell.png"/>
+          <p:cNvPr id="1037" name="Picture 13" descr="C:\Dev\weathermap\poster\err_training_vs_lag_order_all_vars_single_cell.png"/>
           <p:cNvPicPr>
             <a:picLocks noChangeAspect="1" noChangeArrowheads="1"/>
           </p:cNvPicPr>
           <p:nvPr/>
         </p:nvPicPr>
         <p:blipFill>
-          <a:blip r:embed="rId9" cstate="print">
+          <a:blip r:embed="rId12" cstate="print">
             <a:extLst>
               <a:ext uri="{28A0092B-C50C-407E-A947-70E740481C1C}">
                 <a14:useLocalDpi xmlns:a14="http://schemas.microsoft.com/office/drawing/2010/main" val="0"/>
@@ -5153,8 +6201,8 @@
         </p:blipFill>
         <p:spPr bwMode="auto">
           <a:xfrm>
-            <a:off x="30243585" y="7797524"/>
-            <a:ext cx="4039202" cy="4011963"/>
+            <a:off x="25167131" y="5904831"/>
+            <a:ext cx="3978610" cy="3973478"/>
           </a:xfrm>
           <a:prstGeom prst="rect">
             <a:avLst/>
@@ -5173,14 +6221,14 @@
       </p:pic>
       <p:pic>
         <p:nvPicPr>
-          <p:cNvPr id="1029" name="Picture 5" descr="C:\Dev\weathermap\poster\err_training_vs_lag_order_all_vars_single_cell.png"/>
+          <p:cNvPr id="1038" name="Picture 14" descr="C:\Dev\weathermap\poster\err_test_vs_lag_order_all_vars_single_cell.png"/>
           <p:cNvPicPr>
             <a:picLocks noChangeAspect="1" noChangeArrowheads="1"/>
           </p:cNvPicPr>
           <p:nvPr/>
         </p:nvPicPr>
         <p:blipFill>
-          <a:blip r:embed="rId10" cstate="print">
+          <a:blip r:embed="rId13" cstate="print">
             <a:extLst>
               <a:ext uri="{28A0092B-C50C-407E-A947-70E740481C1C}">
                 <a14:useLocalDpi xmlns:a14="http://schemas.microsoft.com/office/drawing/2010/main" val="0"/>
@@ -5194,8 +6242,8 @@
         </p:blipFill>
         <p:spPr bwMode="auto">
           <a:xfrm>
-            <a:off x="24843010" y="7813130"/>
-            <a:ext cx="4039202" cy="3971752"/>
+            <a:off x="30179725" y="5907563"/>
+            <a:ext cx="3978610" cy="3968346"/>
           </a:xfrm>
           <a:prstGeom prst="rect">
             <a:avLst/>
@@ -5212,6 +6260,47 @@
           </a:extLst>
         </p:spPr>
       </p:pic>
+      <p:sp>
+        <p:nvSpPr>
+          <p:cNvPr id="59" name="Rectangle 58"/>
+          <p:cNvSpPr/>
+          <p:nvPr/>
+        </p:nvSpPr>
+        <p:spPr>
+          <a:xfrm>
+            <a:off x="584418" y="430203"/>
+            <a:ext cx="4785333" cy="2062028"/>
+          </a:xfrm>
+          <a:prstGeom prst="rect">
+            <a:avLst/>
+          </a:prstGeom>
+        </p:spPr>
+        <p:txBody>
+          <a:bodyPr wrap="square" lIns="91369" tIns="45683" rIns="91369" bIns="45683">
+            <a:spAutoFit/>
+          </a:bodyPr>
+          <a:lstStyle/>
+          <a:p>
+            <a:r>
+              <a:rPr lang="en-US" sz="6400" b="1" dirty="0" smtClean="0">
+                <a:latin typeface="+mj-lt"/>
+              </a:rPr>
+              <a:t>ID# </a:t>
+            </a:r>
+            <a:r>
+              <a:rPr lang="en-US" sz="6400" b="1" dirty="0" smtClean="0">
+                <a:latin typeface="+mj-lt"/>
+              </a:rPr>
+              <a:t>29</a:t>
+            </a:r>
+          </a:p>
+          <a:p>
+            <a:endParaRPr lang="en-US" sz="6400" b="1" dirty="0">
+              <a:latin typeface="+mj-lt"/>
+            </a:endParaRPr>
+          </a:p>
+        </p:txBody>
+      </p:sp>
     </p:spTree>
     <p:extLst>
       <p:ext uri="{BB962C8B-B14F-4D97-AF65-F5344CB8AC3E}">
@@ -5515,4 +6604,289 @@
   <a:objectDefaults/>
   <a:extraClrSchemeLst/>
 </a:theme>
+</file>
+
+<file path=ppt/theme/theme2.xml><?xml version="1.0" encoding="utf-8"?>
+<a:theme xmlns:a="http://schemas.openxmlformats.org/drawingml/2006/main" name="Office Theme">
+  <a:themeElements>
+    <a:clrScheme name="Office">
+      <a:dk1>
+        <a:sysClr val="windowText" lastClr="000000"/>
+      </a:dk1>
+      <a:lt1>
+        <a:sysClr val="window" lastClr="FFFFFF"/>
+      </a:lt1>
+      <a:dk2>
+        <a:srgbClr val="1F497D"/>
+      </a:dk2>
+      <a:lt2>
+        <a:srgbClr val="EEECE1"/>
+      </a:lt2>
+      <a:accent1>
+        <a:srgbClr val="4F81BD"/>
+      </a:accent1>
+      <a:accent2>
+        <a:srgbClr val="C0504D"/>
+      </a:accent2>
+      <a:accent3>
+        <a:srgbClr val="9BBB59"/>
+      </a:accent3>
+      <a:accent4>
+        <a:srgbClr val="8064A2"/>
+      </a:accent4>
+      <a:accent5>
+        <a:srgbClr val="4BACC6"/>
+      </a:accent5>
+      <a:accent6>
+        <a:srgbClr val="F79646"/>
+      </a:accent6>
+      <a:hlink>
+        <a:srgbClr val="0000FF"/>
+      </a:hlink>
+      <a:folHlink>
+        <a:srgbClr val="800080"/>
+      </a:folHlink>
+    </a:clrScheme>
+    <a:fontScheme name="Office">
+      <a:majorFont>
+        <a:latin typeface="Calibri"/>
+        <a:ea typeface=""/>
+        <a:cs typeface=""/>
+        <a:font script="Jpan" typeface="ＭＳ Ｐゴシック"/>
+        <a:font script="Hang" typeface="맑은 고딕"/>
+        <a:font script="Hans" typeface="宋体"/>
+        <a:font script="Hant" typeface="新細明體"/>
+        <a:font script="Arab" typeface="Times New Roman"/>
+        <a:font script="Hebr" typeface="Times New Roman"/>
+        <a:font script="Thai" typeface="Angsana New"/>
+        <a:font script="Ethi" typeface="Nyala"/>
+        <a:font script="Beng" typeface="Vrinda"/>
+        <a:font script="Gujr" typeface="Shruti"/>
+        <a:font script="Khmr" typeface="MoolBoran"/>
+        <a:font script="Knda" typeface="Tunga"/>
+        <a:font script="Guru" typeface="Raavi"/>
+        <a:font script="Cans" typeface="Euphemia"/>
+        <a:font script="Cher" typeface="Plantagenet Cherokee"/>
+        <a:font script="Yiii" typeface="Microsoft Yi Baiti"/>
+        <a:font script="Tibt" typeface="Microsoft Himalaya"/>
+        <a:font script="Thaa" typeface="MV Boli"/>
+        <a:font script="Deva" typeface="Mangal"/>
+        <a:font script="Telu" typeface="Gautami"/>
+        <a:font script="Taml" typeface="Latha"/>
+        <a:font script="Syrc" typeface="Estrangelo Edessa"/>
+        <a:font script="Orya" typeface="Kalinga"/>
+        <a:font script="Mlym" typeface="Kartika"/>
+        <a:font script="Laoo" typeface="DokChampa"/>
+        <a:font script="Sinh" typeface="Iskoola Pota"/>
+        <a:font script="Mong" typeface="Mongolian Baiti"/>
+        <a:font script="Viet" typeface="Times New Roman"/>
+        <a:font script="Uigh" typeface="Microsoft Uighur"/>
+        <a:font script="Geor" typeface="Sylfaen"/>
+      </a:majorFont>
+      <a:minorFont>
+        <a:latin typeface="Calibri"/>
+        <a:ea typeface=""/>
+        <a:cs typeface=""/>
+        <a:font script="Jpan" typeface="ＭＳ Ｐゴシック"/>
+        <a:font script="Hang" typeface="맑은 고딕"/>
+        <a:font script="Hans" typeface="宋体"/>
+        <a:font script="Hant" typeface="新細明體"/>
+        <a:font script="Arab" typeface="Arial"/>
+        <a:font script="Hebr" typeface="Arial"/>
+        <a:font script="Thai" typeface="Cordia New"/>
+        <a:font script="Ethi" typeface="Nyala"/>
+        <a:font script="Beng" typeface="Vrinda"/>
+        <a:font script="Gujr" typeface="Shruti"/>
+        <a:font script="Khmr" typeface="DaunPenh"/>
+        <a:font script="Knda" typeface="Tunga"/>
+        <a:font script="Guru" typeface="Raavi"/>
+        <a:font script="Cans" typeface="Euphemia"/>
+        <a:font script="Cher" typeface="Plantagenet Cherokee"/>
+        <a:font script="Yiii" typeface="Microsoft Yi Baiti"/>
+        <a:font script="Tibt" typeface="Microsoft Himalaya"/>
+        <a:font script="Thaa" typeface="MV Boli"/>
+        <a:font script="Deva" typeface="Mangal"/>
+        <a:font script="Telu" typeface="Gautami"/>
+        <a:font script="Taml" typeface="Latha"/>
+        <a:font script="Syrc" typeface="Estrangelo Edessa"/>
+        <a:font script="Orya" typeface="Kalinga"/>
+        <a:font script="Mlym" typeface="Kartika"/>
+        <a:font script="Laoo" typeface="DokChampa"/>
+        <a:font script="Sinh" typeface="Iskoola Pota"/>
+        <a:font script="Mong" typeface="Mongolian Baiti"/>
+        <a:font script="Viet" typeface="Arial"/>
+        <a:font script="Uigh" typeface="Microsoft Uighur"/>
+        <a:font script="Geor" typeface="Sylfaen"/>
+      </a:minorFont>
+    </a:fontScheme>
+    <a:fmtScheme name="Office">
+      <a:fillStyleLst>
+        <a:solidFill>
+          <a:schemeClr val="phClr"/>
+        </a:solidFill>
+        <a:gradFill rotWithShape="1">
+          <a:gsLst>
+            <a:gs pos="0">
+              <a:schemeClr val="phClr">
+                <a:tint val="50000"/>
+                <a:satMod val="300000"/>
+              </a:schemeClr>
+            </a:gs>
+            <a:gs pos="35000">
+              <a:schemeClr val="phClr">
+                <a:tint val="37000"/>
+                <a:satMod val="300000"/>
+              </a:schemeClr>
+            </a:gs>
+            <a:gs pos="100000">
+              <a:schemeClr val="phClr">
+                <a:tint val="15000"/>
+                <a:satMod val="350000"/>
+              </a:schemeClr>
+            </a:gs>
+          </a:gsLst>
+          <a:lin ang="16200000" scaled="1"/>
+        </a:gradFill>
+        <a:gradFill rotWithShape="1">
+          <a:gsLst>
+            <a:gs pos="0">
+              <a:schemeClr val="phClr">
+                <a:shade val="51000"/>
+                <a:satMod val="130000"/>
+              </a:schemeClr>
+            </a:gs>
+            <a:gs pos="80000">
+              <a:schemeClr val="phClr">
+                <a:shade val="93000"/>
+                <a:satMod val="130000"/>
+              </a:schemeClr>
+            </a:gs>
+            <a:gs pos="100000">
+              <a:schemeClr val="phClr">
+                <a:shade val="94000"/>
+                <a:satMod val="135000"/>
+              </a:schemeClr>
+            </a:gs>
+          </a:gsLst>
+          <a:lin ang="16200000" scaled="0"/>
+        </a:gradFill>
+      </a:fillStyleLst>
+      <a:lnStyleLst>
+        <a:ln w="9525" cap="flat" cmpd="sng" algn="ctr">
+          <a:solidFill>
+            <a:schemeClr val="phClr">
+              <a:shade val="95000"/>
+              <a:satMod val="105000"/>
+            </a:schemeClr>
+          </a:solidFill>
+          <a:prstDash val="solid"/>
+        </a:ln>
+        <a:ln w="25400" cap="flat" cmpd="sng" algn="ctr">
+          <a:solidFill>
+            <a:schemeClr val="phClr"/>
+          </a:solidFill>
+          <a:prstDash val="solid"/>
+        </a:ln>
+        <a:ln w="38100" cap="flat" cmpd="sng" algn="ctr">
+          <a:solidFill>
+            <a:schemeClr val="phClr"/>
+          </a:solidFill>
+          <a:prstDash val="solid"/>
+        </a:ln>
+      </a:lnStyleLst>
+      <a:effectStyleLst>
+        <a:effectStyle>
+          <a:effectLst>
+            <a:outerShdw blurRad="40000" dist="20000" dir="5400000" rotWithShape="0">
+              <a:srgbClr val="000000">
+                <a:alpha val="38000"/>
+              </a:srgbClr>
+            </a:outerShdw>
+          </a:effectLst>
+        </a:effectStyle>
+        <a:effectStyle>
+          <a:effectLst>
+            <a:outerShdw blurRad="40000" dist="23000" dir="5400000" rotWithShape="0">
+              <a:srgbClr val="000000">
+                <a:alpha val="35000"/>
+              </a:srgbClr>
+            </a:outerShdw>
+          </a:effectLst>
+        </a:effectStyle>
+        <a:effectStyle>
+          <a:effectLst>
+            <a:outerShdw blurRad="40000" dist="23000" dir="5400000" rotWithShape="0">
+              <a:srgbClr val="000000">
+                <a:alpha val="35000"/>
+              </a:srgbClr>
+            </a:outerShdw>
+          </a:effectLst>
+          <a:scene3d>
+            <a:camera prst="orthographicFront">
+              <a:rot lat="0" lon="0" rev="0"/>
+            </a:camera>
+            <a:lightRig rig="threePt" dir="t">
+              <a:rot lat="0" lon="0" rev="1200000"/>
+            </a:lightRig>
+          </a:scene3d>
+          <a:sp3d>
+            <a:bevelT w="63500" h="25400"/>
+          </a:sp3d>
+        </a:effectStyle>
+      </a:effectStyleLst>
+      <a:bgFillStyleLst>
+        <a:solidFill>
+          <a:schemeClr val="phClr"/>
+        </a:solidFill>
+        <a:gradFill rotWithShape="1">
+          <a:gsLst>
+            <a:gs pos="0">
+              <a:schemeClr val="phClr">
+                <a:tint val="40000"/>
+                <a:satMod val="350000"/>
+              </a:schemeClr>
+            </a:gs>
+            <a:gs pos="40000">
+              <a:schemeClr val="phClr">
+                <a:tint val="45000"/>
+                <a:shade val="99000"/>
+                <a:satMod val="350000"/>
+              </a:schemeClr>
+            </a:gs>
+            <a:gs pos="100000">
+              <a:schemeClr val="phClr">
+                <a:shade val="20000"/>
+                <a:satMod val="255000"/>
+              </a:schemeClr>
+            </a:gs>
+          </a:gsLst>
+          <a:path path="circle">
+            <a:fillToRect l="50000" t="-80000" r="50000" b="180000"/>
+          </a:path>
+        </a:gradFill>
+        <a:gradFill rotWithShape="1">
+          <a:gsLst>
+            <a:gs pos="0">
+              <a:schemeClr val="phClr">
+                <a:tint val="80000"/>
+                <a:satMod val="300000"/>
+              </a:schemeClr>
+            </a:gs>
+            <a:gs pos="100000">
+              <a:schemeClr val="phClr">
+                <a:shade val="30000"/>
+                <a:satMod val="200000"/>
+              </a:schemeClr>
+            </a:gs>
+          </a:gsLst>
+          <a:path path="circle">
+            <a:fillToRect l="50000" t="50000" r="50000" b="50000"/>
+          </a:path>
+        </a:gradFill>
+      </a:bgFillStyleLst>
+    </a:fmtScheme>
+  </a:themeElements>
+  <a:objectDefaults/>
+  <a:extraClrSchemeLst/>
+</a:theme>
 </file>
--- a/poster/Poster.pptx
+++ b/poster/Poster.pptx
@@ -10,7 +10,7 @@
   <p:sldIdLst>
     <p:sldId id="259" r:id="rId2"/>
   </p:sldIdLst>
-  <p:sldSz cx="36004500" cy="25203150"/>
+  <p:sldSz cx="38404800" cy="27432000"/>
   <p:notesSz cx="6858000" cy="9144000"/>
   <p:defaultTextStyle>
     <a:defPPr>
@@ -215,6 +215,36 @@
           </c:tx>
           <c:invertIfNegative val="0"/>
           <c:dLbls>
+            <c:dLbl>
+              <c:idx val="0"/>
+              <c:layout>
+                <c:manualLayout>
+                  <c:x val="2.9331940797519304E-3"/>
+                  <c:y val="1.8218536945328035E-2"/>
+                </c:manualLayout>
+              </c:layout>
+              <c:showLegendKey val="0"/>
+              <c:showVal val="1"/>
+              <c:showCatName val="0"/>
+              <c:showSerName val="0"/>
+              <c:showPercent val="0"/>
+              <c:showBubbleSize val="0"/>
+            </c:dLbl>
+            <c:dLbl>
+              <c:idx val="1"/>
+              <c:layout>
+                <c:manualLayout>
+                  <c:x val="-1.4665970398759652E-3"/>
+                  <c:y val="1.0931122167196822E-2"/>
+                </c:manualLayout>
+              </c:layout>
+              <c:showLegendKey val="0"/>
+              <c:showVal val="1"/>
+              <c:showCatName val="0"/>
+              <c:showSerName val="0"/>
+              <c:showPercent val="0"/>
+              <c:showBubbleSize val="0"/>
+            </c:dLbl>
             <c:showLegendKey val="0"/>
             <c:showVal val="1"/>
             <c:showCatName val="0"/>
@@ -262,11 +292,11 @@
           <c:showBubbleSize val="0"/>
         </c:dLbls>
         <c:gapWidth val="150"/>
-        <c:axId val="5841664"/>
-        <c:axId val="5844352"/>
+        <c:axId val="80795520"/>
+        <c:axId val="80797056"/>
       </c:barChart>
       <c:catAx>
-        <c:axId val="5841664"/>
+        <c:axId val="80795520"/>
         <c:scaling>
           <c:orientation val="minMax"/>
         </c:scaling>
@@ -275,7 +305,17 @@
         <c:majorTickMark val="out"/>
         <c:minorTickMark val="none"/>
         <c:tickLblPos val="nextTo"/>
-        <c:crossAx val="5844352"/>
+        <c:txPr>
+          <a:bodyPr/>
+          <a:lstStyle/>
+          <a:p>
+            <a:pPr>
+              <a:defRPr b="1"/>
+            </a:pPr>
+            <a:endParaRPr lang="en-US"/>
+          </a:p>
+        </c:txPr>
+        <c:crossAx val="80797056"/>
         <c:crosses val="autoZero"/>
         <c:auto val="1"/>
         <c:lblAlgn val="ctr"/>
@@ -284,7 +324,7 @@
         <c:noMultiLvlLbl val="0"/>
       </c:catAx>
       <c:valAx>
-        <c:axId val="5844352"/>
+        <c:axId val="80797056"/>
         <c:scaling>
           <c:orientation val="minMax"/>
         </c:scaling>
@@ -295,7 +335,7 @@
         <c:majorTickMark val="out"/>
         <c:minorTickMark val="none"/>
         <c:tickLblPos val="nextTo"/>
-        <c:crossAx val="5841664"/>
+        <c:crossAx val="80795520"/>
         <c:crosses val="autoZero"/>
         <c:crossBetween val="between"/>
       </c:valAx>
@@ -441,8 +481,8 @@
               <c:idx val="0"/>
               <c:layout>
                 <c:manualLayout>
-                  <c:x val="9.2015349899235953E-3"/>
-                  <c:y val="2.8157350814540058E-2"/>
+                  <c:x val="6.2602555239421971E-3"/>
+                  <c:y val="3.9126111347505071E-2"/>
                 </c:manualLayout>
               </c:layout>
               <c:showLegendKey val="0"/>
@@ -485,11 +525,11 @@
           <c:showBubbleSize val="0"/>
         </c:dLbls>
         <c:gapWidth val="150"/>
-        <c:axId val="105480192"/>
-        <c:axId val="105482880"/>
+        <c:axId val="83874560"/>
+        <c:axId val="83876096"/>
       </c:barChart>
       <c:catAx>
-        <c:axId val="105480192"/>
+        <c:axId val="83874560"/>
         <c:scaling>
           <c:orientation val="minMax"/>
         </c:scaling>
@@ -498,7 +538,17 @@
         <c:majorTickMark val="out"/>
         <c:minorTickMark val="none"/>
         <c:tickLblPos val="nextTo"/>
-        <c:crossAx val="105482880"/>
+        <c:txPr>
+          <a:bodyPr/>
+          <a:lstStyle/>
+          <a:p>
+            <a:pPr>
+              <a:defRPr b="1"/>
+            </a:pPr>
+            <a:endParaRPr lang="en-US"/>
+          </a:p>
+        </c:txPr>
+        <c:crossAx val="83876096"/>
         <c:crosses val="autoZero"/>
         <c:auto val="1"/>
         <c:lblAlgn val="ctr"/>
@@ -507,7 +557,7 @@
         <c:noMultiLvlLbl val="0"/>
       </c:catAx>
       <c:valAx>
-        <c:axId val="105482880"/>
+        <c:axId val="83876096"/>
         <c:scaling>
           <c:orientation val="minMax"/>
           <c:max val="0.4"/>
@@ -520,7 +570,7 @@
         <c:majorTickMark val="out"/>
         <c:minorTickMark val="none"/>
         <c:tickLblPos val="nextTo"/>
-        <c:crossAx val="105480192"/>
+        <c:crossAx val="83874560"/>
         <c:crosses val="autoZero"/>
         <c:crossBetween val="between"/>
       </c:valAx>
@@ -666,8 +716,8 @@
         </p:nvSpPr>
         <p:spPr>
           <a:xfrm>
-            <a:off x="981075" y="685800"/>
-            <a:ext cx="4895850" cy="3429000"/>
+            <a:off x="1028700" y="685800"/>
+            <a:ext cx="4800600" cy="3429000"/>
           </a:xfrm>
           <a:prstGeom prst="rect">
             <a:avLst/>
@@ -943,7 +993,12 @@
             <p:ph type="sldImg"/>
           </p:nvPr>
         </p:nvSpPr>
-        <p:spPr/>
+        <p:spPr>
+          <a:xfrm>
+            <a:off x="1028700" y="685800"/>
+            <a:ext cx="4800600" cy="3429000"/>
+          </a:xfrm>
+        </p:spPr>
       </p:sp>
       <p:sp>
         <p:nvSpPr>
@@ -1029,8 +1084,8 @@
         </p:nvSpPr>
         <p:spPr>
           <a:xfrm>
-            <a:off x="2700339" y="7829316"/>
-            <a:ext cx="30603825" cy="5402343"/>
+            <a:off x="2880362" y="8521706"/>
+            <a:ext cx="32644081" cy="5880101"/>
           </a:xfrm>
         </p:spPr>
         <p:txBody>
@@ -1057,8 +1112,8 @@
         </p:nvSpPr>
         <p:spPr>
           <a:xfrm>
-            <a:off x="5400677" y="14281786"/>
-            <a:ext cx="25203150" cy="6440806"/>
+            <a:off x="5760723" y="15544801"/>
+            <a:ext cx="26883360" cy="7010401"/>
           </a:xfrm>
         </p:spPr>
         <p:txBody>
@@ -1441,8 +1496,8 @@
         </p:nvSpPr>
         <p:spPr>
           <a:xfrm>
-            <a:off x="26103261" y="1009300"/>
-            <a:ext cx="8101013" cy="21504356"/>
+            <a:off x="27843481" y="1098558"/>
+            <a:ext cx="8641080" cy="23406102"/>
           </a:xfrm>
         </p:spPr>
         <p:txBody>
@@ -1469,8 +1524,8 @@
         </p:nvSpPr>
         <p:spPr>
           <a:xfrm>
-            <a:off x="1800228" y="1009300"/>
-            <a:ext cx="23702963" cy="21504356"/>
+            <a:off x="1920246" y="1098558"/>
+            <a:ext cx="25283160" cy="23406102"/>
           </a:xfrm>
         </p:spPr>
         <p:txBody>
@@ -1791,8 +1846,8 @@
         </p:nvSpPr>
         <p:spPr>
           <a:xfrm>
-            <a:off x="2844111" y="16195359"/>
-            <a:ext cx="30603825" cy="5005626"/>
+            <a:off x="3033721" y="17627602"/>
+            <a:ext cx="32644081" cy="5448300"/>
           </a:xfrm>
         </p:spPr>
         <p:txBody>
@@ -1823,8 +1878,8 @@
         </p:nvSpPr>
         <p:spPr>
           <a:xfrm>
-            <a:off x="2844111" y="10682187"/>
-            <a:ext cx="30603825" cy="5513188"/>
+            <a:off x="3033721" y="11626870"/>
+            <a:ext cx="32644081" cy="6000749"/>
           </a:xfrm>
         </p:spPr>
         <p:txBody>
@@ -2060,8 +2115,8 @@
         </p:nvSpPr>
         <p:spPr>
           <a:xfrm>
-            <a:off x="1800223" y="5880746"/>
-            <a:ext cx="15901989" cy="16632915"/>
+            <a:off x="1920240" y="6400814"/>
+            <a:ext cx="16962123" cy="18103853"/>
           </a:xfrm>
         </p:spPr>
         <p:txBody>
@@ -2145,8 +2200,8 @@
         </p:nvSpPr>
         <p:spPr>
           <a:xfrm>
-            <a:off x="18302288" y="5880746"/>
-            <a:ext cx="15901989" cy="16632915"/>
+            <a:off x="19522444" y="6400814"/>
+            <a:ext cx="16962123" cy="18103853"/>
           </a:xfrm>
         </p:spPr>
         <p:txBody>
@@ -2352,8 +2407,8 @@
         </p:nvSpPr>
         <p:spPr>
           <a:xfrm>
-            <a:off x="1800226" y="5641541"/>
-            <a:ext cx="15908240" cy="2351126"/>
+            <a:off x="1920242" y="6140453"/>
+            <a:ext cx="16968789" cy="2559049"/>
           </a:xfrm>
         </p:spPr>
         <p:txBody>
@@ -2417,8 +2472,8 @@
         </p:nvSpPr>
         <p:spPr>
           <a:xfrm>
-            <a:off x="1800226" y="7992666"/>
-            <a:ext cx="15908240" cy="14520983"/>
+            <a:off x="1920242" y="8699503"/>
+            <a:ext cx="16968789" cy="15805152"/>
           </a:xfrm>
         </p:spPr>
         <p:txBody>
@@ -2502,8 +2557,8 @@
         </p:nvSpPr>
         <p:spPr>
           <a:xfrm>
-            <a:off x="18289804" y="5641541"/>
-            <a:ext cx="15914490" cy="2351126"/>
+            <a:off x="19509125" y="6140453"/>
+            <a:ext cx="16975456" cy="2559049"/>
           </a:xfrm>
         </p:spPr>
         <p:txBody>
@@ -2567,8 +2622,8 @@
         </p:nvSpPr>
         <p:spPr>
           <a:xfrm>
-            <a:off x="18289804" y="7992666"/>
-            <a:ext cx="15914490" cy="14520983"/>
+            <a:off x="19509125" y="8699503"/>
+            <a:ext cx="16975456" cy="15805152"/>
           </a:xfrm>
         </p:spPr>
         <p:txBody>
@@ -2960,8 +3015,8 @@
         </p:nvSpPr>
         <p:spPr>
           <a:xfrm>
-            <a:off x="1800228" y="1003462"/>
-            <a:ext cx="11845233" cy="4270534"/>
+            <a:off x="1920246" y="1092204"/>
+            <a:ext cx="12634915" cy="4648200"/>
           </a:xfrm>
         </p:spPr>
         <p:txBody>
@@ -2992,8 +3047,8 @@
         </p:nvSpPr>
         <p:spPr>
           <a:xfrm>
-            <a:off x="14076762" y="1003465"/>
-            <a:ext cx="20127517" cy="21510189"/>
+            <a:off x="15015214" y="1092210"/>
+            <a:ext cx="21469352" cy="23412451"/>
           </a:xfrm>
         </p:spPr>
         <p:txBody>
@@ -3077,8 +3132,8 @@
         </p:nvSpPr>
         <p:spPr>
           <a:xfrm>
-            <a:off x="1800228" y="5274009"/>
-            <a:ext cx="11845233" cy="17239658"/>
+            <a:off x="1920246" y="5740418"/>
+            <a:ext cx="12634915" cy="18764254"/>
           </a:xfrm>
         </p:spPr>
         <p:txBody>
@@ -3237,8 +3292,8 @@
         </p:nvSpPr>
         <p:spPr>
           <a:xfrm>
-            <a:off x="7057133" y="17642207"/>
-            <a:ext cx="21602701" cy="2082761"/>
+            <a:off x="7527610" y="19202406"/>
+            <a:ext cx="23042882" cy="2266951"/>
           </a:xfrm>
         </p:spPr>
         <p:txBody>
@@ -3269,8 +3324,8 @@
         </p:nvSpPr>
         <p:spPr>
           <a:xfrm>
-            <a:off x="7057133" y="2251947"/>
-            <a:ext cx="21602701" cy="15121890"/>
+            <a:off x="7527610" y="2451099"/>
+            <a:ext cx="23042882" cy="16459200"/>
           </a:xfrm>
         </p:spPr>
         <p:txBody>
@@ -3330,8 +3385,8 @@
         </p:nvSpPr>
         <p:spPr>
           <a:xfrm>
-            <a:off x="7057133" y="19724968"/>
-            <a:ext cx="21602701" cy="2957869"/>
+            <a:off x="7527610" y="21469357"/>
+            <a:ext cx="23042882" cy="3219449"/>
           </a:xfrm>
         </p:spPr>
         <p:txBody>
@@ -3495,8 +3550,8 @@
         </p:nvSpPr>
         <p:spPr>
           <a:xfrm>
-            <a:off x="1800226" y="1009295"/>
-            <a:ext cx="32404051" cy="4200526"/>
+            <a:off x="1920242" y="1098552"/>
+            <a:ext cx="34564322" cy="4572001"/>
           </a:xfrm>
           <a:prstGeom prst="rect">
             <a:avLst/>
@@ -3528,8 +3583,8 @@
         </p:nvSpPr>
         <p:spPr>
           <a:xfrm>
-            <a:off x="1800226" y="5880746"/>
-            <a:ext cx="32404051" cy="16632915"/>
+            <a:off x="1920242" y="6400814"/>
+            <a:ext cx="34564322" cy="18103853"/>
           </a:xfrm>
           <a:prstGeom prst="rect">
             <a:avLst/>
@@ -3590,8 +3645,8 @@
         </p:nvSpPr>
         <p:spPr>
           <a:xfrm>
-            <a:off x="1800226" y="23359586"/>
-            <a:ext cx="8401049" cy="1341836"/>
+            <a:off x="1920243" y="25425400"/>
+            <a:ext cx="8961118" cy="1460502"/>
           </a:xfrm>
           <a:prstGeom prst="rect">
             <a:avLst/>
@@ -3631,8 +3686,8 @@
         </p:nvSpPr>
         <p:spPr>
           <a:xfrm>
-            <a:off x="12301539" y="23359586"/>
-            <a:ext cx="11401426" cy="1341836"/>
+            <a:off x="13121645" y="25425400"/>
+            <a:ext cx="12161521" cy="1460502"/>
           </a:xfrm>
           <a:prstGeom prst="rect">
             <a:avLst/>
@@ -3668,8 +3723,8 @@
         </p:nvSpPr>
         <p:spPr>
           <a:xfrm>
-            <a:off x="25803225" y="23359586"/>
-            <a:ext cx="8401049" cy="1341836"/>
+            <a:off x="27523443" y="25425400"/>
+            <a:ext cx="8961118" cy="1460502"/>
           </a:xfrm>
           <a:prstGeom prst="rect">
             <a:avLst/>
@@ -3990,14 +4045,14 @@
       </p:grpSpPr>
       <p:sp>
         <p:nvSpPr>
-          <p:cNvPr id="4" name="Rectangle 3"/>
+          <p:cNvPr id="72" name="Rectangle 71"/>
           <p:cNvSpPr/>
           <p:nvPr/>
         </p:nvSpPr>
         <p:spPr>
           <a:xfrm>
-            <a:off x="7057034" y="430203"/>
-            <a:ext cx="22034448" cy="2062028"/>
+            <a:off x="7968751" y="1354564"/>
+            <a:ext cx="22034449" cy="2062028"/>
           </a:xfrm>
           <a:prstGeom prst="rect">
             <a:avLst/>
@@ -4021,14 +4076,14 @@
       </p:sp>
       <p:sp>
         <p:nvSpPr>
-          <p:cNvPr id="12" name="Rectangle 11"/>
+          <p:cNvPr id="75" name="Rectangle 74"/>
           <p:cNvSpPr/>
           <p:nvPr/>
         </p:nvSpPr>
         <p:spPr>
           <a:xfrm>
-            <a:off x="7057034" y="2759200"/>
-            <a:ext cx="22034448" cy="769367"/>
+            <a:off x="7968751" y="3683563"/>
+            <a:ext cx="22034449" cy="769367"/>
           </a:xfrm>
           <a:prstGeom prst="rect">
             <a:avLst/>
@@ -4093,13 +4148,13 @@
       </p:sp>
       <p:sp>
         <p:nvSpPr>
-          <p:cNvPr id="5" name="TextBox 3"/>
+          <p:cNvPr id="76" name="TextBox 3"/>
           <p:cNvSpPr txBox="1"/>
           <p:nvPr/>
         </p:nvSpPr>
         <p:spPr>
           <a:xfrm>
-            <a:off x="24554978" y="22994534"/>
+            <a:off x="25466696" y="24324983"/>
             <a:ext cx="11305656" cy="1200329"/>
           </a:xfrm>
           <a:prstGeom prst="rect">
@@ -4150,14 +4205,14 @@
       </p:sp>
       <p:sp>
         <p:nvSpPr>
-          <p:cNvPr id="6" name="TextBox 3"/>
+          <p:cNvPr id="77" name="TextBox 3"/>
           <p:cNvSpPr txBox="1"/>
           <p:nvPr/>
         </p:nvSpPr>
         <p:spPr>
           <a:xfrm>
-            <a:off x="720330" y="4411827"/>
-            <a:ext cx="10873208" cy="3416320"/>
+            <a:off x="1632046" y="5336188"/>
+            <a:ext cx="10873208" cy="3453830"/>
           </a:xfrm>
           <a:prstGeom prst="rect">
             <a:avLst/>
@@ -4181,15 +4236,7 @@
             </a:r>
             <a:r>
               <a:rPr lang="en-US" sz="2400" dirty="0" smtClean="0"/>
-              <a:t>estimated in most cases. Therefore, many researchers have turned their attention towards machine learning methods to create simplified models based on available observations ([1] and </a:t>
-            </a:r>
-            <a:r>
-              <a:rPr lang="en-US" sz="2400" dirty="0" smtClean="0"/>
-              <a:t>[2</a:t>
-            </a:r>
-            <a:r>
-              <a:rPr lang="en-US" sz="2400" dirty="0" smtClean="0"/>
-              <a:t>]). </a:t>
+              <a:t>estimated in most cases. Therefore, many researchers have turned their attention towards machine learning methods to create simplified models based on available observations ([1] and [2]). </a:t>
             </a:r>
             <a:r>
               <a:rPr lang="en-US" sz="2400" dirty="0"/>
@@ -4205,13 +4252,13 @@
       </p:sp>
       <p:sp>
         <p:nvSpPr>
-          <p:cNvPr id="7" name="TextBox 3"/>
+          <p:cNvPr id="78" name="TextBox 3"/>
           <p:cNvSpPr txBox="1"/>
           <p:nvPr/>
         </p:nvSpPr>
         <p:spPr>
           <a:xfrm>
-            <a:off x="720330" y="3888607"/>
+            <a:off x="1632046" y="4812968"/>
             <a:ext cx="10873208" cy="523220"/>
           </a:xfrm>
           <a:prstGeom prst="rect">
@@ -4251,14 +4298,14 @@
       </p:sp>
       <p:sp>
         <p:nvSpPr>
-          <p:cNvPr id="8" name="TextBox 3"/>
+          <p:cNvPr id="79" name="TextBox 3"/>
           <p:cNvSpPr txBox="1"/>
           <p:nvPr/>
         </p:nvSpPr>
         <p:spPr>
           <a:xfrm>
-            <a:off x="720330" y="8794414"/>
-            <a:ext cx="10873208" cy="1938992"/>
+            <a:off x="1632046" y="9718775"/>
+            <a:ext cx="10873208" cy="1999586"/>
           </a:xfrm>
           <a:prstGeom prst="rect">
             <a:avLst/>
@@ -4282,13 +4329,13 @@
       </p:sp>
       <p:sp>
         <p:nvSpPr>
-          <p:cNvPr id="9" name="TextBox 3"/>
+          <p:cNvPr id="80" name="TextBox 3"/>
           <p:cNvSpPr txBox="1"/>
           <p:nvPr/>
         </p:nvSpPr>
         <p:spPr>
           <a:xfrm>
-            <a:off x="720330" y="8271194"/>
+            <a:off x="1632046" y="9195555"/>
             <a:ext cx="10873208" cy="523220"/>
           </a:xfrm>
           <a:prstGeom prst="rect">
@@ -4328,13 +4375,13 @@
       </p:sp>
       <p:sp>
         <p:nvSpPr>
-          <p:cNvPr id="28" name="TextBox 3"/>
+          <p:cNvPr id="81" name="TextBox 3"/>
           <p:cNvSpPr txBox="1"/>
           <p:nvPr/>
         </p:nvSpPr>
         <p:spPr>
           <a:xfrm>
-            <a:off x="831541" y="17517283"/>
+            <a:off x="1743260" y="18441645"/>
             <a:ext cx="10752395" cy="1569660"/>
           </a:xfrm>
           <a:prstGeom prst="rect">
@@ -4379,11 +4426,7 @@
             </a:r>
             <a:r>
               <a:rPr lang="en-US" sz="2400" dirty="0" smtClean="0"/>
-              <a:t>the meteorological </a:t>
-            </a:r>
-            <a:r>
-              <a:rPr lang="en-US" sz="2400" dirty="0" smtClean="0"/>
-              <a:t>system over time (see [4], [5] for details on the VAR approach). The </a:t>
+              <a:t>the meteorological system over time (see [4], [5] for details on the VAR approach). The </a:t>
             </a:r>
             <a:r>
               <a:rPr lang="en-US" sz="2400" dirty="0"/>
@@ -4447,13 +4490,13 @@
       </p:sp>
       <p:sp>
         <p:nvSpPr>
-          <p:cNvPr id="29" name="TextBox 3"/>
+          <p:cNvPr id="82" name="TextBox 3"/>
           <p:cNvSpPr txBox="1"/>
           <p:nvPr/>
         </p:nvSpPr>
         <p:spPr>
           <a:xfrm>
-            <a:off x="831541" y="16994063"/>
+            <a:off x="1743260" y="17918424"/>
             <a:ext cx="10752395" cy="523220"/>
           </a:xfrm>
           <a:prstGeom prst="rect">
@@ -4491,18 +4534,18 @@
           </a:p>
         </p:txBody>
       </p:sp>
-      <mc:AlternateContent xmlns:mc="http://schemas.openxmlformats.org/markup-compatibility/2006">
-        <mc:Choice xmlns:a14="http://schemas.microsoft.com/office/drawing/2010/main" Requires="a14">
+      <mc:AlternateContent xmlns:mc="http://schemas.openxmlformats.org/markup-compatibility/2006" xmlns:a14="http://schemas.microsoft.com/office/drawing/2010/main">
+        <mc:Choice Requires="a14">
           <p:sp>
             <p:nvSpPr>
-              <p:cNvPr id="30" name="29 CuadroTexto"/>
+              <p:cNvPr id="83" name="29 CuadroTexto"/>
               <p:cNvSpPr txBox="1"/>
               <p:nvPr/>
             </p:nvSpPr>
             <p:spPr>
               <a:xfrm>
-                <a:off x="3536479" y="19164204"/>
-                <a:ext cx="5104731" cy="490199"/>
+                <a:off x="4448194" y="20088567"/>
+                <a:ext cx="5109411" cy="490199"/>
               </a:xfrm>
               <a:prstGeom prst="rect">
                 <a:avLst/>
@@ -4731,10 +4774,10 @@
             </p:txBody>
           </p:sp>
         </mc:Choice>
-        <mc:Fallback>
+        <mc:Fallback xmlns="">
           <p:sp>
             <p:nvSpPr>
-              <p:cNvPr id="30" name="29 CuadroTexto"/>
+              <p:cNvPr id="83" name="29 CuadroTexto"/>
               <p:cNvSpPr txBox="1">
                 <a:spLocks noRot="1" noChangeAspect="1" noMove="1" noResize="1" noEditPoints="1" noAdjustHandles="1" noChangeArrowheads="1" noChangeShapeType="1" noTextEdit="1"/>
               </p:cNvSpPr>
@@ -4742,8 +4785,8 @@
             </p:nvSpPr>
             <p:spPr>
               <a:xfrm>
-                <a:off x="3536479" y="19164204"/>
-                <a:ext cx="5104731" cy="490199"/>
+                <a:off x="4448194" y="20088567"/>
+                <a:ext cx="5109411" cy="490199"/>
               </a:xfrm>
               <a:prstGeom prst="rect">
                 <a:avLst/>
@@ -4751,7 +4794,7 @@
               <a:blipFill rotWithShape="1">
                 <a:blip r:embed="rId5"/>
                 <a:stretch>
-                  <a:fillRect b="-6250"/>
+                  <a:fillRect b="-4938"/>
                 </a:stretch>
               </a:blipFill>
             </p:spPr>
@@ -4770,17 +4813,17 @@
           </p:sp>
         </mc:Fallback>
       </mc:AlternateContent>
-      <mc:AlternateContent xmlns:mc="http://schemas.openxmlformats.org/markup-compatibility/2006">
-        <mc:Choice xmlns:a14="http://schemas.microsoft.com/office/drawing/2010/main" Requires="a14">
+      <mc:AlternateContent xmlns:mc="http://schemas.openxmlformats.org/markup-compatibility/2006" xmlns:a14="http://schemas.microsoft.com/office/drawing/2010/main">
+        <mc:Choice Requires="a14">
           <p:sp>
             <p:nvSpPr>
-              <p:cNvPr id="31" name="TextBox 3"/>
+              <p:cNvPr id="84" name="TextBox 3"/>
               <p:cNvSpPr txBox="1"/>
               <p:nvPr/>
             </p:nvSpPr>
             <p:spPr>
               <a:xfrm>
-                <a:off x="831541" y="19740268"/>
+                <a:off x="1743260" y="20664629"/>
                 <a:ext cx="10752395" cy="5292731"/>
               </a:xfrm>
               <a:prstGeom prst="rect">
@@ -4874,15 +4917,7 @@
                 <a:pPr algn="just"/>
                 <a:r>
                   <a:rPr lang="en-US" sz="2400" dirty="0" smtClean="0"/>
-                  <a:t>Once the model is estimated, we can predict future system states based on historical information about the system, such as temperatures, pressures, and so on. The model error is the deviation of that prediction from the true </a:t>
-                </a:r>
-                <a:r>
-                  <a:rPr lang="en-US" sz="2400" dirty="0" smtClean="0"/>
-                  <a:t>observed </a:t>
-                </a:r>
-                <a:r>
-                  <a:rPr lang="en-US" sz="2400" dirty="0" smtClean="0"/>
-                  <a:t>value.</a:t>
+                  <a:t>Once the model is estimated, we can predict future system states based on historical information about the system, such as temperatures, pressures, and so on. The model error is the deviation of that prediction from the true observed value.</a:t>
                 </a:r>
               </a:p>
               <a:p>
@@ -4989,10 +5024,10 @@
             </p:txBody>
           </p:sp>
         </mc:Choice>
-        <mc:Fallback>
+        <mc:Fallback xmlns="">
           <p:sp>
             <p:nvSpPr>
-              <p:cNvPr id="31" name="TextBox 3"/>
+              <p:cNvPr id="84" name="TextBox 3"/>
               <p:cNvSpPr txBox="1">
                 <a:spLocks noRot="1" noChangeAspect="1" noMove="1" noResize="1" noEditPoints="1" noAdjustHandles="1" noChangeArrowheads="1" noChangeShapeType="1" noTextEdit="1"/>
               </p:cNvSpPr>
@@ -5000,7 +5035,7 @@
             </p:nvSpPr>
             <p:spPr>
               <a:xfrm>
-                <a:off x="831541" y="19740268"/>
+                <a:off x="1743260" y="20664629"/>
                 <a:ext cx="10752395" cy="5292731"/>
               </a:xfrm>
               <a:prstGeom prst="rect">
@@ -5009,7 +5044,7 @@
               <a:blipFill rotWithShape="1">
                 <a:blip r:embed="rId6"/>
                 <a:stretch>
-                  <a:fillRect l="-850" t="-806" r="-907"/>
+                  <a:fillRect l="-907" t="-806" r="-850"/>
                 </a:stretch>
               </a:blipFill>
             </p:spPr>
@@ -5030,13 +5065,13 @@
       </mc:AlternateContent>
       <p:sp>
         <p:nvSpPr>
-          <p:cNvPr id="33" name="TextBox 3"/>
+          <p:cNvPr id="85" name="TextBox 3"/>
           <p:cNvSpPr txBox="1"/>
           <p:nvPr/>
         </p:nvSpPr>
         <p:spPr>
           <a:xfrm>
-            <a:off x="12529642" y="3744591"/>
+            <a:off x="13441359" y="4668954"/>
             <a:ext cx="10945216" cy="830997"/>
           </a:xfrm>
           <a:prstGeom prst="rect">
@@ -5077,7 +5112,7 @@
       </p:sp>
       <p:pic>
         <p:nvPicPr>
-          <p:cNvPr id="1026" name="Picture 2"/>
+          <p:cNvPr id="86" name="Picture 2"/>
           <p:cNvPicPr>
             <a:picLocks noChangeAspect="1" noChangeArrowheads="1"/>
           </p:cNvPicPr>
@@ -5098,7 +5133,7 @@
         </p:blipFill>
         <p:spPr bwMode="auto">
           <a:xfrm>
-            <a:off x="14120000" y="5030834"/>
+            <a:off x="15031718" y="5955195"/>
             <a:ext cx="7482650" cy="5184396"/>
           </a:xfrm>
           <a:prstGeom prst="rect">
@@ -5141,13 +5176,13 @@
       </p:pic>
       <p:sp>
         <p:nvSpPr>
-          <p:cNvPr id="73" name="TextBox 3"/>
+          <p:cNvPr id="87" name="TextBox 3"/>
           <p:cNvSpPr txBox="1"/>
           <p:nvPr/>
         </p:nvSpPr>
         <p:spPr>
           <a:xfrm>
-            <a:off x="14177430" y="10297319"/>
+            <a:off x="15089146" y="11221680"/>
             <a:ext cx="7569236" cy="1200329"/>
           </a:xfrm>
           <a:prstGeom prst="rect">
@@ -5216,7 +5251,7 @@
       </p:sp>
       <p:pic>
         <p:nvPicPr>
-          <p:cNvPr id="1027" name="Picture 3"/>
+          <p:cNvPr id="88" name="Picture 3"/>
           <p:cNvPicPr>
             <a:picLocks noChangeAspect="1" noChangeArrowheads="1"/>
           </p:cNvPicPr>
@@ -5237,7 +5272,7 @@
         </p:blipFill>
         <p:spPr bwMode="auto">
           <a:xfrm>
-            <a:off x="1359397" y="10974662"/>
+            <a:off x="2271115" y="11899025"/>
             <a:ext cx="9298037" cy="5645091"/>
           </a:xfrm>
           <a:prstGeom prst="rect">
@@ -5280,13 +5315,13 @@
       </p:pic>
       <p:sp>
         <p:nvSpPr>
-          <p:cNvPr id="74" name="TextBox 3"/>
+          <p:cNvPr id="89" name="TextBox 3"/>
           <p:cNvSpPr txBox="1"/>
           <p:nvPr/>
         </p:nvSpPr>
         <p:spPr>
           <a:xfrm>
-            <a:off x="6120930" y="15401862"/>
+            <a:off x="7032646" y="16326223"/>
             <a:ext cx="4104456" cy="1200329"/>
           </a:xfrm>
           <a:prstGeom prst="rect">
@@ -5314,14 +5349,14 @@
       </p:sp>
       <p:sp>
         <p:nvSpPr>
-          <p:cNvPr id="20" name="TextBox 3"/>
+          <p:cNvPr id="90" name="TextBox 3"/>
           <p:cNvSpPr txBox="1"/>
           <p:nvPr/>
         </p:nvSpPr>
         <p:spPr>
           <a:xfrm>
-            <a:off x="12506161" y="11809487"/>
-            <a:ext cx="10968697" cy="523220"/>
+            <a:off x="13417879" y="12733848"/>
+            <a:ext cx="10968696" cy="523220"/>
           </a:xfrm>
           <a:prstGeom prst="rect">
             <a:avLst/>
@@ -5360,13 +5395,13 @@
       </p:sp>
       <p:sp>
         <p:nvSpPr>
-          <p:cNvPr id="22" name="TextBox 3"/>
+          <p:cNvPr id="91" name="TextBox 3"/>
           <p:cNvSpPr txBox="1"/>
           <p:nvPr/>
         </p:nvSpPr>
         <p:spPr>
           <a:xfrm>
-            <a:off x="24554978" y="11252587"/>
+            <a:off x="25466694" y="12176948"/>
             <a:ext cx="10585176" cy="5632311"/>
           </a:xfrm>
           <a:prstGeom prst="rect">
@@ -5391,11 +5426,7 @@
             </a:r>
             <a:r>
               <a:rPr lang="en-US" sz="2400" dirty="0" smtClean="0"/>
-              <a:t> for highly complex versions, particularly when cell neighborhoods and high lag orders are used. </a:t>
-            </a:r>
-            <a:r>
-              <a:rPr lang="en-US" sz="2400" dirty="0" smtClean="0"/>
-              <a:t>We plan to combat this </a:t>
+              <a:t> for highly complex versions, particularly when cell neighborhoods and high lag orders are used. We plan to combat this </a:t>
             </a:r>
             <a:r>
               <a:rPr lang="en-US" sz="2400" dirty="0" err="1" smtClean="0"/>
@@ -5430,15 +5461,7 @@
             <a:pPr algn="just"/>
             <a:r>
               <a:rPr lang="en-US" sz="2400" dirty="0" smtClean="0"/>
-              <a:t>An additional finding was that predicting variables such as temperature or air pressure is well-served by our linear model, but other variables like precipitation show poor performance regardless of model complexity. Critically, the former variables exhibit dense, periodic trends, while the latter class </a:t>
-            </a:r>
-            <a:r>
-              <a:rPr lang="en-US" sz="2400" dirty="0" smtClean="0"/>
-              <a:t>includes </a:t>
-            </a:r>
-            <a:r>
-              <a:rPr lang="en-US" sz="2400" dirty="0" smtClean="0"/>
-              <a:t>sporadic phenomena with no clear periodicity. This </a:t>
+              <a:t>An additional finding was that predicting variables such as temperature or air pressure is well-served by our linear model, but other variables like precipitation show poor performance regardless of model complexity. Critically, the former variables exhibit dense, periodic trends, while the latter class includes sporadic phenomena with no clear periodicity. This </a:t>
             </a:r>
             <a:r>
               <a:rPr lang="en-US" sz="2400" dirty="0"/>
@@ -5446,19 +5469,7 @@
             </a:r>
             <a:r>
               <a:rPr lang="en-US" sz="2400" dirty="0" smtClean="0"/>
-              <a:t>approach, </a:t>
-            </a:r>
-            <a:r>
-              <a:rPr lang="en-US" sz="2400" dirty="0" smtClean="0"/>
-              <a:t>effective weather forecasting is possible for phenomena which already show some degree of predictability, but other </a:t>
-            </a:r>
-            <a:r>
-              <a:rPr lang="en-US" sz="2400" dirty="0" smtClean="0"/>
-              <a:t>aspects </a:t>
-            </a:r>
-            <a:r>
-              <a:rPr lang="en-US" sz="2400" dirty="0" smtClean="0"/>
-              <a:t>may require physically-based modeling.</a:t>
+              <a:t>approach, effective weather forecasting is possible for phenomena which already show some degree of predictability, but other aspects may require physically-based modeling.</a:t>
             </a:r>
             <a:endParaRPr lang="en-US" sz="2400" dirty="0"/>
           </a:p>
@@ -5466,13 +5477,13 @@
       </p:sp>
       <p:sp>
         <p:nvSpPr>
-          <p:cNvPr id="23" name="TextBox 3"/>
+          <p:cNvPr id="92" name="TextBox 3"/>
           <p:cNvSpPr txBox="1"/>
           <p:nvPr/>
         </p:nvSpPr>
         <p:spPr>
           <a:xfrm>
-            <a:off x="24554978" y="10729367"/>
+            <a:off x="25466694" y="11653728"/>
             <a:ext cx="10585176" cy="523220"/>
           </a:xfrm>
           <a:prstGeom prst="rect">
@@ -5512,13 +5523,13 @@
       </p:sp>
       <p:sp>
         <p:nvSpPr>
-          <p:cNvPr id="24" name="TextBox 3"/>
+          <p:cNvPr id="93" name="TextBox 3"/>
           <p:cNvSpPr txBox="1"/>
           <p:nvPr/>
         </p:nvSpPr>
         <p:spPr>
           <a:xfrm>
-            <a:off x="24554978" y="17805315"/>
+            <a:off x="25466694" y="18831465"/>
             <a:ext cx="10585176" cy="4893647"/>
           </a:xfrm>
           <a:prstGeom prst="rect">
@@ -5778,13 +5789,13 @@
       </p:sp>
       <p:sp>
         <p:nvSpPr>
-          <p:cNvPr id="25" name="TextBox 3"/>
+          <p:cNvPr id="94" name="TextBox 3"/>
           <p:cNvSpPr txBox="1"/>
           <p:nvPr/>
         </p:nvSpPr>
         <p:spPr>
           <a:xfrm>
-            <a:off x="24554978" y="17282095"/>
+            <a:off x="25466694" y="18206456"/>
             <a:ext cx="10585176" cy="523220"/>
           </a:xfrm>
           <a:prstGeom prst="rect">
@@ -5824,13 +5835,13 @@
       </p:sp>
       <p:sp>
         <p:nvSpPr>
-          <p:cNvPr id="26" name="TextBox 3"/>
+          <p:cNvPr id="95" name="TextBox 3"/>
           <p:cNvSpPr txBox="1"/>
           <p:nvPr/>
         </p:nvSpPr>
         <p:spPr>
           <a:xfrm>
-            <a:off x="13393738" y="19874383"/>
+            <a:off x="14305454" y="20916800"/>
             <a:ext cx="9145016" cy="461665"/>
           </a:xfrm>
           <a:prstGeom prst="rect">
@@ -5851,19 +5862,15 @@
             </a:r>
             <a:r>
               <a:rPr lang="en-US" sz="2400" dirty="0" smtClean="0"/>
-              <a:t>RMS </a:t>
+              <a:t>RMS errors using single cell </a:t>
             </a:r>
             <a:r>
               <a:rPr lang="en-US" sz="2400" dirty="0" smtClean="0"/>
-              <a:t>errors using </a:t>
+              <a:t>vs. neighboring </a:t>
             </a:r>
             <a:r>
               <a:rPr lang="en-US" sz="2400" dirty="0" smtClean="0"/>
-              <a:t>single </a:t>
-            </a:r>
-            <a:r>
-              <a:rPr lang="en-US" sz="2400" dirty="0" smtClean="0"/>
-              <a:t>cell or neighboring cell input models</a:t>
+              <a:t>cell input models</a:t>
             </a:r>
             <a:endParaRPr lang="en-US" sz="2400" dirty="0"/>
           </a:p>
@@ -5871,13 +5878,13 @@
       </p:sp>
       <p:sp>
         <p:nvSpPr>
-          <p:cNvPr id="27" name="TextBox 3"/>
+          <p:cNvPr id="96" name="TextBox 3"/>
           <p:cNvSpPr txBox="1"/>
           <p:nvPr/>
         </p:nvSpPr>
         <p:spPr>
           <a:xfrm>
-            <a:off x="13195716" y="24050847"/>
+            <a:off x="14107433" y="25135655"/>
             <a:ext cx="9613068" cy="461665"/>
           </a:xfrm>
           <a:prstGeom prst="rect">
@@ -5898,23 +5905,15 @@
             </a:r>
             <a:r>
               <a:rPr lang="en-US" sz="2400" dirty="0" smtClean="0"/>
-              <a:t>RMS </a:t>
+              <a:t>RMS errors using independent </a:t>
             </a:r>
             <a:r>
               <a:rPr lang="en-US" sz="2400" dirty="0" smtClean="0"/>
-              <a:t>errors using </a:t>
+              <a:t>vs. </a:t>
             </a:r>
             <a:r>
               <a:rPr lang="en-US" sz="2400" dirty="0" smtClean="0"/>
-              <a:t>independent </a:t>
-            </a:r>
-            <a:r>
-              <a:rPr lang="en-US" sz="2400" dirty="0" smtClean="0"/>
-              <a:t>vs</a:t>
-            </a:r>
-            <a:r>
-              <a:rPr lang="en-US" sz="2400" dirty="0" smtClean="0"/>
-              <a:t>. interdependent variables model</a:t>
+              <a:t>interdependent variables model</a:t>
             </a:r>
             <a:endParaRPr lang="en-US" sz="2400" dirty="0"/>
           </a:p>
@@ -5922,13 +5921,13 @@
       </p:sp>
       <p:sp>
         <p:nvSpPr>
-          <p:cNvPr id="34" name="TextBox 3"/>
+          <p:cNvPr id="97" name="TextBox 3"/>
           <p:cNvSpPr txBox="1"/>
           <p:nvPr/>
         </p:nvSpPr>
         <p:spPr>
           <a:xfrm>
-            <a:off x="25203050" y="9979670"/>
+            <a:off x="26114767" y="10904032"/>
             <a:ext cx="8424936" cy="461665"/>
           </a:xfrm>
           <a:prstGeom prst="rect">
@@ -5957,15 +5956,7 @@
             </a:r>
             <a:r>
               <a:rPr lang="en-US" sz="2400" dirty="0" smtClean="0"/>
-              <a:t>RMS errors as </a:t>
-            </a:r>
-            <a:r>
-              <a:rPr lang="en-US" sz="2400" dirty="0" smtClean="0"/>
-              <a:t>a  function of VAR model lag </a:t>
-            </a:r>
-            <a:r>
-              <a:rPr lang="en-US" sz="2400" dirty="0" smtClean="0"/>
-              <a:t>order </a:t>
+              <a:t>RMS errors as a  function of VAR model lag order </a:t>
             </a:r>
             <a:r>
               <a:rPr lang="en-US" sz="2400" i="1" dirty="0" smtClean="0"/>
@@ -5977,14 +5968,14 @@
       </p:sp>
       <p:cxnSp>
         <p:nvCxnSpPr>
-          <p:cNvPr id="3" name="2 Conector recto"/>
+          <p:cNvPr id="98" name="2 Conector recto"/>
           <p:cNvCxnSpPr/>
           <p:nvPr/>
         </p:nvCxnSpPr>
         <p:spPr>
           <a:xfrm>
-            <a:off x="7057034" y="2630563"/>
-            <a:ext cx="22034448" cy="0"/>
+            <a:off x="7968751" y="3554924"/>
+            <a:ext cx="22034449" cy="0"/>
           </a:xfrm>
           <a:prstGeom prst="line">
             <a:avLst/>
@@ -6012,14 +6003,14 @@
       </p:cxnSp>
       <p:sp>
         <p:nvSpPr>
-          <p:cNvPr id="44" name="TextBox 3"/>
+          <p:cNvPr id="99" name="TextBox 3"/>
           <p:cNvSpPr txBox="1"/>
           <p:nvPr/>
         </p:nvSpPr>
         <p:spPr>
           <a:xfrm>
-            <a:off x="12506161" y="12330483"/>
-            <a:ext cx="10968697" cy="4524315"/>
+            <a:off x="13417879" y="13254846"/>
+            <a:ext cx="10968696" cy="4524315"/>
           </a:xfrm>
           <a:prstGeom prst="rect">
             <a:avLst/>
@@ -6035,11 +6026,7 @@
             <a:pPr algn="just"/>
             <a:r>
               <a:rPr lang="en-US" sz="2400" dirty="0" smtClean="0"/>
-              <a:t>Selecting </a:t>
-            </a:r>
-            <a:r>
-              <a:rPr lang="en-US" sz="2400" dirty="0" smtClean="0"/>
-              <a:t>a single variable of interest, air temperature, and a lag order </a:t>
+              <a:t>Selecting a single variable of interest, air temperature, and a lag order </a:t>
             </a:r>
             <a:r>
               <a:rPr lang="en-US" sz="2400" i="1" dirty="0" smtClean="0"/>
@@ -6047,15 +6034,7 @@
             </a:r>
             <a:r>
               <a:rPr lang="en-US" sz="2400" dirty="0" smtClean="0"/>
-              <a:t> = 1, we observe the performance when either using only a single grid cell as input to the model or including a number of neighboring grid cells. T</a:t>
-            </a:r>
-            <a:r>
-              <a:rPr lang="en-US" sz="2400" dirty="0" smtClean="0"/>
-              <a:t>he </a:t>
-            </a:r>
-            <a:r>
-              <a:rPr lang="en-US" sz="2400" dirty="0" smtClean="0"/>
-              <a:t>average, normalized RMSE for training and test data sets across all outputs is shown for both of these models in Figure 3.  Models that include the neighbor cells as input show a modest decrease in training error compared to single cell models, but this advantage is lost when considering test set performance. </a:t>
+              <a:t> = 1, we observe the performance when either using only a single grid cell as input to the model or including a number of neighboring grid cells. The average, normalized RMSE for training and test data sets across all outputs is shown for both of these models in Figure 3.  Models that include the neighbor cells as input show a modest decrease in training error compared to single cell models, but this advantage is lost when considering test set performance. </a:t>
             </a:r>
           </a:p>
           <a:p>
@@ -6068,7 +6047,6 @@
               <a:rPr lang="en-US" sz="2400" dirty="0" smtClean="0"/>
               <a:t>We also compare a model that estimates variables independently with one that introduces interdependencies by using all variables as inputs. In this case, both training and test performance improves for the latter, more complex model (see Figure 4).</a:t>
             </a:r>
-            <a:endParaRPr lang="en-US" sz="2400" dirty="0" smtClean="0"/>
           </a:p>
           <a:p>
             <a:pPr algn="just"/>
@@ -6078,21 +6056,21 @@
       </p:sp>
       <p:graphicFrame>
         <p:nvGraphicFramePr>
-          <p:cNvPr id="46" name="Chart 45"/>
+          <p:cNvPr id="100" name="Chart 99"/>
           <p:cNvGraphicFramePr>
             <a:graphicFrameLocks/>
           </p:cNvGraphicFramePr>
           <p:nvPr>
             <p:extLst>
               <p:ext uri="{D42A27DB-BD31-4B8C-83A1-F6EECF244321}">
-                <p14:modId xmlns:p14="http://schemas.microsoft.com/office/powerpoint/2010/main" val="719033224"/>
+                <p14:modId xmlns:p14="http://schemas.microsoft.com/office/powerpoint/2010/main" val="2558781175"/>
               </p:ext>
             </p:extLst>
           </p:nvPr>
         </p:nvGraphicFramePr>
         <p:xfrm>
-          <a:off x="14155364" y="16619753"/>
-          <a:ext cx="8187578" cy="3295511"/>
+          <a:off x="14595157" y="17544116"/>
+          <a:ext cx="8659502" cy="3485461"/>
         </p:xfrm>
         <a:graphic>
           <a:graphicData uri="http://schemas.openxmlformats.org/drawingml/2006/chart">
@@ -6102,21 +6080,21 @@
       </p:graphicFrame>
       <p:graphicFrame>
         <p:nvGraphicFramePr>
-          <p:cNvPr id="47" name="Chart 46"/>
+          <p:cNvPr id="101" name="Chart 100"/>
           <p:cNvGraphicFramePr>
             <a:graphicFrameLocks/>
           </p:cNvGraphicFramePr>
           <p:nvPr>
             <p:extLst>
               <p:ext uri="{D42A27DB-BD31-4B8C-83A1-F6EECF244321}">
-                <p14:modId xmlns:p14="http://schemas.microsoft.com/office/powerpoint/2010/main" val="3082208196"/>
+                <p14:modId xmlns:p14="http://schemas.microsoft.com/office/powerpoint/2010/main" val="2117169531"/>
               </p:ext>
             </p:extLst>
           </p:nvPr>
         </p:nvGraphicFramePr>
         <p:xfrm>
-          <a:off x="14108540" y="20852878"/>
-          <a:ext cx="8281227" cy="3330951"/>
+          <a:off x="14665897" y="21777241"/>
+          <a:ext cx="8635590" cy="3473486"/>
         </p:xfrm>
         <a:graphic>
           <a:graphicData uri="http://schemas.openxmlformats.org/drawingml/2006/chart">
@@ -6126,13 +6104,13 @@
       </p:graphicFrame>
       <p:sp>
         <p:nvSpPr>
-          <p:cNvPr id="48" name="TextBox 3"/>
+          <p:cNvPr id="102" name="TextBox 3"/>
           <p:cNvSpPr txBox="1"/>
           <p:nvPr/>
         </p:nvSpPr>
         <p:spPr>
           <a:xfrm>
-            <a:off x="24387759" y="3744591"/>
+            <a:off x="25299477" y="4668952"/>
             <a:ext cx="10752395" cy="1938992"/>
           </a:xfrm>
           <a:prstGeom prst="rect">
@@ -6157,11 +6135,7 @@
             </a:r>
             <a:r>
               <a:rPr lang="en-US" sz="2400" dirty="0" smtClean="0"/>
-              <a:t>. The greater the lag order, the more complex the model becomes. Figure 5 shows the training and test error as a function of the lag order of the model. Training error decreases nearly uniformly as the lag order increases, but </a:t>
-            </a:r>
-            <a:r>
-              <a:rPr lang="en-US" sz="2400" dirty="0" smtClean="0"/>
-              <a:t>test set performance balloons upward beyond </a:t>
+              <a:t>. The greater the lag order, the more complex the model becomes. Figure 5 shows the training and test error as a function of the lag order of the model. Training error decreases nearly uniformly as the lag order increases, but test set performance balloons upward beyond </a:t>
             </a:r>
             <a:r>
               <a:rPr lang="en-US" sz="2400" i="1" dirty="0" smtClean="0"/>
@@ -6169,18 +6143,14 @@
             </a:r>
             <a:r>
               <a:rPr lang="en-US" sz="2400" dirty="0" smtClean="0"/>
-              <a:t>= 2.</a:t>
-            </a:r>
-            <a:r>
-              <a:rPr lang="en-US" sz="2400" dirty="0" smtClean="0"/>
-              <a:t> </a:t>
+              <a:t>= 2. </a:t>
             </a:r>
           </a:p>
         </p:txBody>
       </p:sp>
       <p:pic>
         <p:nvPicPr>
-          <p:cNvPr id="1037" name="Picture 13" descr="C:\Dev\weathermap\poster\err_training_vs_lag_order_all_vars_single_cell.png"/>
+          <p:cNvPr id="103" name="Picture 13" descr="C:\Dev\weathermap\poster\err_training_vs_lag_order_all_vars_single_cell.png"/>
           <p:cNvPicPr>
             <a:picLocks noChangeAspect="1" noChangeArrowheads="1"/>
           </p:cNvPicPr>
@@ -6201,7 +6171,7 @@
         </p:blipFill>
         <p:spPr bwMode="auto">
           <a:xfrm>
-            <a:off x="25167131" y="5904831"/>
+            <a:off x="26115168" y="6829192"/>
             <a:ext cx="3978610" cy="3973478"/>
           </a:xfrm>
           <a:prstGeom prst="rect">
@@ -6221,7 +6191,7 @@
       </p:pic>
       <p:pic>
         <p:nvPicPr>
-          <p:cNvPr id="1038" name="Picture 14" descr="C:\Dev\weathermap\poster\err_test_vs_lag_order_all_vars_single_cell.png"/>
+          <p:cNvPr id="104" name="Picture 14" descr="C:\Dev\weathermap\poster\err_test_vs_lag_order_all_vars_single_cell.png"/>
           <p:cNvPicPr>
             <a:picLocks noChangeAspect="1" noChangeArrowheads="1"/>
           </p:cNvPicPr>
@@ -6242,7 +6212,7 @@
         </p:blipFill>
         <p:spPr bwMode="auto">
           <a:xfrm>
-            <a:off x="30179725" y="5907563"/>
+            <a:off x="30741850" y="6831924"/>
             <a:ext cx="3978610" cy="3968346"/>
           </a:xfrm>
           <a:prstGeom prst="rect">
@@ -6262,13 +6232,13 @@
       </p:pic>
       <p:sp>
         <p:nvSpPr>
-          <p:cNvPr id="59" name="Rectangle 58"/>
+          <p:cNvPr id="105" name="Rectangle 104"/>
           <p:cNvSpPr/>
           <p:nvPr/>
         </p:nvSpPr>
         <p:spPr>
           <a:xfrm>
-            <a:off x="584418" y="430203"/>
+            <a:off x="1496136" y="1354564"/>
             <a:ext cx="4785333" cy="2062028"/>
           </a:xfrm>
           <a:prstGeom prst="rect">
@@ -6285,13 +6255,7 @@
               <a:rPr lang="en-US" sz="6400" b="1" dirty="0" smtClean="0">
                 <a:latin typeface="+mj-lt"/>
               </a:rPr>
-              <a:t>ID# </a:t>
-            </a:r>
-            <a:r>
-              <a:rPr lang="en-US" sz="6400" b="1" dirty="0" smtClean="0">
-                <a:latin typeface="+mj-lt"/>
-              </a:rPr>
-              <a:t>29</a:t>
+              <a:t>ID# 29</a:t>
             </a:r>
           </a:p>
           <a:p>
